--- a/doc/diagramms.pptx
+++ b/doc/diagramms.pptx
@@ -5,12 +5,13 @@
     <p:sldMasterId id="2147483678" r:id="rId1"/>
   </p:sldMasterIdLst>
   <p:notesMasterIdLst>
-    <p:notesMasterId r:id="rId5"/>
+    <p:notesMasterId r:id="rId6"/>
   </p:notesMasterIdLst>
   <p:sldIdLst>
     <p:sldId id="256" r:id="rId2"/>
-    <p:sldId id="257" r:id="rId3"/>
-    <p:sldId id="258" r:id="rId4"/>
+    <p:sldId id="259" r:id="rId3"/>
+    <p:sldId id="257" r:id="rId4"/>
+    <p:sldId id="258" r:id="rId5"/>
   </p:sldIdLst>
   <p:sldSz cx="12192000" cy="6858000"/>
   <p:notesSz cx="6858000" cy="9144000"/>
@@ -111,7 +112,18 @@
   </p:defaultTextStyle>
   <p:extLst>
     <p:ext uri="{EFAFB233-063F-42B5-8137-9DF3F51BA10A}">
-      <p15:sldGuideLst xmlns:p15="http://schemas.microsoft.com/office/powerpoint/2012/main"/>
+      <p15:sldGuideLst xmlns:p15="http://schemas.microsoft.com/office/powerpoint/2012/main">
+        <p15:guide id="1" orient="horz" pos="2160" userDrawn="1">
+          <p15:clr>
+            <a:srgbClr val="A4A3A4"/>
+          </p15:clr>
+        </p15:guide>
+        <p15:guide id="2" pos="3840" userDrawn="1">
+          <p15:clr>
+            <a:srgbClr val="A4A3A4"/>
+          </p15:clr>
+        </p15:guide>
+      </p15:sldGuideLst>
     </p:ext>
   </p:extLst>
 </p:presentation>
@@ -123,6 +135,4492 @@
     <p:extLst/>
   </p:cmAuthor>
 </p:cmAuthorLst>
+</file>
+
+<file path=ppt/diagrams/colors1.xml><?xml version="1.0" encoding="utf-8"?>
+<dgm:colorsDef xmlns:dgm="http://schemas.openxmlformats.org/drawingml/2006/diagram" xmlns:a="http://schemas.openxmlformats.org/drawingml/2006/main" uniqueId="urn:microsoft.com/office/officeart/2005/8/colors/accent1_2">
+  <dgm:title val=""/>
+  <dgm:desc val=""/>
+  <dgm:catLst>
+    <dgm:cat type="accent1" pri="11200"/>
+  </dgm:catLst>
+  <dgm:styleLbl name="node0">
+    <dgm:fillClrLst meth="repeat">
+      <a:schemeClr val="accent1"/>
+    </dgm:fillClrLst>
+    <dgm:linClrLst meth="repeat">
+      <a:schemeClr val="lt1"/>
+    </dgm:linClrLst>
+    <dgm:effectClrLst/>
+    <dgm:txLinClrLst/>
+    <dgm:txFillClrLst/>
+    <dgm:txEffectClrLst/>
+  </dgm:styleLbl>
+  <dgm:styleLbl name="alignNode1">
+    <dgm:fillClrLst meth="repeat">
+      <a:schemeClr val="accent1"/>
+    </dgm:fillClrLst>
+    <dgm:linClrLst meth="repeat">
+      <a:schemeClr val="accent1"/>
+    </dgm:linClrLst>
+    <dgm:effectClrLst/>
+    <dgm:txLinClrLst/>
+    <dgm:txFillClrLst/>
+    <dgm:txEffectClrLst/>
+  </dgm:styleLbl>
+  <dgm:styleLbl name="node1">
+    <dgm:fillClrLst meth="repeat">
+      <a:schemeClr val="accent1"/>
+    </dgm:fillClrLst>
+    <dgm:linClrLst meth="repeat">
+      <a:schemeClr val="lt1"/>
+    </dgm:linClrLst>
+    <dgm:effectClrLst/>
+    <dgm:txLinClrLst/>
+    <dgm:txFillClrLst/>
+    <dgm:txEffectClrLst/>
+  </dgm:styleLbl>
+  <dgm:styleLbl name="lnNode1">
+    <dgm:fillClrLst meth="repeat">
+      <a:schemeClr val="accent1"/>
+    </dgm:fillClrLst>
+    <dgm:linClrLst meth="repeat">
+      <a:schemeClr val="lt1"/>
+    </dgm:linClrLst>
+    <dgm:effectClrLst/>
+    <dgm:txLinClrLst/>
+    <dgm:txFillClrLst/>
+    <dgm:txEffectClrLst/>
+  </dgm:styleLbl>
+  <dgm:styleLbl name="vennNode1">
+    <dgm:fillClrLst meth="repeat">
+      <a:schemeClr val="accent1">
+        <a:alpha val="50000"/>
+      </a:schemeClr>
+    </dgm:fillClrLst>
+    <dgm:linClrLst meth="repeat">
+      <a:schemeClr val="lt1"/>
+    </dgm:linClrLst>
+    <dgm:effectClrLst/>
+    <dgm:txLinClrLst/>
+    <dgm:txFillClrLst/>
+    <dgm:txEffectClrLst/>
+  </dgm:styleLbl>
+  <dgm:styleLbl name="node2">
+    <dgm:fillClrLst meth="repeat">
+      <a:schemeClr val="accent1"/>
+    </dgm:fillClrLst>
+    <dgm:linClrLst meth="repeat">
+      <a:schemeClr val="lt1"/>
+    </dgm:linClrLst>
+    <dgm:effectClrLst/>
+    <dgm:txLinClrLst/>
+    <dgm:txFillClrLst/>
+    <dgm:txEffectClrLst/>
+  </dgm:styleLbl>
+  <dgm:styleLbl name="node3">
+    <dgm:fillClrLst meth="repeat">
+      <a:schemeClr val="accent1"/>
+    </dgm:fillClrLst>
+    <dgm:linClrLst meth="repeat">
+      <a:schemeClr val="lt1"/>
+    </dgm:linClrLst>
+    <dgm:effectClrLst/>
+    <dgm:txLinClrLst/>
+    <dgm:txFillClrLst/>
+    <dgm:txEffectClrLst/>
+  </dgm:styleLbl>
+  <dgm:styleLbl name="node4">
+    <dgm:fillClrLst meth="repeat">
+      <a:schemeClr val="accent1"/>
+    </dgm:fillClrLst>
+    <dgm:linClrLst meth="repeat">
+      <a:schemeClr val="lt1"/>
+    </dgm:linClrLst>
+    <dgm:effectClrLst/>
+    <dgm:txLinClrLst/>
+    <dgm:txFillClrLst/>
+    <dgm:txEffectClrLst/>
+  </dgm:styleLbl>
+  <dgm:styleLbl name="fgImgPlace1">
+    <dgm:fillClrLst meth="repeat">
+      <a:schemeClr val="accent1">
+        <a:tint val="50000"/>
+      </a:schemeClr>
+    </dgm:fillClrLst>
+    <dgm:linClrLst meth="repeat">
+      <a:schemeClr val="lt1"/>
+    </dgm:linClrLst>
+    <dgm:effectClrLst/>
+    <dgm:txLinClrLst/>
+    <dgm:txFillClrLst meth="repeat">
+      <a:schemeClr val="lt1"/>
+    </dgm:txFillClrLst>
+    <dgm:txEffectClrLst/>
+  </dgm:styleLbl>
+  <dgm:styleLbl name="alignImgPlace1">
+    <dgm:fillClrLst meth="repeat">
+      <a:schemeClr val="accent1">
+        <a:tint val="50000"/>
+      </a:schemeClr>
+    </dgm:fillClrLst>
+    <dgm:linClrLst meth="repeat">
+      <a:schemeClr val="lt1"/>
+    </dgm:linClrLst>
+    <dgm:effectClrLst/>
+    <dgm:txLinClrLst/>
+    <dgm:txFillClrLst meth="repeat">
+      <a:schemeClr val="lt1"/>
+    </dgm:txFillClrLst>
+    <dgm:txEffectClrLst/>
+  </dgm:styleLbl>
+  <dgm:styleLbl name="bgImgPlace1">
+    <dgm:fillClrLst meth="repeat">
+      <a:schemeClr val="accent1">
+        <a:tint val="50000"/>
+      </a:schemeClr>
+    </dgm:fillClrLst>
+    <dgm:linClrLst meth="repeat">
+      <a:schemeClr val="lt1"/>
+    </dgm:linClrLst>
+    <dgm:effectClrLst/>
+    <dgm:txLinClrLst/>
+    <dgm:txFillClrLst meth="repeat">
+      <a:schemeClr val="lt1"/>
+    </dgm:txFillClrLst>
+    <dgm:txEffectClrLst/>
+  </dgm:styleLbl>
+  <dgm:styleLbl name="sibTrans2D1">
+    <dgm:fillClrLst meth="repeat">
+      <a:schemeClr val="accent1">
+        <a:tint val="60000"/>
+      </a:schemeClr>
+    </dgm:fillClrLst>
+    <dgm:linClrLst meth="repeat">
+      <a:schemeClr val="accent1">
+        <a:tint val="60000"/>
+      </a:schemeClr>
+    </dgm:linClrLst>
+    <dgm:effectClrLst/>
+    <dgm:txLinClrLst/>
+    <dgm:txFillClrLst/>
+    <dgm:txEffectClrLst/>
+  </dgm:styleLbl>
+  <dgm:styleLbl name="fgSibTrans2D1">
+    <dgm:fillClrLst meth="repeat">
+      <a:schemeClr val="accent1">
+        <a:tint val="60000"/>
+      </a:schemeClr>
+    </dgm:fillClrLst>
+    <dgm:linClrLst meth="repeat">
+      <a:schemeClr val="accent1">
+        <a:tint val="60000"/>
+      </a:schemeClr>
+    </dgm:linClrLst>
+    <dgm:effectClrLst/>
+    <dgm:txLinClrLst/>
+    <dgm:txFillClrLst/>
+    <dgm:txEffectClrLst/>
+  </dgm:styleLbl>
+  <dgm:styleLbl name="bgSibTrans2D1">
+    <dgm:fillClrLst meth="repeat">
+      <a:schemeClr val="accent1">
+        <a:tint val="60000"/>
+      </a:schemeClr>
+    </dgm:fillClrLst>
+    <dgm:linClrLst meth="repeat">
+      <a:schemeClr val="accent1">
+        <a:tint val="60000"/>
+      </a:schemeClr>
+    </dgm:linClrLst>
+    <dgm:effectClrLst/>
+    <dgm:txLinClrLst/>
+    <dgm:txFillClrLst/>
+    <dgm:txEffectClrLst/>
+  </dgm:styleLbl>
+  <dgm:styleLbl name="sibTrans1D1">
+    <dgm:fillClrLst meth="repeat">
+      <a:schemeClr val="accent1"/>
+    </dgm:fillClrLst>
+    <dgm:linClrLst meth="repeat">
+      <a:schemeClr val="accent1"/>
+    </dgm:linClrLst>
+    <dgm:effectClrLst/>
+    <dgm:txLinClrLst/>
+    <dgm:txFillClrLst meth="repeat">
+      <a:schemeClr val="tx1"/>
+    </dgm:txFillClrLst>
+    <dgm:txEffectClrLst/>
+  </dgm:styleLbl>
+  <dgm:styleLbl name="callout">
+    <dgm:fillClrLst meth="repeat">
+      <a:schemeClr val="accent1"/>
+    </dgm:fillClrLst>
+    <dgm:linClrLst meth="repeat">
+      <a:schemeClr val="accent1">
+        <a:tint val="50000"/>
+      </a:schemeClr>
+    </dgm:linClrLst>
+    <dgm:effectClrLst/>
+    <dgm:txLinClrLst/>
+    <dgm:txFillClrLst meth="repeat">
+      <a:schemeClr val="tx1"/>
+    </dgm:txFillClrLst>
+    <dgm:txEffectClrLst/>
+  </dgm:styleLbl>
+  <dgm:styleLbl name="asst0">
+    <dgm:fillClrLst meth="repeat">
+      <a:schemeClr val="accent1"/>
+    </dgm:fillClrLst>
+    <dgm:linClrLst meth="repeat">
+      <a:schemeClr val="lt1"/>
+    </dgm:linClrLst>
+    <dgm:effectClrLst/>
+    <dgm:txLinClrLst/>
+    <dgm:txFillClrLst/>
+    <dgm:txEffectClrLst/>
+  </dgm:styleLbl>
+  <dgm:styleLbl name="asst1">
+    <dgm:fillClrLst meth="repeat">
+      <a:schemeClr val="accent1"/>
+    </dgm:fillClrLst>
+    <dgm:linClrLst meth="repeat">
+      <a:schemeClr val="lt1"/>
+    </dgm:linClrLst>
+    <dgm:effectClrLst/>
+    <dgm:txLinClrLst/>
+    <dgm:txFillClrLst/>
+    <dgm:txEffectClrLst/>
+  </dgm:styleLbl>
+  <dgm:styleLbl name="asst2">
+    <dgm:fillClrLst meth="repeat">
+      <a:schemeClr val="accent1"/>
+    </dgm:fillClrLst>
+    <dgm:linClrLst meth="repeat">
+      <a:schemeClr val="lt1"/>
+    </dgm:linClrLst>
+    <dgm:effectClrLst/>
+    <dgm:txLinClrLst/>
+    <dgm:txFillClrLst/>
+    <dgm:txEffectClrLst/>
+  </dgm:styleLbl>
+  <dgm:styleLbl name="asst3">
+    <dgm:fillClrLst meth="repeat">
+      <a:schemeClr val="accent1"/>
+    </dgm:fillClrLst>
+    <dgm:linClrLst meth="repeat">
+      <a:schemeClr val="lt1"/>
+    </dgm:linClrLst>
+    <dgm:effectClrLst/>
+    <dgm:txLinClrLst/>
+    <dgm:txFillClrLst/>
+    <dgm:txEffectClrLst/>
+  </dgm:styleLbl>
+  <dgm:styleLbl name="asst4">
+    <dgm:fillClrLst meth="repeat">
+      <a:schemeClr val="accent1"/>
+    </dgm:fillClrLst>
+    <dgm:linClrLst meth="repeat">
+      <a:schemeClr val="lt1"/>
+    </dgm:linClrLst>
+    <dgm:effectClrLst/>
+    <dgm:txLinClrLst/>
+    <dgm:txFillClrLst/>
+    <dgm:txEffectClrLst/>
+  </dgm:styleLbl>
+  <dgm:styleLbl name="parChTrans2D1">
+    <dgm:fillClrLst meth="repeat">
+      <a:schemeClr val="accent1">
+        <a:tint val="60000"/>
+      </a:schemeClr>
+    </dgm:fillClrLst>
+    <dgm:linClrLst meth="repeat">
+      <a:schemeClr val="accent1">
+        <a:tint val="60000"/>
+      </a:schemeClr>
+    </dgm:linClrLst>
+    <dgm:effectClrLst/>
+    <dgm:txLinClrLst/>
+    <dgm:txFillClrLst meth="repeat">
+      <a:schemeClr val="lt1"/>
+    </dgm:txFillClrLst>
+    <dgm:txEffectClrLst/>
+  </dgm:styleLbl>
+  <dgm:styleLbl name="parChTrans2D2">
+    <dgm:fillClrLst meth="repeat">
+      <a:schemeClr val="accent1"/>
+    </dgm:fillClrLst>
+    <dgm:linClrLst meth="repeat">
+      <a:schemeClr val="accent1"/>
+    </dgm:linClrLst>
+    <dgm:effectClrLst/>
+    <dgm:txLinClrLst/>
+    <dgm:txFillClrLst meth="repeat">
+      <a:schemeClr val="lt1"/>
+    </dgm:txFillClrLst>
+    <dgm:txEffectClrLst/>
+  </dgm:styleLbl>
+  <dgm:styleLbl name="parChTrans2D3">
+    <dgm:fillClrLst meth="repeat">
+      <a:schemeClr val="accent1"/>
+    </dgm:fillClrLst>
+    <dgm:linClrLst meth="repeat">
+      <a:schemeClr val="accent1"/>
+    </dgm:linClrLst>
+    <dgm:effectClrLst/>
+    <dgm:txLinClrLst/>
+    <dgm:txFillClrLst meth="repeat">
+      <a:schemeClr val="lt1"/>
+    </dgm:txFillClrLst>
+    <dgm:txEffectClrLst/>
+  </dgm:styleLbl>
+  <dgm:styleLbl name="parChTrans2D4">
+    <dgm:fillClrLst meth="repeat">
+      <a:schemeClr val="accent1"/>
+    </dgm:fillClrLst>
+    <dgm:linClrLst meth="repeat">
+      <a:schemeClr val="accent1"/>
+    </dgm:linClrLst>
+    <dgm:effectClrLst/>
+    <dgm:txLinClrLst/>
+    <dgm:txFillClrLst meth="repeat">
+      <a:schemeClr val="lt1"/>
+    </dgm:txFillClrLst>
+    <dgm:txEffectClrLst/>
+  </dgm:styleLbl>
+  <dgm:styleLbl name="parChTrans1D1">
+    <dgm:fillClrLst meth="repeat">
+      <a:schemeClr val="accent1"/>
+    </dgm:fillClrLst>
+    <dgm:linClrLst meth="repeat">
+      <a:schemeClr val="accent1">
+        <a:shade val="60000"/>
+      </a:schemeClr>
+    </dgm:linClrLst>
+    <dgm:effectClrLst/>
+    <dgm:txLinClrLst/>
+    <dgm:txFillClrLst meth="repeat">
+      <a:schemeClr val="tx1"/>
+    </dgm:txFillClrLst>
+    <dgm:txEffectClrLst/>
+  </dgm:styleLbl>
+  <dgm:styleLbl name="parChTrans1D2">
+    <dgm:fillClrLst meth="repeat">
+      <a:schemeClr val="accent1"/>
+    </dgm:fillClrLst>
+    <dgm:linClrLst meth="repeat">
+      <a:schemeClr val="accent1">
+        <a:shade val="60000"/>
+      </a:schemeClr>
+    </dgm:linClrLst>
+    <dgm:effectClrLst/>
+    <dgm:txLinClrLst/>
+    <dgm:txFillClrLst meth="repeat">
+      <a:schemeClr val="tx1"/>
+    </dgm:txFillClrLst>
+    <dgm:txEffectClrLst/>
+  </dgm:styleLbl>
+  <dgm:styleLbl name="parChTrans1D3">
+    <dgm:fillClrLst meth="repeat">
+      <a:schemeClr val="accent1"/>
+    </dgm:fillClrLst>
+    <dgm:linClrLst meth="repeat">
+      <a:schemeClr val="accent1">
+        <a:shade val="80000"/>
+      </a:schemeClr>
+    </dgm:linClrLst>
+    <dgm:effectClrLst/>
+    <dgm:txLinClrLst/>
+    <dgm:txFillClrLst meth="repeat">
+      <a:schemeClr val="tx1"/>
+    </dgm:txFillClrLst>
+    <dgm:txEffectClrLst/>
+  </dgm:styleLbl>
+  <dgm:styleLbl name="parChTrans1D4">
+    <dgm:fillClrLst meth="repeat">
+      <a:schemeClr val="accent1"/>
+    </dgm:fillClrLst>
+    <dgm:linClrLst meth="repeat">
+      <a:schemeClr val="accent1">
+        <a:shade val="80000"/>
+      </a:schemeClr>
+    </dgm:linClrLst>
+    <dgm:effectClrLst/>
+    <dgm:txLinClrLst/>
+    <dgm:txFillClrLst meth="repeat">
+      <a:schemeClr val="tx1"/>
+    </dgm:txFillClrLst>
+    <dgm:txEffectClrLst/>
+  </dgm:styleLbl>
+  <dgm:styleLbl name="fgAcc1">
+    <dgm:fillClrLst meth="repeat">
+      <a:schemeClr val="lt1">
+        <a:alpha val="90000"/>
+      </a:schemeClr>
+    </dgm:fillClrLst>
+    <dgm:linClrLst meth="repeat">
+      <a:schemeClr val="accent1"/>
+    </dgm:linClrLst>
+    <dgm:effectClrLst/>
+    <dgm:txLinClrLst/>
+    <dgm:txFillClrLst meth="repeat">
+      <a:schemeClr val="dk1"/>
+    </dgm:txFillClrLst>
+    <dgm:txEffectClrLst/>
+  </dgm:styleLbl>
+  <dgm:styleLbl name="conFgAcc1">
+    <dgm:fillClrLst meth="repeat">
+      <a:schemeClr val="lt1">
+        <a:alpha val="90000"/>
+      </a:schemeClr>
+    </dgm:fillClrLst>
+    <dgm:linClrLst meth="repeat">
+      <a:schemeClr val="accent1"/>
+    </dgm:linClrLst>
+    <dgm:effectClrLst/>
+    <dgm:txLinClrLst/>
+    <dgm:txFillClrLst meth="repeat">
+      <a:schemeClr val="dk1"/>
+    </dgm:txFillClrLst>
+    <dgm:txEffectClrLst/>
+  </dgm:styleLbl>
+  <dgm:styleLbl name="alignAcc1">
+    <dgm:fillClrLst meth="repeat">
+      <a:schemeClr val="lt1">
+        <a:alpha val="90000"/>
+      </a:schemeClr>
+    </dgm:fillClrLst>
+    <dgm:linClrLst meth="repeat">
+      <a:schemeClr val="accent1"/>
+    </dgm:linClrLst>
+    <dgm:effectClrLst/>
+    <dgm:txLinClrLst/>
+    <dgm:txFillClrLst meth="repeat">
+      <a:schemeClr val="dk1"/>
+    </dgm:txFillClrLst>
+    <dgm:txEffectClrLst/>
+  </dgm:styleLbl>
+  <dgm:styleLbl name="trAlignAcc1">
+    <dgm:fillClrLst meth="repeat">
+      <a:schemeClr val="lt1">
+        <a:alpha val="40000"/>
+      </a:schemeClr>
+    </dgm:fillClrLst>
+    <dgm:linClrLst meth="repeat">
+      <a:schemeClr val="accent1"/>
+    </dgm:linClrLst>
+    <dgm:effectClrLst/>
+    <dgm:txLinClrLst/>
+    <dgm:txFillClrLst meth="repeat">
+      <a:schemeClr val="dk1"/>
+    </dgm:txFillClrLst>
+    <dgm:txEffectClrLst/>
+  </dgm:styleLbl>
+  <dgm:styleLbl name="bgAcc1">
+    <dgm:fillClrLst meth="repeat">
+      <a:schemeClr val="lt1">
+        <a:alpha val="90000"/>
+      </a:schemeClr>
+    </dgm:fillClrLst>
+    <dgm:linClrLst meth="repeat">
+      <a:schemeClr val="accent1"/>
+    </dgm:linClrLst>
+    <dgm:effectClrLst/>
+    <dgm:txLinClrLst/>
+    <dgm:txFillClrLst meth="repeat">
+      <a:schemeClr val="dk1"/>
+    </dgm:txFillClrLst>
+    <dgm:txEffectClrLst/>
+  </dgm:styleLbl>
+  <dgm:styleLbl name="solidFgAcc1">
+    <dgm:fillClrLst meth="repeat">
+      <a:schemeClr val="lt1"/>
+    </dgm:fillClrLst>
+    <dgm:linClrLst meth="repeat">
+      <a:schemeClr val="accent1"/>
+    </dgm:linClrLst>
+    <dgm:effectClrLst/>
+    <dgm:txLinClrLst/>
+    <dgm:txFillClrLst meth="repeat">
+      <a:schemeClr val="dk1"/>
+    </dgm:txFillClrLst>
+    <dgm:txEffectClrLst/>
+  </dgm:styleLbl>
+  <dgm:styleLbl name="solidAlignAcc1">
+    <dgm:fillClrLst meth="repeat">
+      <a:schemeClr val="lt1"/>
+    </dgm:fillClrLst>
+    <dgm:linClrLst meth="repeat">
+      <a:schemeClr val="accent1"/>
+    </dgm:linClrLst>
+    <dgm:effectClrLst/>
+    <dgm:txLinClrLst/>
+    <dgm:txFillClrLst meth="repeat">
+      <a:schemeClr val="dk1"/>
+    </dgm:txFillClrLst>
+    <dgm:txEffectClrLst/>
+  </dgm:styleLbl>
+  <dgm:styleLbl name="solidBgAcc1">
+    <dgm:fillClrLst meth="repeat">
+      <a:schemeClr val="lt1"/>
+    </dgm:fillClrLst>
+    <dgm:linClrLst meth="repeat">
+      <a:schemeClr val="accent1"/>
+    </dgm:linClrLst>
+    <dgm:effectClrLst/>
+    <dgm:txLinClrLst/>
+    <dgm:txFillClrLst meth="repeat">
+      <a:schemeClr val="dk1"/>
+    </dgm:txFillClrLst>
+    <dgm:txEffectClrLst/>
+  </dgm:styleLbl>
+  <dgm:styleLbl name="fgAccFollowNode1">
+    <dgm:fillClrLst meth="repeat">
+      <a:schemeClr val="accent1">
+        <a:alpha val="90000"/>
+        <a:tint val="40000"/>
+      </a:schemeClr>
+    </dgm:fillClrLst>
+    <dgm:linClrLst meth="repeat">
+      <a:schemeClr val="accent1">
+        <a:alpha val="90000"/>
+        <a:tint val="40000"/>
+      </a:schemeClr>
+    </dgm:linClrLst>
+    <dgm:effectClrLst/>
+    <dgm:txLinClrLst/>
+    <dgm:txFillClrLst meth="repeat">
+      <a:schemeClr val="dk1"/>
+    </dgm:txFillClrLst>
+    <dgm:txEffectClrLst/>
+  </dgm:styleLbl>
+  <dgm:styleLbl name="alignAccFollowNode1">
+    <dgm:fillClrLst meth="repeat">
+      <a:schemeClr val="accent1">
+        <a:alpha val="90000"/>
+        <a:tint val="40000"/>
+      </a:schemeClr>
+    </dgm:fillClrLst>
+    <dgm:linClrLst meth="repeat">
+      <a:schemeClr val="accent1">
+        <a:alpha val="90000"/>
+        <a:tint val="40000"/>
+      </a:schemeClr>
+    </dgm:linClrLst>
+    <dgm:effectClrLst/>
+    <dgm:txLinClrLst/>
+    <dgm:txFillClrLst meth="repeat">
+      <a:schemeClr val="dk1"/>
+    </dgm:txFillClrLst>
+    <dgm:txEffectClrLst/>
+  </dgm:styleLbl>
+  <dgm:styleLbl name="bgAccFollowNode1">
+    <dgm:fillClrLst meth="repeat">
+      <a:schemeClr val="accent1">
+        <a:alpha val="90000"/>
+        <a:tint val="40000"/>
+      </a:schemeClr>
+    </dgm:fillClrLst>
+    <dgm:linClrLst meth="repeat">
+      <a:schemeClr val="accent1">
+        <a:alpha val="90000"/>
+        <a:tint val="40000"/>
+      </a:schemeClr>
+    </dgm:linClrLst>
+    <dgm:effectClrLst/>
+    <dgm:txLinClrLst/>
+    <dgm:txFillClrLst meth="repeat">
+      <a:schemeClr val="dk1"/>
+    </dgm:txFillClrLst>
+    <dgm:txEffectClrLst/>
+  </dgm:styleLbl>
+  <dgm:styleLbl name="fgAcc0">
+    <dgm:fillClrLst meth="repeat">
+      <a:schemeClr val="lt1">
+        <a:alpha val="90000"/>
+      </a:schemeClr>
+    </dgm:fillClrLst>
+    <dgm:linClrLst meth="repeat">
+      <a:schemeClr val="accent1"/>
+    </dgm:linClrLst>
+    <dgm:effectClrLst/>
+    <dgm:txLinClrLst/>
+    <dgm:txFillClrLst meth="repeat">
+      <a:schemeClr val="dk1"/>
+    </dgm:txFillClrLst>
+    <dgm:txEffectClrLst/>
+  </dgm:styleLbl>
+  <dgm:styleLbl name="fgAcc2">
+    <dgm:fillClrLst meth="repeat">
+      <a:schemeClr val="lt1">
+        <a:alpha val="90000"/>
+      </a:schemeClr>
+    </dgm:fillClrLst>
+    <dgm:linClrLst meth="repeat">
+      <a:schemeClr val="accent1"/>
+    </dgm:linClrLst>
+    <dgm:effectClrLst/>
+    <dgm:txLinClrLst/>
+    <dgm:txFillClrLst meth="repeat">
+      <a:schemeClr val="dk1"/>
+    </dgm:txFillClrLst>
+    <dgm:txEffectClrLst/>
+  </dgm:styleLbl>
+  <dgm:styleLbl name="fgAcc3">
+    <dgm:fillClrLst meth="repeat">
+      <a:schemeClr val="lt1">
+        <a:alpha val="90000"/>
+      </a:schemeClr>
+    </dgm:fillClrLst>
+    <dgm:linClrLst meth="repeat">
+      <a:schemeClr val="accent1"/>
+    </dgm:linClrLst>
+    <dgm:effectClrLst/>
+    <dgm:txLinClrLst/>
+    <dgm:txFillClrLst meth="repeat">
+      <a:schemeClr val="dk1"/>
+    </dgm:txFillClrLst>
+    <dgm:txEffectClrLst/>
+  </dgm:styleLbl>
+  <dgm:styleLbl name="fgAcc4">
+    <dgm:fillClrLst meth="repeat">
+      <a:schemeClr val="lt1">
+        <a:alpha val="90000"/>
+      </a:schemeClr>
+    </dgm:fillClrLst>
+    <dgm:linClrLst meth="repeat">
+      <a:schemeClr val="accent1"/>
+    </dgm:linClrLst>
+    <dgm:effectClrLst/>
+    <dgm:txLinClrLst/>
+    <dgm:txFillClrLst meth="repeat">
+      <a:schemeClr val="dk1"/>
+    </dgm:txFillClrLst>
+    <dgm:txEffectClrLst/>
+  </dgm:styleLbl>
+  <dgm:styleLbl name="bgShp">
+    <dgm:fillClrLst meth="repeat">
+      <a:schemeClr val="accent1">
+        <a:tint val="40000"/>
+      </a:schemeClr>
+    </dgm:fillClrLst>
+    <dgm:linClrLst meth="repeat">
+      <a:schemeClr val="accent1"/>
+    </dgm:linClrLst>
+    <dgm:effectClrLst/>
+    <dgm:txLinClrLst/>
+    <dgm:txFillClrLst meth="repeat">
+      <a:schemeClr val="dk1"/>
+    </dgm:txFillClrLst>
+    <dgm:txEffectClrLst/>
+  </dgm:styleLbl>
+  <dgm:styleLbl name="dkBgShp">
+    <dgm:fillClrLst meth="repeat">
+      <a:schemeClr val="accent1">
+        <a:shade val="80000"/>
+      </a:schemeClr>
+    </dgm:fillClrLst>
+    <dgm:linClrLst meth="repeat">
+      <a:schemeClr val="accent1"/>
+    </dgm:linClrLst>
+    <dgm:effectClrLst/>
+    <dgm:txLinClrLst/>
+    <dgm:txFillClrLst meth="repeat">
+      <a:schemeClr val="lt1"/>
+    </dgm:txFillClrLst>
+    <dgm:txEffectClrLst/>
+  </dgm:styleLbl>
+  <dgm:styleLbl name="trBgShp">
+    <dgm:fillClrLst meth="repeat">
+      <a:schemeClr val="accent1">
+        <a:tint val="50000"/>
+        <a:alpha val="40000"/>
+      </a:schemeClr>
+    </dgm:fillClrLst>
+    <dgm:linClrLst meth="repeat">
+      <a:schemeClr val="accent1"/>
+    </dgm:linClrLst>
+    <dgm:effectClrLst/>
+    <dgm:txLinClrLst/>
+    <dgm:txFillClrLst meth="repeat">
+      <a:schemeClr val="lt1"/>
+    </dgm:txFillClrLst>
+    <dgm:txEffectClrLst/>
+  </dgm:styleLbl>
+  <dgm:styleLbl name="fgShp">
+    <dgm:fillClrLst meth="repeat">
+      <a:schemeClr val="accent1">
+        <a:tint val="60000"/>
+      </a:schemeClr>
+    </dgm:fillClrLst>
+    <dgm:linClrLst meth="repeat">
+      <a:schemeClr val="lt1"/>
+    </dgm:linClrLst>
+    <dgm:effectClrLst/>
+    <dgm:txLinClrLst/>
+    <dgm:txFillClrLst meth="repeat">
+      <a:schemeClr val="dk1"/>
+    </dgm:txFillClrLst>
+    <dgm:txEffectClrLst/>
+  </dgm:styleLbl>
+  <dgm:styleLbl name="revTx">
+    <dgm:fillClrLst meth="repeat">
+      <a:schemeClr val="lt1">
+        <a:alpha val="0"/>
+      </a:schemeClr>
+    </dgm:fillClrLst>
+    <dgm:linClrLst meth="repeat">
+      <a:schemeClr val="dk1">
+        <a:alpha val="0"/>
+      </a:schemeClr>
+    </dgm:linClrLst>
+    <dgm:effectClrLst/>
+    <dgm:txLinClrLst/>
+    <dgm:txFillClrLst meth="repeat">
+      <a:schemeClr val="tx1"/>
+    </dgm:txFillClrLst>
+    <dgm:txEffectClrLst/>
+  </dgm:styleLbl>
+</dgm:colorsDef>
+</file>
+
+<file path=ppt/diagrams/data1.xml><?xml version="1.0" encoding="utf-8"?>
+<dgm:dataModel xmlns:dgm="http://schemas.openxmlformats.org/drawingml/2006/diagram" xmlns:a="http://schemas.openxmlformats.org/drawingml/2006/main">
+  <dgm:ptLst>
+    <dgm:pt modelId="{D595F40D-B554-1343-B3AC-E9E9E3D24196}" type="doc">
+      <dgm:prSet loTypeId="urn:microsoft.com/office/officeart/2009/layout/CirclePictureHierarchy" loCatId="" qsTypeId="urn:microsoft.com/office/officeart/2005/8/quickstyle/simple4" qsCatId="simple" csTypeId="urn:microsoft.com/office/officeart/2005/8/colors/accent1_2" csCatId="accent1" phldr="1"/>
+      <dgm:spPr/>
+      <dgm:t>
+        <a:bodyPr/>
+        <a:lstStyle/>
+        <a:p>
+          <a:endParaRPr lang="en-US"/>
+        </a:p>
+      </dgm:t>
+    </dgm:pt>
+    <dgm:pt modelId="{D27E7761-0126-954C-AE7D-0A46C6A03612}">
+      <dgm:prSet phldrT="[Text]" custT="1"/>
+      <dgm:spPr/>
+      <dgm:t>
+        <a:bodyPr/>
+        <a:lstStyle/>
+        <a:p>
+          <a:r>
+            <a:rPr lang="en-US" sz="1600" b="1" smtClean="0">
+              <a:latin typeface="Courier New" charset="0"/>
+              <a:ea typeface="Courier New" charset="0"/>
+              <a:cs typeface="Courier New" charset="0"/>
+            </a:rPr>
+            <a:t>multipart/</a:t>
+          </a:r>
+        </a:p>
+        <a:p>
+          <a:r>
+            <a:rPr lang="en-US" sz="1600" b="1" smtClean="0">
+              <a:latin typeface="Courier New" charset="0"/>
+              <a:ea typeface="Courier New" charset="0"/>
+              <a:cs typeface="Courier New" charset="0"/>
+            </a:rPr>
+            <a:t>mixed</a:t>
+          </a:r>
+          <a:endParaRPr lang="en-US" sz="1600" b="1" dirty="0">
+            <a:latin typeface="Courier New" charset="0"/>
+            <a:ea typeface="Courier New" charset="0"/>
+            <a:cs typeface="Courier New" charset="0"/>
+          </a:endParaRPr>
+        </a:p>
+      </dgm:t>
+    </dgm:pt>
+    <dgm:pt modelId="{F1B52EE7-6FEF-F244-85F2-AFCB8BA0D03A}" type="parTrans" cxnId="{0EB30BAE-22EA-E14B-85BF-F0CD2534F8EB}">
+      <dgm:prSet/>
+      <dgm:spPr/>
+      <dgm:t>
+        <a:bodyPr/>
+        <a:lstStyle/>
+        <a:p>
+          <a:endParaRPr lang="en-US"/>
+        </a:p>
+      </dgm:t>
+    </dgm:pt>
+    <dgm:pt modelId="{32FBA312-6EDE-744E-994A-9CA27CF2D582}" type="sibTrans" cxnId="{0EB30BAE-22EA-E14B-85BF-F0CD2534F8EB}">
+      <dgm:prSet/>
+      <dgm:spPr/>
+      <dgm:t>
+        <a:bodyPr/>
+        <a:lstStyle/>
+        <a:p>
+          <a:endParaRPr lang="en-US"/>
+        </a:p>
+      </dgm:t>
+    </dgm:pt>
+    <dgm:pt modelId="{76D51716-3D9F-7D41-AAF5-2EA93EC36E96}">
+      <dgm:prSet phldrT="[Text]" custT="1"/>
+      <dgm:spPr/>
+      <dgm:t>
+        <a:bodyPr/>
+        <a:lstStyle/>
+        <a:p>
+          <a:r>
+            <a:rPr lang="en-US" sz="1600" b="1" dirty="0" smtClean="0">
+              <a:latin typeface="Courier New" charset="0"/>
+              <a:ea typeface="Courier New" charset="0"/>
+              <a:cs typeface="Courier New" charset="0"/>
+            </a:rPr>
+            <a:t>multipart/</a:t>
+          </a:r>
+        </a:p>
+        <a:p>
+          <a:r>
+            <a:rPr lang="en-US" sz="1600" b="1" dirty="0" smtClean="0">
+              <a:latin typeface="Courier New" charset="0"/>
+              <a:ea typeface="Courier New" charset="0"/>
+              <a:cs typeface="Courier New" charset="0"/>
+            </a:rPr>
+            <a:t>alternative</a:t>
+          </a:r>
+          <a:endParaRPr lang="en-US" sz="1600" b="1" dirty="0">
+            <a:latin typeface="Courier New" charset="0"/>
+            <a:ea typeface="Courier New" charset="0"/>
+            <a:cs typeface="Courier New" charset="0"/>
+          </a:endParaRPr>
+        </a:p>
+      </dgm:t>
+    </dgm:pt>
+    <dgm:pt modelId="{89BE0F35-5FA2-0B4C-A55C-EB4964AB4319}" type="parTrans" cxnId="{F72577BE-8797-0741-B061-2E8F2006F6EC}">
+      <dgm:prSet/>
+      <dgm:spPr/>
+      <dgm:t>
+        <a:bodyPr/>
+        <a:lstStyle/>
+        <a:p>
+          <a:endParaRPr lang="en-US"/>
+        </a:p>
+      </dgm:t>
+    </dgm:pt>
+    <dgm:pt modelId="{E5CB7C8C-7E94-2248-8413-84F2CD485DCA}" type="sibTrans" cxnId="{F72577BE-8797-0741-B061-2E8F2006F6EC}">
+      <dgm:prSet/>
+      <dgm:spPr/>
+      <dgm:t>
+        <a:bodyPr/>
+        <a:lstStyle/>
+        <a:p>
+          <a:endParaRPr lang="en-US"/>
+        </a:p>
+      </dgm:t>
+    </dgm:pt>
+    <dgm:pt modelId="{66E4A29B-48D9-824F-B848-DFCB54EFC8BC}">
+      <dgm:prSet phldrT="[Text]"/>
+      <dgm:spPr/>
+      <dgm:t>
+        <a:bodyPr/>
+        <a:lstStyle/>
+        <a:p>
+          <a:r>
+            <a:rPr lang="en-US" b="1" dirty="0" smtClean="0">
+              <a:latin typeface="Courier New" charset="0"/>
+              <a:ea typeface="Courier New" charset="0"/>
+              <a:cs typeface="Courier New" charset="0"/>
+            </a:rPr>
+            <a:t>text/html</a:t>
+          </a:r>
+          <a:endParaRPr lang="en-US" b="1" dirty="0">
+            <a:latin typeface="Courier New" charset="0"/>
+            <a:ea typeface="Courier New" charset="0"/>
+            <a:cs typeface="Courier New" charset="0"/>
+          </a:endParaRPr>
+        </a:p>
+      </dgm:t>
+    </dgm:pt>
+    <dgm:pt modelId="{83DC68A9-2DB9-D64B-8FDA-8839FF0B2876}" type="parTrans" cxnId="{BE6E6593-4C18-6E48-902C-179B1D0A75FA}">
+      <dgm:prSet/>
+      <dgm:spPr/>
+      <dgm:t>
+        <a:bodyPr/>
+        <a:lstStyle/>
+        <a:p>
+          <a:endParaRPr lang="en-US"/>
+        </a:p>
+      </dgm:t>
+    </dgm:pt>
+    <dgm:pt modelId="{3636A604-5B3C-7545-8057-DDDE6CCA5A06}" type="sibTrans" cxnId="{BE6E6593-4C18-6E48-902C-179B1D0A75FA}">
+      <dgm:prSet/>
+      <dgm:spPr/>
+      <dgm:t>
+        <a:bodyPr/>
+        <a:lstStyle/>
+        <a:p>
+          <a:endParaRPr lang="en-US"/>
+        </a:p>
+      </dgm:t>
+    </dgm:pt>
+    <dgm:pt modelId="{CF7D6424-1319-004B-AFA7-D18BA83F43C4}">
+      <dgm:prSet phldrT="[Text]" custT="1"/>
+      <dgm:spPr/>
+      <dgm:t>
+        <a:bodyPr/>
+        <a:lstStyle/>
+        <a:p>
+          <a:r>
+            <a:rPr lang="en-US" sz="1600" b="1" dirty="0" smtClean="0">
+              <a:latin typeface="Courier New" charset="0"/>
+              <a:ea typeface="Courier New" charset="0"/>
+              <a:cs typeface="Courier New" charset="0"/>
+            </a:rPr>
+            <a:t>text/pain</a:t>
+          </a:r>
+          <a:endParaRPr lang="en-US" sz="1600" b="1" dirty="0">
+            <a:latin typeface="Courier New" charset="0"/>
+            <a:ea typeface="Courier New" charset="0"/>
+            <a:cs typeface="Courier New" charset="0"/>
+          </a:endParaRPr>
+        </a:p>
+      </dgm:t>
+    </dgm:pt>
+    <dgm:pt modelId="{3EE0C568-88AE-0849-AA65-D8DDF74710AF}" type="parTrans" cxnId="{5954C3F9-B756-7D4A-861E-9DA779840481}">
+      <dgm:prSet/>
+      <dgm:spPr/>
+      <dgm:t>
+        <a:bodyPr/>
+        <a:lstStyle/>
+        <a:p>
+          <a:endParaRPr lang="en-US"/>
+        </a:p>
+      </dgm:t>
+    </dgm:pt>
+    <dgm:pt modelId="{6108669E-DDAF-8F4B-BA1C-7B971E0C06D9}" type="sibTrans" cxnId="{5954C3F9-B756-7D4A-861E-9DA779840481}">
+      <dgm:prSet/>
+      <dgm:spPr/>
+      <dgm:t>
+        <a:bodyPr/>
+        <a:lstStyle/>
+        <a:p>
+          <a:endParaRPr lang="en-US"/>
+        </a:p>
+      </dgm:t>
+    </dgm:pt>
+    <dgm:pt modelId="{46A4605B-8FF8-B746-8A61-0F9628411778}">
+      <dgm:prSet phldrT="[Text]" custT="1"/>
+      <dgm:spPr/>
+      <dgm:t>
+        <a:bodyPr/>
+        <a:lstStyle/>
+        <a:p>
+          <a:r>
+            <a:rPr lang="en-US" sz="1600" b="1" smtClean="0">
+              <a:latin typeface="Courier New" charset="0"/>
+              <a:ea typeface="Courier New" charset="0"/>
+              <a:cs typeface="Courier New" charset="0"/>
+            </a:rPr>
+            <a:t>text/plain</a:t>
+          </a:r>
+          <a:endParaRPr lang="en-US" sz="1600" b="1" dirty="0">
+            <a:latin typeface="Courier New" charset="0"/>
+            <a:ea typeface="Courier New" charset="0"/>
+            <a:cs typeface="Courier New" charset="0"/>
+          </a:endParaRPr>
+        </a:p>
+      </dgm:t>
+    </dgm:pt>
+    <dgm:pt modelId="{684C53C3-B788-BB42-9534-D27DCE9C6310}" type="parTrans" cxnId="{55A8E5F9-6F08-EB4A-8200-3CF44EB5C0E8}">
+      <dgm:prSet/>
+      <dgm:spPr/>
+      <dgm:t>
+        <a:bodyPr/>
+        <a:lstStyle/>
+        <a:p>
+          <a:endParaRPr lang="en-US"/>
+        </a:p>
+      </dgm:t>
+    </dgm:pt>
+    <dgm:pt modelId="{745EC448-C4A7-5347-A0C8-782BCBBD4FEE}" type="sibTrans" cxnId="{55A8E5F9-6F08-EB4A-8200-3CF44EB5C0E8}">
+      <dgm:prSet/>
+      <dgm:spPr/>
+      <dgm:t>
+        <a:bodyPr/>
+        <a:lstStyle/>
+        <a:p>
+          <a:endParaRPr lang="en-US"/>
+        </a:p>
+      </dgm:t>
+    </dgm:pt>
+    <dgm:pt modelId="{B6B6BF75-D935-354B-A499-03CBB2F3E2B6}">
+      <dgm:prSet phldrT="[Text]"/>
+      <dgm:spPr/>
+      <dgm:t>
+        <a:bodyPr/>
+        <a:lstStyle/>
+        <a:p>
+          <a:r>
+            <a:rPr lang="en-US" b="1" dirty="0" smtClean="0">
+              <a:latin typeface="Courier New" charset="0"/>
+              <a:ea typeface="Courier New" charset="0"/>
+              <a:cs typeface="Courier New" charset="0"/>
+            </a:rPr>
+            <a:t>image/</a:t>
+          </a:r>
+          <a:r>
+            <a:rPr lang="en-US" b="1" dirty="0" err="1" smtClean="0">
+              <a:latin typeface="Courier New" charset="0"/>
+              <a:ea typeface="Courier New" charset="0"/>
+              <a:cs typeface="Courier New" charset="0"/>
+            </a:rPr>
+            <a:t>png</a:t>
+          </a:r>
+          <a:endParaRPr lang="en-US" b="1" dirty="0">
+            <a:latin typeface="Courier New" charset="0"/>
+            <a:ea typeface="Courier New" charset="0"/>
+            <a:cs typeface="Courier New" charset="0"/>
+          </a:endParaRPr>
+        </a:p>
+      </dgm:t>
+    </dgm:pt>
+    <dgm:pt modelId="{49F77C5E-593D-D545-B17F-70C2B109CB5A}" type="parTrans" cxnId="{07BC2C08-7F5B-4845-960B-4F42A8B7F41A}">
+      <dgm:prSet/>
+      <dgm:spPr/>
+      <dgm:t>
+        <a:bodyPr/>
+        <a:lstStyle/>
+        <a:p>
+          <a:endParaRPr lang="en-US"/>
+        </a:p>
+      </dgm:t>
+    </dgm:pt>
+    <dgm:pt modelId="{FFB680B3-EF3D-724B-B040-44CB4FBBDB50}" type="sibTrans" cxnId="{07BC2C08-7F5B-4845-960B-4F42A8B7F41A}">
+      <dgm:prSet/>
+      <dgm:spPr/>
+      <dgm:t>
+        <a:bodyPr/>
+        <a:lstStyle/>
+        <a:p>
+          <a:endParaRPr lang="en-US"/>
+        </a:p>
+      </dgm:t>
+    </dgm:pt>
+    <dgm:pt modelId="{4D544EEF-CFB3-AC4B-A24E-A37E7C724304}">
+      <dgm:prSet phldrT="[Text]" custT="1"/>
+      <dgm:spPr/>
+      <dgm:t>
+        <a:bodyPr/>
+        <a:lstStyle/>
+        <a:p>
+          <a:r>
+            <a:rPr lang="en-US" sz="1600" b="1" dirty="0" smtClean="0">
+              <a:latin typeface="Courier New" charset="0"/>
+              <a:ea typeface="Courier New" charset="0"/>
+              <a:cs typeface="Courier New" charset="0"/>
+            </a:rPr>
+            <a:t>multipart/</a:t>
+          </a:r>
+        </a:p>
+        <a:p>
+          <a:r>
+            <a:rPr lang="en-US" sz="1600" b="1" dirty="0" smtClean="0">
+              <a:latin typeface="Courier New" charset="0"/>
+              <a:ea typeface="Courier New" charset="0"/>
+              <a:cs typeface="Courier New" charset="0"/>
+            </a:rPr>
+            <a:t>related</a:t>
+          </a:r>
+          <a:endParaRPr lang="en-US" sz="1600" b="1" dirty="0">
+            <a:latin typeface="Courier New" charset="0"/>
+            <a:ea typeface="Courier New" charset="0"/>
+            <a:cs typeface="Courier New" charset="0"/>
+          </a:endParaRPr>
+        </a:p>
+      </dgm:t>
+    </dgm:pt>
+    <dgm:pt modelId="{C8C99D72-B435-474A-A5E3-3073A77F680B}" type="parTrans" cxnId="{0C0C16DC-92FF-5B45-A974-0F6023709E2B}">
+      <dgm:prSet/>
+      <dgm:spPr/>
+      <dgm:t>
+        <a:bodyPr/>
+        <a:lstStyle/>
+        <a:p>
+          <a:endParaRPr lang="en-US"/>
+        </a:p>
+      </dgm:t>
+    </dgm:pt>
+    <dgm:pt modelId="{EB59F3A3-EDB4-9140-A855-0072744B3555}" type="sibTrans" cxnId="{0C0C16DC-92FF-5B45-A974-0F6023709E2B}">
+      <dgm:prSet/>
+      <dgm:spPr/>
+      <dgm:t>
+        <a:bodyPr/>
+        <a:lstStyle/>
+        <a:p>
+          <a:endParaRPr lang="en-US"/>
+        </a:p>
+      </dgm:t>
+    </dgm:pt>
+    <dgm:pt modelId="{91F5F4D8-07FB-AF49-8D71-2D8CAFF62518}" type="pres">
+      <dgm:prSet presAssocID="{D595F40D-B554-1343-B3AC-E9E9E3D24196}" presName="hierChild1" presStyleCnt="0">
+        <dgm:presLayoutVars>
+          <dgm:chPref val="1"/>
+          <dgm:dir/>
+          <dgm:animOne val="branch"/>
+          <dgm:animLvl val="lvl"/>
+          <dgm:resizeHandles/>
+        </dgm:presLayoutVars>
+      </dgm:prSet>
+      <dgm:spPr/>
+      <dgm:t>
+        <a:bodyPr/>
+        <a:lstStyle/>
+        <a:p>
+          <a:endParaRPr lang="en-US"/>
+        </a:p>
+      </dgm:t>
+    </dgm:pt>
+    <dgm:pt modelId="{3799332E-A2D4-AC49-8CB1-32BAA7323AF2}" type="pres">
+      <dgm:prSet presAssocID="{D27E7761-0126-954C-AE7D-0A46C6A03612}" presName="hierRoot1" presStyleCnt="0"/>
+      <dgm:spPr/>
+    </dgm:pt>
+    <dgm:pt modelId="{DA32DF78-9BBE-624E-AF89-3964BFACDD4E}" type="pres">
+      <dgm:prSet presAssocID="{D27E7761-0126-954C-AE7D-0A46C6A03612}" presName="composite" presStyleCnt="0"/>
+      <dgm:spPr/>
+    </dgm:pt>
+    <dgm:pt modelId="{68568BB2-F5F4-394A-8AD5-50C63BC19C1B}" type="pres">
+      <dgm:prSet presAssocID="{D27E7761-0126-954C-AE7D-0A46C6A03612}" presName="image" presStyleLbl="node0" presStyleIdx="0" presStyleCnt="1"/>
+      <dgm:spPr>
+        <a:blipFill>
+          <a:blip xmlns:r="http://schemas.openxmlformats.org/officeDocument/2006/relationships" r:embed="rId1">
+            <a:extLst>
+              <a:ext uri="{28A0092B-C50C-407E-A947-70E740481C1C}">
+                <a14:useLocalDpi xmlns:a14="http://schemas.microsoft.com/office/drawing/2010/main" val="0"/>
+              </a:ext>
+            </a:extLst>
+          </a:blip>
+          <a:srcRect/>
+          <a:stretch>
+            <a:fillRect/>
+          </a:stretch>
+        </a:blipFill>
+      </dgm:spPr>
+      <dgm:t>
+        <a:bodyPr/>
+        <a:lstStyle/>
+        <a:p>
+          <a:endParaRPr lang="en-US"/>
+        </a:p>
+      </dgm:t>
+    </dgm:pt>
+    <dgm:pt modelId="{46C2D234-E87C-B14A-A665-83735F024B16}" type="pres">
+      <dgm:prSet presAssocID="{D27E7761-0126-954C-AE7D-0A46C6A03612}" presName="text" presStyleLbl="revTx" presStyleIdx="0" presStyleCnt="7">
+        <dgm:presLayoutVars>
+          <dgm:chPref val="3"/>
+        </dgm:presLayoutVars>
+      </dgm:prSet>
+      <dgm:spPr/>
+      <dgm:t>
+        <a:bodyPr/>
+        <a:lstStyle/>
+        <a:p>
+          <a:endParaRPr lang="en-US"/>
+        </a:p>
+      </dgm:t>
+    </dgm:pt>
+    <dgm:pt modelId="{2D07B0BC-3210-814D-8129-6D081159AA0F}" type="pres">
+      <dgm:prSet presAssocID="{D27E7761-0126-954C-AE7D-0A46C6A03612}" presName="hierChild2" presStyleCnt="0"/>
+      <dgm:spPr/>
+    </dgm:pt>
+    <dgm:pt modelId="{37D0E4FA-DB0A-5E48-BBC7-D2DEE470E395}" type="pres">
+      <dgm:prSet presAssocID="{89BE0F35-5FA2-0B4C-A55C-EB4964AB4319}" presName="Name10" presStyleLbl="parChTrans1D2" presStyleIdx="0" presStyleCnt="2"/>
+      <dgm:spPr/>
+      <dgm:t>
+        <a:bodyPr/>
+        <a:lstStyle/>
+        <a:p>
+          <a:endParaRPr lang="en-US"/>
+        </a:p>
+      </dgm:t>
+    </dgm:pt>
+    <dgm:pt modelId="{8D987306-D062-4E49-8CBA-1C7E92689DB2}" type="pres">
+      <dgm:prSet presAssocID="{76D51716-3D9F-7D41-AAF5-2EA93EC36E96}" presName="hierRoot2" presStyleCnt="0"/>
+      <dgm:spPr/>
+    </dgm:pt>
+    <dgm:pt modelId="{A97F02E5-AE0D-424A-B429-939CD0F1DD6B}" type="pres">
+      <dgm:prSet presAssocID="{76D51716-3D9F-7D41-AAF5-2EA93EC36E96}" presName="composite2" presStyleCnt="0"/>
+      <dgm:spPr/>
+    </dgm:pt>
+    <dgm:pt modelId="{077EB8A1-A1FB-7B42-A71D-87E672A6C6A3}" type="pres">
+      <dgm:prSet presAssocID="{76D51716-3D9F-7D41-AAF5-2EA93EC36E96}" presName="image2" presStyleLbl="node2" presStyleIdx="0" presStyleCnt="2"/>
+      <dgm:spPr>
+        <a:blipFill>
+          <a:blip xmlns:r="http://schemas.openxmlformats.org/officeDocument/2006/relationships" r:embed="rId2">
+            <a:extLst>
+              <a:ext uri="{28A0092B-C50C-407E-A947-70E740481C1C}">
+                <a14:useLocalDpi xmlns:a14="http://schemas.microsoft.com/office/drawing/2010/main" val="0"/>
+              </a:ext>
+            </a:extLst>
+          </a:blip>
+          <a:srcRect/>
+          <a:stretch>
+            <a:fillRect/>
+          </a:stretch>
+        </a:blipFill>
+      </dgm:spPr>
+      <dgm:t>
+        <a:bodyPr/>
+        <a:lstStyle/>
+        <a:p>
+          <a:endParaRPr lang="en-US"/>
+        </a:p>
+      </dgm:t>
+    </dgm:pt>
+    <dgm:pt modelId="{ABC50CB2-0BF8-F94B-B875-DA6A84D8B887}" type="pres">
+      <dgm:prSet presAssocID="{76D51716-3D9F-7D41-AAF5-2EA93EC36E96}" presName="text2" presStyleLbl="revTx" presStyleIdx="1" presStyleCnt="7" custScaleX="150932" custLinFactNeighborX="26647" custLinFactNeighborY="-2223">
+        <dgm:presLayoutVars>
+          <dgm:chPref val="3"/>
+        </dgm:presLayoutVars>
+      </dgm:prSet>
+      <dgm:spPr/>
+      <dgm:t>
+        <a:bodyPr/>
+        <a:lstStyle/>
+        <a:p>
+          <a:endParaRPr lang="en-US"/>
+        </a:p>
+      </dgm:t>
+    </dgm:pt>
+    <dgm:pt modelId="{00810DAD-50D3-784E-83AD-19B2AA3FE044}" type="pres">
+      <dgm:prSet presAssocID="{76D51716-3D9F-7D41-AAF5-2EA93EC36E96}" presName="hierChild3" presStyleCnt="0"/>
+      <dgm:spPr/>
+    </dgm:pt>
+    <dgm:pt modelId="{D496F9A4-8DA0-DB48-AC84-B15403087E26}" type="pres">
+      <dgm:prSet presAssocID="{3EE0C568-88AE-0849-AA65-D8DDF74710AF}" presName="Name17" presStyleLbl="parChTrans1D3" presStyleIdx="0" presStyleCnt="2"/>
+      <dgm:spPr/>
+      <dgm:t>
+        <a:bodyPr/>
+        <a:lstStyle/>
+        <a:p>
+          <a:endParaRPr lang="en-US"/>
+        </a:p>
+      </dgm:t>
+    </dgm:pt>
+    <dgm:pt modelId="{07DCF8FE-8BC0-9746-9410-653864EBE8B9}" type="pres">
+      <dgm:prSet presAssocID="{CF7D6424-1319-004B-AFA7-D18BA83F43C4}" presName="hierRoot3" presStyleCnt="0"/>
+      <dgm:spPr/>
+    </dgm:pt>
+    <dgm:pt modelId="{8A197F40-03FE-264C-93B7-997F4B4AC2F3}" type="pres">
+      <dgm:prSet presAssocID="{CF7D6424-1319-004B-AFA7-D18BA83F43C4}" presName="composite3" presStyleCnt="0"/>
+      <dgm:spPr/>
+    </dgm:pt>
+    <dgm:pt modelId="{5FFF1FA5-6655-F44F-B2D9-2D9F52704B6D}" type="pres">
+      <dgm:prSet presAssocID="{CF7D6424-1319-004B-AFA7-D18BA83F43C4}" presName="image3" presStyleLbl="node3" presStyleIdx="0" presStyleCnt="2"/>
+      <dgm:spPr>
+        <a:blipFill>
+          <a:blip xmlns:r="http://schemas.openxmlformats.org/officeDocument/2006/relationships" r:embed="rId3">
+            <a:extLst>
+              <a:ext uri="{28A0092B-C50C-407E-A947-70E740481C1C}">
+                <a14:useLocalDpi xmlns:a14="http://schemas.microsoft.com/office/drawing/2010/main" val="0"/>
+              </a:ext>
+            </a:extLst>
+          </a:blip>
+          <a:srcRect/>
+          <a:stretch>
+            <a:fillRect/>
+          </a:stretch>
+        </a:blipFill>
+      </dgm:spPr>
+      <dgm:t>
+        <a:bodyPr/>
+        <a:lstStyle/>
+        <a:p>
+          <a:endParaRPr lang="en-US"/>
+        </a:p>
+      </dgm:t>
+    </dgm:pt>
+    <dgm:pt modelId="{33778FF8-C2E7-4947-808F-6681D7501AF9}" type="pres">
+      <dgm:prSet presAssocID="{CF7D6424-1319-004B-AFA7-D18BA83F43C4}" presName="text3" presStyleLbl="revTx" presStyleIdx="2" presStyleCnt="7">
+        <dgm:presLayoutVars>
+          <dgm:chPref val="3"/>
+        </dgm:presLayoutVars>
+      </dgm:prSet>
+      <dgm:spPr/>
+      <dgm:t>
+        <a:bodyPr/>
+        <a:lstStyle/>
+        <a:p>
+          <a:endParaRPr lang="en-US"/>
+        </a:p>
+      </dgm:t>
+    </dgm:pt>
+    <dgm:pt modelId="{A3E1F9CE-F452-8C4C-97FD-C1EB67989A30}" type="pres">
+      <dgm:prSet presAssocID="{CF7D6424-1319-004B-AFA7-D18BA83F43C4}" presName="hierChild4" presStyleCnt="0"/>
+      <dgm:spPr/>
+    </dgm:pt>
+    <dgm:pt modelId="{729F677C-5275-6E4D-971A-C6014106D1E3}" type="pres">
+      <dgm:prSet presAssocID="{C8C99D72-B435-474A-A5E3-3073A77F680B}" presName="Name17" presStyleLbl="parChTrans1D3" presStyleIdx="1" presStyleCnt="2"/>
+      <dgm:spPr/>
+      <dgm:t>
+        <a:bodyPr/>
+        <a:lstStyle/>
+        <a:p>
+          <a:endParaRPr lang="en-US"/>
+        </a:p>
+      </dgm:t>
+    </dgm:pt>
+    <dgm:pt modelId="{4F7E6EE6-B89C-DE45-BA62-D96EB2F89304}" type="pres">
+      <dgm:prSet presAssocID="{4D544EEF-CFB3-AC4B-A24E-A37E7C724304}" presName="hierRoot3" presStyleCnt="0"/>
+      <dgm:spPr/>
+    </dgm:pt>
+    <dgm:pt modelId="{6079473E-ED90-1B4A-B8DE-94035D8076CC}" type="pres">
+      <dgm:prSet presAssocID="{4D544EEF-CFB3-AC4B-A24E-A37E7C724304}" presName="composite3" presStyleCnt="0"/>
+      <dgm:spPr/>
+    </dgm:pt>
+    <dgm:pt modelId="{86407DAE-2A38-6144-966B-7C8631E73B37}" type="pres">
+      <dgm:prSet presAssocID="{4D544EEF-CFB3-AC4B-A24E-A37E7C724304}" presName="image3" presStyleLbl="node3" presStyleIdx="1" presStyleCnt="2"/>
+      <dgm:spPr>
+        <a:blipFill>
+          <a:blip xmlns:r="http://schemas.openxmlformats.org/officeDocument/2006/relationships" r:embed="rId1">
+            <a:extLst>
+              <a:ext uri="{28A0092B-C50C-407E-A947-70E740481C1C}">
+                <a14:useLocalDpi xmlns:a14="http://schemas.microsoft.com/office/drawing/2010/main" val="0"/>
+              </a:ext>
+            </a:extLst>
+          </a:blip>
+          <a:srcRect/>
+          <a:stretch>
+            <a:fillRect/>
+          </a:stretch>
+        </a:blipFill>
+      </dgm:spPr>
+      <dgm:t>
+        <a:bodyPr/>
+        <a:lstStyle/>
+        <a:p>
+          <a:endParaRPr lang="en-US"/>
+        </a:p>
+      </dgm:t>
+    </dgm:pt>
+    <dgm:pt modelId="{21D03ED5-2454-9C49-B464-175E1DE40DA2}" type="pres">
+      <dgm:prSet presAssocID="{4D544EEF-CFB3-AC4B-A24E-A37E7C724304}" presName="text3" presStyleLbl="revTx" presStyleIdx="3" presStyleCnt="7">
+        <dgm:presLayoutVars>
+          <dgm:chPref val="3"/>
+        </dgm:presLayoutVars>
+      </dgm:prSet>
+      <dgm:spPr/>
+      <dgm:t>
+        <a:bodyPr/>
+        <a:lstStyle/>
+        <a:p>
+          <a:endParaRPr lang="en-US"/>
+        </a:p>
+      </dgm:t>
+    </dgm:pt>
+    <dgm:pt modelId="{7E7E72E9-CD07-BE43-B8D2-A7E377842078}" type="pres">
+      <dgm:prSet presAssocID="{4D544EEF-CFB3-AC4B-A24E-A37E7C724304}" presName="hierChild4" presStyleCnt="0"/>
+      <dgm:spPr/>
+    </dgm:pt>
+    <dgm:pt modelId="{7A6391B5-07F9-5B4A-8014-86167A898083}" type="pres">
+      <dgm:prSet presAssocID="{83DC68A9-2DB9-D64B-8FDA-8839FF0B2876}" presName="Name23" presStyleLbl="parChTrans1D4" presStyleIdx="0" presStyleCnt="2"/>
+      <dgm:spPr/>
+      <dgm:t>
+        <a:bodyPr/>
+        <a:lstStyle/>
+        <a:p>
+          <a:endParaRPr lang="en-US"/>
+        </a:p>
+      </dgm:t>
+    </dgm:pt>
+    <dgm:pt modelId="{39D34842-639B-0E47-8901-22E7009C0CE6}" type="pres">
+      <dgm:prSet presAssocID="{66E4A29B-48D9-824F-B848-DFCB54EFC8BC}" presName="hierRoot4" presStyleCnt="0"/>
+      <dgm:spPr/>
+    </dgm:pt>
+    <dgm:pt modelId="{5ED47D5E-7525-BA48-BA7E-CE260DA05FB7}" type="pres">
+      <dgm:prSet presAssocID="{66E4A29B-48D9-824F-B848-DFCB54EFC8BC}" presName="composite4" presStyleCnt="0"/>
+      <dgm:spPr/>
+    </dgm:pt>
+    <dgm:pt modelId="{2FCB8478-8D80-CB45-AF84-44375AA6F5B1}" type="pres">
+      <dgm:prSet presAssocID="{66E4A29B-48D9-824F-B848-DFCB54EFC8BC}" presName="image4" presStyleLbl="node4" presStyleIdx="0" presStyleCnt="2"/>
+      <dgm:spPr>
+        <a:blipFill>
+          <a:blip xmlns:r="http://schemas.openxmlformats.org/officeDocument/2006/relationships" r:embed="rId4">
+            <a:extLst>
+              <a:ext uri="{28A0092B-C50C-407E-A947-70E740481C1C}">
+                <a14:useLocalDpi xmlns:a14="http://schemas.microsoft.com/office/drawing/2010/main" val="0"/>
+              </a:ext>
+            </a:extLst>
+          </a:blip>
+          <a:srcRect/>
+          <a:stretch>
+            <a:fillRect/>
+          </a:stretch>
+        </a:blipFill>
+      </dgm:spPr>
+      <dgm:t>
+        <a:bodyPr/>
+        <a:lstStyle/>
+        <a:p>
+          <a:endParaRPr lang="en-US"/>
+        </a:p>
+      </dgm:t>
+    </dgm:pt>
+    <dgm:pt modelId="{6630BF3A-01F5-7641-80ED-F44E8C9B70FA}" type="pres">
+      <dgm:prSet presAssocID="{66E4A29B-48D9-824F-B848-DFCB54EFC8BC}" presName="text4" presStyleLbl="revTx" presStyleIdx="4" presStyleCnt="7">
+        <dgm:presLayoutVars>
+          <dgm:chPref val="3"/>
+        </dgm:presLayoutVars>
+      </dgm:prSet>
+      <dgm:spPr/>
+      <dgm:t>
+        <a:bodyPr/>
+        <a:lstStyle/>
+        <a:p>
+          <a:endParaRPr lang="en-US"/>
+        </a:p>
+      </dgm:t>
+    </dgm:pt>
+    <dgm:pt modelId="{C96EF5D2-A7C9-8548-8F29-77E716957D90}" type="pres">
+      <dgm:prSet presAssocID="{66E4A29B-48D9-824F-B848-DFCB54EFC8BC}" presName="hierChild5" presStyleCnt="0"/>
+      <dgm:spPr/>
+    </dgm:pt>
+    <dgm:pt modelId="{56C09EC7-FFB5-AC42-8128-4831158B0A08}" type="pres">
+      <dgm:prSet presAssocID="{49F77C5E-593D-D545-B17F-70C2B109CB5A}" presName="Name23" presStyleLbl="parChTrans1D4" presStyleIdx="1" presStyleCnt="2"/>
+      <dgm:spPr/>
+      <dgm:t>
+        <a:bodyPr/>
+        <a:lstStyle/>
+        <a:p>
+          <a:endParaRPr lang="en-US"/>
+        </a:p>
+      </dgm:t>
+    </dgm:pt>
+    <dgm:pt modelId="{B8DFDF55-3AB8-5D41-8A8B-5D18349BFFEF}" type="pres">
+      <dgm:prSet presAssocID="{B6B6BF75-D935-354B-A499-03CBB2F3E2B6}" presName="hierRoot4" presStyleCnt="0"/>
+      <dgm:spPr/>
+    </dgm:pt>
+    <dgm:pt modelId="{E32B7690-C808-C148-9086-50FDD7EB0195}" type="pres">
+      <dgm:prSet presAssocID="{B6B6BF75-D935-354B-A499-03CBB2F3E2B6}" presName="composite4" presStyleCnt="0"/>
+      <dgm:spPr/>
+    </dgm:pt>
+    <dgm:pt modelId="{9432A321-C718-5D4A-8911-5107BAAF5AD2}" type="pres">
+      <dgm:prSet presAssocID="{B6B6BF75-D935-354B-A499-03CBB2F3E2B6}" presName="image4" presStyleLbl="node4" presStyleIdx="1" presStyleCnt="2"/>
+      <dgm:spPr>
+        <a:blipFill>
+          <a:blip xmlns:r="http://schemas.openxmlformats.org/officeDocument/2006/relationships" r:embed="rId5">
+            <a:extLst>
+              <a:ext uri="{28A0092B-C50C-407E-A947-70E740481C1C}">
+                <a14:useLocalDpi xmlns:a14="http://schemas.microsoft.com/office/drawing/2010/main" val="0"/>
+              </a:ext>
+            </a:extLst>
+          </a:blip>
+          <a:srcRect/>
+          <a:stretch>
+            <a:fillRect/>
+          </a:stretch>
+        </a:blipFill>
+      </dgm:spPr>
+      <dgm:t>
+        <a:bodyPr/>
+        <a:lstStyle/>
+        <a:p>
+          <a:endParaRPr lang="en-US"/>
+        </a:p>
+      </dgm:t>
+    </dgm:pt>
+    <dgm:pt modelId="{866E0A2D-67A9-F64F-9494-C24D1022B5D6}" type="pres">
+      <dgm:prSet presAssocID="{B6B6BF75-D935-354B-A499-03CBB2F3E2B6}" presName="text4" presStyleLbl="revTx" presStyleIdx="5" presStyleCnt="7">
+        <dgm:presLayoutVars>
+          <dgm:chPref val="3"/>
+        </dgm:presLayoutVars>
+      </dgm:prSet>
+      <dgm:spPr/>
+      <dgm:t>
+        <a:bodyPr/>
+        <a:lstStyle/>
+        <a:p>
+          <a:endParaRPr lang="en-US"/>
+        </a:p>
+      </dgm:t>
+    </dgm:pt>
+    <dgm:pt modelId="{C2124889-A513-B24F-9694-7B37424545C0}" type="pres">
+      <dgm:prSet presAssocID="{B6B6BF75-D935-354B-A499-03CBB2F3E2B6}" presName="hierChild5" presStyleCnt="0"/>
+      <dgm:spPr/>
+    </dgm:pt>
+    <dgm:pt modelId="{0532A2D2-9B4A-3745-B7A7-E2A04A7C2322}" type="pres">
+      <dgm:prSet presAssocID="{684C53C3-B788-BB42-9534-D27DCE9C6310}" presName="Name10" presStyleLbl="parChTrans1D2" presStyleIdx="1" presStyleCnt="2"/>
+      <dgm:spPr/>
+      <dgm:t>
+        <a:bodyPr/>
+        <a:lstStyle/>
+        <a:p>
+          <a:endParaRPr lang="en-US"/>
+        </a:p>
+      </dgm:t>
+    </dgm:pt>
+    <dgm:pt modelId="{0B8FFCE9-8723-3145-BDE9-EEC0BE36B6DF}" type="pres">
+      <dgm:prSet presAssocID="{46A4605B-8FF8-B746-8A61-0F9628411778}" presName="hierRoot2" presStyleCnt="0"/>
+      <dgm:spPr/>
+    </dgm:pt>
+    <dgm:pt modelId="{AE403FD2-9831-7A47-926F-6227A20C6F09}" type="pres">
+      <dgm:prSet presAssocID="{46A4605B-8FF8-B746-8A61-0F9628411778}" presName="composite2" presStyleCnt="0"/>
+      <dgm:spPr/>
+    </dgm:pt>
+    <dgm:pt modelId="{96682109-0642-7A42-B19A-BB3EF316666D}" type="pres">
+      <dgm:prSet presAssocID="{46A4605B-8FF8-B746-8A61-0F9628411778}" presName="image2" presStyleLbl="node2" presStyleIdx="1" presStyleCnt="2"/>
+      <dgm:spPr>
+        <a:blipFill>
+          <a:blip xmlns:r="http://schemas.openxmlformats.org/officeDocument/2006/relationships" r:embed="rId6">
+            <a:extLst>
+              <a:ext uri="{28A0092B-C50C-407E-A947-70E740481C1C}">
+                <a14:useLocalDpi xmlns:a14="http://schemas.microsoft.com/office/drawing/2010/main" val="0"/>
+              </a:ext>
+            </a:extLst>
+          </a:blip>
+          <a:srcRect/>
+          <a:stretch>
+            <a:fillRect/>
+          </a:stretch>
+        </a:blipFill>
+      </dgm:spPr>
+      <dgm:t>
+        <a:bodyPr/>
+        <a:lstStyle/>
+        <a:p>
+          <a:endParaRPr lang="en-US"/>
+        </a:p>
+      </dgm:t>
+    </dgm:pt>
+    <dgm:pt modelId="{AD634F42-E3F8-BB47-B6C4-F0CEDD489FA0}" type="pres">
+      <dgm:prSet presAssocID="{46A4605B-8FF8-B746-8A61-0F9628411778}" presName="text2" presStyleLbl="revTx" presStyleIdx="6" presStyleCnt="7" custScaleX="135016" custLinFactNeighborX="18154" custLinFactNeighborY="-2223">
+        <dgm:presLayoutVars>
+          <dgm:chPref val="3"/>
+        </dgm:presLayoutVars>
+      </dgm:prSet>
+      <dgm:spPr/>
+      <dgm:t>
+        <a:bodyPr/>
+        <a:lstStyle/>
+        <a:p>
+          <a:endParaRPr lang="en-US"/>
+        </a:p>
+      </dgm:t>
+    </dgm:pt>
+    <dgm:pt modelId="{831180BA-A23A-6240-8E6A-4FFD7B7CB8ED}" type="pres">
+      <dgm:prSet presAssocID="{46A4605B-8FF8-B746-8A61-0F9628411778}" presName="hierChild3" presStyleCnt="0"/>
+      <dgm:spPr/>
+    </dgm:pt>
+  </dgm:ptLst>
+  <dgm:cxnLst>
+    <dgm:cxn modelId="{F72577BE-8797-0741-B061-2E8F2006F6EC}" srcId="{D27E7761-0126-954C-AE7D-0A46C6A03612}" destId="{76D51716-3D9F-7D41-AAF5-2EA93EC36E96}" srcOrd="0" destOrd="0" parTransId="{89BE0F35-5FA2-0B4C-A55C-EB4964AB4319}" sibTransId="{E5CB7C8C-7E94-2248-8413-84F2CD485DCA}"/>
+    <dgm:cxn modelId="{BE6E6593-4C18-6E48-902C-179B1D0A75FA}" srcId="{4D544EEF-CFB3-AC4B-A24E-A37E7C724304}" destId="{66E4A29B-48D9-824F-B848-DFCB54EFC8BC}" srcOrd="0" destOrd="0" parTransId="{83DC68A9-2DB9-D64B-8FDA-8839FF0B2876}" sibTransId="{3636A604-5B3C-7545-8057-DDDE6CCA5A06}"/>
+    <dgm:cxn modelId="{0EB30BAE-22EA-E14B-85BF-F0CD2534F8EB}" srcId="{D595F40D-B554-1343-B3AC-E9E9E3D24196}" destId="{D27E7761-0126-954C-AE7D-0A46C6A03612}" srcOrd="0" destOrd="0" parTransId="{F1B52EE7-6FEF-F244-85F2-AFCB8BA0D03A}" sibTransId="{32FBA312-6EDE-744E-994A-9CA27CF2D582}"/>
+    <dgm:cxn modelId="{29C75110-851C-DD40-87C9-F34D49E37B57}" type="presOf" srcId="{66E4A29B-48D9-824F-B848-DFCB54EFC8BC}" destId="{6630BF3A-01F5-7641-80ED-F44E8C9B70FA}" srcOrd="0" destOrd="0" presId="urn:microsoft.com/office/officeart/2009/layout/CirclePictureHierarchy"/>
+    <dgm:cxn modelId="{E629A5BE-A8D1-614F-845A-92FF1A8C8EF7}" type="presOf" srcId="{D27E7761-0126-954C-AE7D-0A46C6A03612}" destId="{46C2D234-E87C-B14A-A665-83735F024B16}" srcOrd="0" destOrd="0" presId="urn:microsoft.com/office/officeart/2009/layout/CirclePictureHierarchy"/>
+    <dgm:cxn modelId="{A35F1062-6530-484A-A09A-09A4EBD90399}" type="presOf" srcId="{89BE0F35-5FA2-0B4C-A55C-EB4964AB4319}" destId="{37D0E4FA-DB0A-5E48-BBC7-D2DEE470E395}" srcOrd="0" destOrd="0" presId="urn:microsoft.com/office/officeart/2009/layout/CirclePictureHierarchy"/>
+    <dgm:cxn modelId="{DDA917BC-7F02-D545-BD42-03B48F0A0E8E}" type="presOf" srcId="{684C53C3-B788-BB42-9534-D27DCE9C6310}" destId="{0532A2D2-9B4A-3745-B7A7-E2A04A7C2322}" srcOrd="0" destOrd="0" presId="urn:microsoft.com/office/officeart/2009/layout/CirclePictureHierarchy"/>
+    <dgm:cxn modelId="{E25B7473-8E3B-C942-95BD-6C0CC708BD19}" type="presOf" srcId="{CF7D6424-1319-004B-AFA7-D18BA83F43C4}" destId="{33778FF8-C2E7-4947-808F-6681D7501AF9}" srcOrd="0" destOrd="0" presId="urn:microsoft.com/office/officeart/2009/layout/CirclePictureHierarchy"/>
+    <dgm:cxn modelId="{C930FEA8-7C7E-5F40-94C5-04D27A04A06F}" type="presOf" srcId="{49F77C5E-593D-D545-B17F-70C2B109CB5A}" destId="{56C09EC7-FFB5-AC42-8128-4831158B0A08}" srcOrd="0" destOrd="0" presId="urn:microsoft.com/office/officeart/2009/layout/CirclePictureHierarchy"/>
+    <dgm:cxn modelId="{07BC2C08-7F5B-4845-960B-4F42A8B7F41A}" srcId="{4D544EEF-CFB3-AC4B-A24E-A37E7C724304}" destId="{B6B6BF75-D935-354B-A499-03CBB2F3E2B6}" srcOrd="1" destOrd="0" parTransId="{49F77C5E-593D-D545-B17F-70C2B109CB5A}" sibTransId="{FFB680B3-EF3D-724B-B040-44CB4FBBDB50}"/>
+    <dgm:cxn modelId="{976C8287-1841-6646-8A50-14F4D1190DA2}" type="presOf" srcId="{4D544EEF-CFB3-AC4B-A24E-A37E7C724304}" destId="{21D03ED5-2454-9C49-B464-175E1DE40DA2}" srcOrd="0" destOrd="0" presId="urn:microsoft.com/office/officeart/2009/layout/CirclePictureHierarchy"/>
+    <dgm:cxn modelId="{C36D57D2-E5F5-F442-93A1-F8F3C614CD5B}" type="presOf" srcId="{D595F40D-B554-1343-B3AC-E9E9E3D24196}" destId="{91F5F4D8-07FB-AF49-8D71-2D8CAFF62518}" srcOrd="0" destOrd="0" presId="urn:microsoft.com/office/officeart/2009/layout/CirclePictureHierarchy"/>
+    <dgm:cxn modelId="{4F66F9D7-EC67-8A44-8F0A-D0478A669DB6}" type="presOf" srcId="{83DC68A9-2DB9-D64B-8FDA-8839FF0B2876}" destId="{7A6391B5-07F9-5B4A-8014-86167A898083}" srcOrd="0" destOrd="0" presId="urn:microsoft.com/office/officeart/2009/layout/CirclePictureHierarchy"/>
+    <dgm:cxn modelId="{9D8E8F81-C5CD-304F-A789-BE4F38AED925}" type="presOf" srcId="{C8C99D72-B435-474A-A5E3-3073A77F680B}" destId="{729F677C-5275-6E4D-971A-C6014106D1E3}" srcOrd="0" destOrd="0" presId="urn:microsoft.com/office/officeart/2009/layout/CirclePictureHierarchy"/>
+    <dgm:cxn modelId="{69E502DA-5878-FF42-AD87-DF84532894B2}" type="presOf" srcId="{3EE0C568-88AE-0849-AA65-D8DDF74710AF}" destId="{D496F9A4-8DA0-DB48-AC84-B15403087E26}" srcOrd="0" destOrd="0" presId="urn:microsoft.com/office/officeart/2009/layout/CirclePictureHierarchy"/>
+    <dgm:cxn modelId="{0C0C16DC-92FF-5B45-A974-0F6023709E2B}" srcId="{76D51716-3D9F-7D41-AAF5-2EA93EC36E96}" destId="{4D544EEF-CFB3-AC4B-A24E-A37E7C724304}" srcOrd="1" destOrd="0" parTransId="{C8C99D72-B435-474A-A5E3-3073A77F680B}" sibTransId="{EB59F3A3-EDB4-9140-A855-0072744B3555}"/>
+    <dgm:cxn modelId="{55A8E5F9-6F08-EB4A-8200-3CF44EB5C0E8}" srcId="{D27E7761-0126-954C-AE7D-0A46C6A03612}" destId="{46A4605B-8FF8-B746-8A61-0F9628411778}" srcOrd="1" destOrd="0" parTransId="{684C53C3-B788-BB42-9534-D27DCE9C6310}" sibTransId="{745EC448-C4A7-5347-A0C8-782BCBBD4FEE}"/>
+    <dgm:cxn modelId="{255DBE6F-3FFB-2448-B9EA-2A115691BE2B}" type="presOf" srcId="{46A4605B-8FF8-B746-8A61-0F9628411778}" destId="{AD634F42-E3F8-BB47-B6C4-F0CEDD489FA0}" srcOrd="0" destOrd="0" presId="urn:microsoft.com/office/officeart/2009/layout/CirclePictureHierarchy"/>
+    <dgm:cxn modelId="{5954C3F9-B756-7D4A-861E-9DA779840481}" srcId="{76D51716-3D9F-7D41-AAF5-2EA93EC36E96}" destId="{CF7D6424-1319-004B-AFA7-D18BA83F43C4}" srcOrd="0" destOrd="0" parTransId="{3EE0C568-88AE-0849-AA65-D8DDF74710AF}" sibTransId="{6108669E-DDAF-8F4B-BA1C-7B971E0C06D9}"/>
+    <dgm:cxn modelId="{7DDD5927-03F9-1145-B22C-7D6D228A6B4D}" type="presOf" srcId="{76D51716-3D9F-7D41-AAF5-2EA93EC36E96}" destId="{ABC50CB2-0BF8-F94B-B875-DA6A84D8B887}" srcOrd="0" destOrd="0" presId="urn:microsoft.com/office/officeart/2009/layout/CirclePictureHierarchy"/>
+    <dgm:cxn modelId="{F5DE6DF5-71CC-604E-BF3B-EB43A5D12929}" type="presOf" srcId="{B6B6BF75-D935-354B-A499-03CBB2F3E2B6}" destId="{866E0A2D-67A9-F64F-9494-C24D1022B5D6}" srcOrd="0" destOrd="0" presId="urn:microsoft.com/office/officeart/2009/layout/CirclePictureHierarchy"/>
+    <dgm:cxn modelId="{B75CB4C4-0D09-C546-AA41-1145AAF8A626}" type="presParOf" srcId="{91F5F4D8-07FB-AF49-8D71-2D8CAFF62518}" destId="{3799332E-A2D4-AC49-8CB1-32BAA7323AF2}" srcOrd="0" destOrd="0" presId="urn:microsoft.com/office/officeart/2009/layout/CirclePictureHierarchy"/>
+    <dgm:cxn modelId="{937B8A54-F212-E340-BCA5-D006617EBA85}" type="presParOf" srcId="{3799332E-A2D4-AC49-8CB1-32BAA7323AF2}" destId="{DA32DF78-9BBE-624E-AF89-3964BFACDD4E}" srcOrd="0" destOrd="0" presId="urn:microsoft.com/office/officeart/2009/layout/CirclePictureHierarchy"/>
+    <dgm:cxn modelId="{6BE3C83E-D9AD-484A-8467-38A1E5FAD1B0}" type="presParOf" srcId="{DA32DF78-9BBE-624E-AF89-3964BFACDD4E}" destId="{68568BB2-F5F4-394A-8AD5-50C63BC19C1B}" srcOrd="0" destOrd="0" presId="urn:microsoft.com/office/officeart/2009/layout/CirclePictureHierarchy"/>
+    <dgm:cxn modelId="{E7215E9E-D241-1145-B45A-4787572A91BC}" type="presParOf" srcId="{DA32DF78-9BBE-624E-AF89-3964BFACDD4E}" destId="{46C2D234-E87C-B14A-A665-83735F024B16}" srcOrd="1" destOrd="0" presId="urn:microsoft.com/office/officeart/2009/layout/CirclePictureHierarchy"/>
+    <dgm:cxn modelId="{3C83231C-664D-A042-AEB4-B0C091CA8F12}" type="presParOf" srcId="{3799332E-A2D4-AC49-8CB1-32BAA7323AF2}" destId="{2D07B0BC-3210-814D-8129-6D081159AA0F}" srcOrd="1" destOrd="0" presId="urn:microsoft.com/office/officeart/2009/layout/CirclePictureHierarchy"/>
+    <dgm:cxn modelId="{9036DF2A-6AE7-4343-B0FD-93980B0F0BB0}" type="presParOf" srcId="{2D07B0BC-3210-814D-8129-6D081159AA0F}" destId="{37D0E4FA-DB0A-5E48-BBC7-D2DEE470E395}" srcOrd="0" destOrd="0" presId="urn:microsoft.com/office/officeart/2009/layout/CirclePictureHierarchy"/>
+    <dgm:cxn modelId="{33429352-90C0-5543-AAA4-CF0CF062AE00}" type="presParOf" srcId="{2D07B0BC-3210-814D-8129-6D081159AA0F}" destId="{8D987306-D062-4E49-8CBA-1C7E92689DB2}" srcOrd="1" destOrd="0" presId="urn:microsoft.com/office/officeart/2009/layout/CirclePictureHierarchy"/>
+    <dgm:cxn modelId="{F7E10B56-024D-6841-9AB3-FEBFE18127D9}" type="presParOf" srcId="{8D987306-D062-4E49-8CBA-1C7E92689DB2}" destId="{A97F02E5-AE0D-424A-B429-939CD0F1DD6B}" srcOrd="0" destOrd="0" presId="urn:microsoft.com/office/officeart/2009/layout/CirclePictureHierarchy"/>
+    <dgm:cxn modelId="{EDCA38D2-867B-DD42-9733-BA5D1E807F91}" type="presParOf" srcId="{A97F02E5-AE0D-424A-B429-939CD0F1DD6B}" destId="{077EB8A1-A1FB-7B42-A71D-87E672A6C6A3}" srcOrd="0" destOrd="0" presId="urn:microsoft.com/office/officeart/2009/layout/CirclePictureHierarchy"/>
+    <dgm:cxn modelId="{5F761B40-F640-D146-BCE3-6EB31483AFE7}" type="presParOf" srcId="{A97F02E5-AE0D-424A-B429-939CD0F1DD6B}" destId="{ABC50CB2-0BF8-F94B-B875-DA6A84D8B887}" srcOrd="1" destOrd="0" presId="urn:microsoft.com/office/officeart/2009/layout/CirclePictureHierarchy"/>
+    <dgm:cxn modelId="{81BD83C3-7169-D94C-AD3A-A16FA32537A6}" type="presParOf" srcId="{8D987306-D062-4E49-8CBA-1C7E92689DB2}" destId="{00810DAD-50D3-784E-83AD-19B2AA3FE044}" srcOrd="1" destOrd="0" presId="urn:microsoft.com/office/officeart/2009/layout/CirclePictureHierarchy"/>
+    <dgm:cxn modelId="{21ABCA43-0516-F646-A056-C47601AD4AE1}" type="presParOf" srcId="{00810DAD-50D3-784E-83AD-19B2AA3FE044}" destId="{D496F9A4-8DA0-DB48-AC84-B15403087E26}" srcOrd="0" destOrd="0" presId="urn:microsoft.com/office/officeart/2009/layout/CirclePictureHierarchy"/>
+    <dgm:cxn modelId="{E740CDA8-91D6-7F41-A738-3E4FA171353E}" type="presParOf" srcId="{00810DAD-50D3-784E-83AD-19B2AA3FE044}" destId="{07DCF8FE-8BC0-9746-9410-653864EBE8B9}" srcOrd="1" destOrd="0" presId="urn:microsoft.com/office/officeart/2009/layout/CirclePictureHierarchy"/>
+    <dgm:cxn modelId="{424A6E1F-0057-1D44-9F81-FDBB3360C519}" type="presParOf" srcId="{07DCF8FE-8BC0-9746-9410-653864EBE8B9}" destId="{8A197F40-03FE-264C-93B7-997F4B4AC2F3}" srcOrd="0" destOrd="0" presId="urn:microsoft.com/office/officeart/2009/layout/CirclePictureHierarchy"/>
+    <dgm:cxn modelId="{60809417-F898-5247-AD3A-CD4CBE78A8D3}" type="presParOf" srcId="{8A197F40-03FE-264C-93B7-997F4B4AC2F3}" destId="{5FFF1FA5-6655-F44F-B2D9-2D9F52704B6D}" srcOrd="0" destOrd="0" presId="urn:microsoft.com/office/officeart/2009/layout/CirclePictureHierarchy"/>
+    <dgm:cxn modelId="{017ACC5E-EA0A-9346-82EE-A2CEDE329A80}" type="presParOf" srcId="{8A197F40-03FE-264C-93B7-997F4B4AC2F3}" destId="{33778FF8-C2E7-4947-808F-6681D7501AF9}" srcOrd="1" destOrd="0" presId="urn:microsoft.com/office/officeart/2009/layout/CirclePictureHierarchy"/>
+    <dgm:cxn modelId="{8C9C3D95-DFBF-D84B-867B-9117075F7778}" type="presParOf" srcId="{07DCF8FE-8BC0-9746-9410-653864EBE8B9}" destId="{A3E1F9CE-F452-8C4C-97FD-C1EB67989A30}" srcOrd="1" destOrd="0" presId="urn:microsoft.com/office/officeart/2009/layout/CirclePictureHierarchy"/>
+    <dgm:cxn modelId="{16CEE331-CA02-A94D-9A49-33957D4FA758}" type="presParOf" srcId="{00810DAD-50D3-784E-83AD-19B2AA3FE044}" destId="{729F677C-5275-6E4D-971A-C6014106D1E3}" srcOrd="2" destOrd="0" presId="urn:microsoft.com/office/officeart/2009/layout/CirclePictureHierarchy"/>
+    <dgm:cxn modelId="{020F9669-4964-724F-B09E-DB8573D21BB3}" type="presParOf" srcId="{00810DAD-50D3-784E-83AD-19B2AA3FE044}" destId="{4F7E6EE6-B89C-DE45-BA62-D96EB2F89304}" srcOrd="3" destOrd="0" presId="urn:microsoft.com/office/officeart/2009/layout/CirclePictureHierarchy"/>
+    <dgm:cxn modelId="{1DA68317-DE49-1D45-B54E-A3900B3AE782}" type="presParOf" srcId="{4F7E6EE6-B89C-DE45-BA62-D96EB2F89304}" destId="{6079473E-ED90-1B4A-B8DE-94035D8076CC}" srcOrd="0" destOrd="0" presId="urn:microsoft.com/office/officeart/2009/layout/CirclePictureHierarchy"/>
+    <dgm:cxn modelId="{FB324A70-D592-7249-9E32-7450FF891F10}" type="presParOf" srcId="{6079473E-ED90-1B4A-B8DE-94035D8076CC}" destId="{86407DAE-2A38-6144-966B-7C8631E73B37}" srcOrd="0" destOrd="0" presId="urn:microsoft.com/office/officeart/2009/layout/CirclePictureHierarchy"/>
+    <dgm:cxn modelId="{969E6325-608D-6346-9B90-E5F48C774029}" type="presParOf" srcId="{6079473E-ED90-1B4A-B8DE-94035D8076CC}" destId="{21D03ED5-2454-9C49-B464-175E1DE40DA2}" srcOrd="1" destOrd="0" presId="urn:microsoft.com/office/officeart/2009/layout/CirclePictureHierarchy"/>
+    <dgm:cxn modelId="{F63D04A9-47B5-B644-B2B1-C7A81CD3B16C}" type="presParOf" srcId="{4F7E6EE6-B89C-DE45-BA62-D96EB2F89304}" destId="{7E7E72E9-CD07-BE43-B8D2-A7E377842078}" srcOrd="1" destOrd="0" presId="urn:microsoft.com/office/officeart/2009/layout/CirclePictureHierarchy"/>
+    <dgm:cxn modelId="{5AC36EDF-2E45-944C-B324-EC41339741B8}" type="presParOf" srcId="{7E7E72E9-CD07-BE43-B8D2-A7E377842078}" destId="{7A6391B5-07F9-5B4A-8014-86167A898083}" srcOrd="0" destOrd="0" presId="urn:microsoft.com/office/officeart/2009/layout/CirclePictureHierarchy"/>
+    <dgm:cxn modelId="{4E255D42-720E-B64E-8E49-819D061F4A0D}" type="presParOf" srcId="{7E7E72E9-CD07-BE43-B8D2-A7E377842078}" destId="{39D34842-639B-0E47-8901-22E7009C0CE6}" srcOrd="1" destOrd="0" presId="urn:microsoft.com/office/officeart/2009/layout/CirclePictureHierarchy"/>
+    <dgm:cxn modelId="{93470CF2-7FCD-C148-8B55-50B6AF23C9B5}" type="presParOf" srcId="{39D34842-639B-0E47-8901-22E7009C0CE6}" destId="{5ED47D5E-7525-BA48-BA7E-CE260DA05FB7}" srcOrd="0" destOrd="0" presId="urn:microsoft.com/office/officeart/2009/layout/CirclePictureHierarchy"/>
+    <dgm:cxn modelId="{F38D9FA4-9606-464C-BDE4-A278830CB89F}" type="presParOf" srcId="{5ED47D5E-7525-BA48-BA7E-CE260DA05FB7}" destId="{2FCB8478-8D80-CB45-AF84-44375AA6F5B1}" srcOrd="0" destOrd="0" presId="urn:microsoft.com/office/officeart/2009/layout/CirclePictureHierarchy"/>
+    <dgm:cxn modelId="{E8744A49-9D61-6E47-8B33-30C2CE3A677D}" type="presParOf" srcId="{5ED47D5E-7525-BA48-BA7E-CE260DA05FB7}" destId="{6630BF3A-01F5-7641-80ED-F44E8C9B70FA}" srcOrd="1" destOrd="0" presId="urn:microsoft.com/office/officeart/2009/layout/CirclePictureHierarchy"/>
+    <dgm:cxn modelId="{7F98BC3A-E14E-5447-BA6C-87B43DB9C33B}" type="presParOf" srcId="{39D34842-639B-0E47-8901-22E7009C0CE6}" destId="{C96EF5D2-A7C9-8548-8F29-77E716957D90}" srcOrd="1" destOrd="0" presId="urn:microsoft.com/office/officeart/2009/layout/CirclePictureHierarchy"/>
+    <dgm:cxn modelId="{E20A8A1C-6AD1-0042-A602-93393249372D}" type="presParOf" srcId="{7E7E72E9-CD07-BE43-B8D2-A7E377842078}" destId="{56C09EC7-FFB5-AC42-8128-4831158B0A08}" srcOrd="2" destOrd="0" presId="urn:microsoft.com/office/officeart/2009/layout/CirclePictureHierarchy"/>
+    <dgm:cxn modelId="{41144A2E-5BF8-8643-8607-14736CB64A23}" type="presParOf" srcId="{7E7E72E9-CD07-BE43-B8D2-A7E377842078}" destId="{B8DFDF55-3AB8-5D41-8A8B-5D18349BFFEF}" srcOrd="3" destOrd="0" presId="urn:microsoft.com/office/officeart/2009/layout/CirclePictureHierarchy"/>
+    <dgm:cxn modelId="{ED7F487D-0FB6-0246-B2A9-50393372CF54}" type="presParOf" srcId="{B8DFDF55-3AB8-5D41-8A8B-5D18349BFFEF}" destId="{E32B7690-C808-C148-9086-50FDD7EB0195}" srcOrd="0" destOrd="0" presId="urn:microsoft.com/office/officeart/2009/layout/CirclePictureHierarchy"/>
+    <dgm:cxn modelId="{F08EF48F-26B9-F54E-95AE-B6A0A95112EF}" type="presParOf" srcId="{E32B7690-C808-C148-9086-50FDD7EB0195}" destId="{9432A321-C718-5D4A-8911-5107BAAF5AD2}" srcOrd="0" destOrd="0" presId="urn:microsoft.com/office/officeart/2009/layout/CirclePictureHierarchy"/>
+    <dgm:cxn modelId="{49EF20DE-2EDF-2941-B341-7AE1819CF7A8}" type="presParOf" srcId="{E32B7690-C808-C148-9086-50FDD7EB0195}" destId="{866E0A2D-67A9-F64F-9494-C24D1022B5D6}" srcOrd="1" destOrd="0" presId="urn:microsoft.com/office/officeart/2009/layout/CirclePictureHierarchy"/>
+    <dgm:cxn modelId="{9E0F42CE-3130-7D47-86D0-DBD3C030D02F}" type="presParOf" srcId="{B8DFDF55-3AB8-5D41-8A8B-5D18349BFFEF}" destId="{C2124889-A513-B24F-9694-7B37424545C0}" srcOrd="1" destOrd="0" presId="urn:microsoft.com/office/officeart/2009/layout/CirclePictureHierarchy"/>
+    <dgm:cxn modelId="{786EEED7-D988-1E40-84F1-0EBB9226606C}" type="presParOf" srcId="{2D07B0BC-3210-814D-8129-6D081159AA0F}" destId="{0532A2D2-9B4A-3745-B7A7-E2A04A7C2322}" srcOrd="2" destOrd="0" presId="urn:microsoft.com/office/officeart/2009/layout/CirclePictureHierarchy"/>
+    <dgm:cxn modelId="{DAE3E875-086D-A94A-9015-48FC6E76A15C}" type="presParOf" srcId="{2D07B0BC-3210-814D-8129-6D081159AA0F}" destId="{0B8FFCE9-8723-3145-BDE9-EEC0BE36B6DF}" srcOrd="3" destOrd="0" presId="urn:microsoft.com/office/officeart/2009/layout/CirclePictureHierarchy"/>
+    <dgm:cxn modelId="{3AB3B5CC-9748-D846-A10C-3DAF6973BC99}" type="presParOf" srcId="{0B8FFCE9-8723-3145-BDE9-EEC0BE36B6DF}" destId="{AE403FD2-9831-7A47-926F-6227A20C6F09}" srcOrd="0" destOrd="0" presId="urn:microsoft.com/office/officeart/2009/layout/CirclePictureHierarchy"/>
+    <dgm:cxn modelId="{E1AA9894-A3CF-1244-B418-4D9D1DDFA394}" type="presParOf" srcId="{AE403FD2-9831-7A47-926F-6227A20C6F09}" destId="{96682109-0642-7A42-B19A-BB3EF316666D}" srcOrd="0" destOrd="0" presId="urn:microsoft.com/office/officeart/2009/layout/CirclePictureHierarchy"/>
+    <dgm:cxn modelId="{308C3061-A842-7D4D-9103-C7F81598A215}" type="presParOf" srcId="{AE403FD2-9831-7A47-926F-6227A20C6F09}" destId="{AD634F42-E3F8-BB47-B6C4-F0CEDD489FA0}" srcOrd="1" destOrd="0" presId="urn:microsoft.com/office/officeart/2009/layout/CirclePictureHierarchy"/>
+    <dgm:cxn modelId="{A360EA3A-3F5D-8F44-85C1-50D5BD00EF70}" type="presParOf" srcId="{0B8FFCE9-8723-3145-BDE9-EEC0BE36B6DF}" destId="{831180BA-A23A-6240-8E6A-4FFD7B7CB8ED}" srcOrd="1" destOrd="0" presId="urn:microsoft.com/office/officeart/2009/layout/CirclePictureHierarchy"/>
+  </dgm:cxnLst>
+  <dgm:bg/>
+  <dgm:whole/>
+  <dgm:extLst>
+    <a:ext uri="http://schemas.microsoft.com/office/drawing/2008/diagram">
+      <dsp:dataModelExt xmlns:dsp="http://schemas.microsoft.com/office/drawing/2008/diagram" relId="rId6" minVer="http://schemas.openxmlformats.org/drawingml/2006/diagram"/>
+    </a:ext>
+  </dgm:extLst>
+</dgm:dataModel>
+</file>
+
+<file path=ppt/diagrams/drawing1.xml><?xml version="1.0" encoding="utf-8"?>
+<dsp:drawing xmlns:dgm="http://schemas.openxmlformats.org/drawingml/2006/diagram" xmlns:dsp="http://schemas.microsoft.com/office/drawing/2008/diagram" xmlns:a="http://schemas.openxmlformats.org/drawingml/2006/main">
+  <dsp:spTree>
+    <dsp:nvGrpSpPr>
+      <dsp:cNvPr id="0" name=""/>
+      <dsp:cNvGrpSpPr/>
+    </dsp:nvGrpSpPr>
+    <dsp:grpSpPr/>
+    <dsp:sp modelId="{0532A2D2-9B4A-3745-B7A7-E2A04A7C2322}">
+      <dsp:nvSpPr>
+        <dsp:cNvPr id="0" name=""/>
+        <dsp:cNvSpPr/>
+      </dsp:nvSpPr>
+      <dsp:spPr>
+        <a:xfrm>
+          <a:off x="4390676" y="1086103"/>
+          <a:ext cx="1482801" cy="325564"/>
+        </a:xfrm>
+        <a:custGeom>
+          <a:avLst/>
+          <a:gdLst/>
+          <a:ahLst/>
+          <a:cxnLst/>
+          <a:rect l="0" t="0" r="0" b="0"/>
+          <a:pathLst>
+            <a:path>
+              <a:moveTo>
+                <a:pt x="0" y="0"/>
+              </a:moveTo>
+              <a:lnTo>
+                <a:pt x="0" y="164074"/>
+              </a:lnTo>
+              <a:lnTo>
+                <a:pt x="1482801" y="164074"/>
+              </a:lnTo>
+              <a:lnTo>
+                <a:pt x="1482801" y="325564"/>
+              </a:lnTo>
+            </a:path>
+          </a:pathLst>
+        </a:custGeom>
+        <a:noFill/>
+        <a:ln w="6350" cap="flat" cmpd="sng" algn="ctr">
+          <a:solidFill>
+            <a:schemeClr val="accent1">
+              <a:shade val="60000"/>
+              <a:hueOff val="0"/>
+              <a:satOff val="0"/>
+              <a:lumOff val="0"/>
+              <a:alphaOff val="0"/>
+            </a:schemeClr>
+          </a:solidFill>
+          <a:prstDash val="solid"/>
+          <a:miter lim="800000"/>
+        </a:ln>
+        <a:effectLst/>
+      </dsp:spPr>
+      <dsp:style>
+        <a:lnRef idx="1">
+          <a:scrgbClr r="0" g="0" b="0"/>
+        </a:lnRef>
+        <a:fillRef idx="0">
+          <a:scrgbClr r="0" g="0" b="0"/>
+        </a:fillRef>
+        <a:effectRef idx="0">
+          <a:scrgbClr r="0" g="0" b="0"/>
+        </a:effectRef>
+        <a:fontRef idx="minor"/>
+      </dsp:style>
+    </dsp:sp>
+    <dsp:sp modelId="{56C09EC7-FFB5-AC42-8128-4831158B0A08}">
+      <dsp:nvSpPr>
+        <dsp:cNvPr id="0" name=""/>
+        <dsp:cNvSpPr/>
+      </dsp:nvSpPr>
+      <dsp:spPr>
+        <a:xfrm>
+          <a:off x="4254962" y="3804309"/>
+          <a:ext cx="1421115" cy="325564"/>
+        </a:xfrm>
+        <a:custGeom>
+          <a:avLst/>
+          <a:gdLst/>
+          <a:ahLst/>
+          <a:cxnLst/>
+          <a:rect l="0" t="0" r="0" b="0"/>
+          <a:pathLst>
+            <a:path>
+              <a:moveTo>
+                <a:pt x="0" y="0"/>
+              </a:moveTo>
+              <a:lnTo>
+                <a:pt x="0" y="164074"/>
+              </a:lnTo>
+              <a:lnTo>
+                <a:pt x="1421115" y="164074"/>
+              </a:lnTo>
+              <a:lnTo>
+                <a:pt x="1421115" y="325564"/>
+              </a:lnTo>
+            </a:path>
+          </a:pathLst>
+        </a:custGeom>
+        <a:noFill/>
+        <a:ln w="6350" cap="flat" cmpd="sng" algn="ctr">
+          <a:solidFill>
+            <a:schemeClr val="accent1">
+              <a:shade val="80000"/>
+              <a:hueOff val="0"/>
+              <a:satOff val="0"/>
+              <a:lumOff val="0"/>
+              <a:alphaOff val="0"/>
+            </a:schemeClr>
+          </a:solidFill>
+          <a:prstDash val="solid"/>
+          <a:miter lim="800000"/>
+        </a:ln>
+        <a:effectLst/>
+      </dsp:spPr>
+      <dsp:style>
+        <a:lnRef idx="1">
+          <a:scrgbClr r="0" g="0" b="0"/>
+        </a:lnRef>
+        <a:fillRef idx="0">
+          <a:scrgbClr r="0" g="0" b="0"/>
+        </a:fillRef>
+        <a:effectRef idx="0">
+          <a:scrgbClr r="0" g="0" b="0"/>
+        </a:effectRef>
+        <a:fontRef idx="minor"/>
+      </dsp:style>
+    </dsp:sp>
+    <dsp:sp modelId="{7A6391B5-07F9-5B4A-8014-86167A898083}">
+      <dsp:nvSpPr>
+        <dsp:cNvPr id="0" name=""/>
+        <dsp:cNvSpPr/>
+      </dsp:nvSpPr>
+      <dsp:spPr>
+        <a:xfrm>
+          <a:off x="2833846" y="3804309"/>
+          <a:ext cx="1421115" cy="325564"/>
+        </a:xfrm>
+        <a:custGeom>
+          <a:avLst/>
+          <a:gdLst/>
+          <a:ahLst/>
+          <a:cxnLst/>
+          <a:rect l="0" t="0" r="0" b="0"/>
+          <a:pathLst>
+            <a:path>
+              <a:moveTo>
+                <a:pt x="1421115" y="0"/>
+              </a:moveTo>
+              <a:lnTo>
+                <a:pt x="1421115" y="164074"/>
+              </a:lnTo>
+              <a:lnTo>
+                <a:pt x="0" y="164074"/>
+              </a:lnTo>
+              <a:lnTo>
+                <a:pt x="0" y="325564"/>
+              </a:lnTo>
+            </a:path>
+          </a:pathLst>
+        </a:custGeom>
+        <a:noFill/>
+        <a:ln w="6350" cap="flat" cmpd="sng" algn="ctr">
+          <a:solidFill>
+            <a:schemeClr val="accent1">
+              <a:shade val="80000"/>
+              <a:hueOff val="0"/>
+              <a:satOff val="0"/>
+              <a:lumOff val="0"/>
+              <a:alphaOff val="0"/>
+            </a:schemeClr>
+          </a:solidFill>
+          <a:prstDash val="solid"/>
+          <a:miter lim="800000"/>
+        </a:ln>
+        <a:effectLst/>
+      </dsp:spPr>
+      <dsp:style>
+        <a:lnRef idx="1">
+          <a:scrgbClr r="0" g="0" b="0"/>
+        </a:lnRef>
+        <a:fillRef idx="0">
+          <a:scrgbClr r="0" g="0" b="0"/>
+        </a:fillRef>
+        <a:effectRef idx="0">
+          <a:scrgbClr r="0" g="0" b="0"/>
+        </a:effectRef>
+        <a:fontRef idx="minor"/>
+      </dsp:style>
+    </dsp:sp>
+    <dsp:sp modelId="{729F677C-5275-6E4D-971A-C6014106D1E3}">
+      <dsp:nvSpPr>
+        <dsp:cNvPr id="0" name=""/>
+        <dsp:cNvSpPr/>
+      </dsp:nvSpPr>
+      <dsp:spPr>
+        <a:xfrm>
+          <a:off x="2636446" y="2445206"/>
+          <a:ext cx="1618515" cy="325564"/>
+        </a:xfrm>
+        <a:custGeom>
+          <a:avLst/>
+          <a:gdLst/>
+          <a:ahLst/>
+          <a:cxnLst/>
+          <a:rect l="0" t="0" r="0" b="0"/>
+          <a:pathLst>
+            <a:path>
+              <a:moveTo>
+                <a:pt x="0" y="0"/>
+              </a:moveTo>
+              <a:lnTo>
+                <a:pt x="0" y="164074"/>
+              </a:lnTo>
+              <a:lnTo>
+                <a:pt x="1618515" y="164074"/>
+              </a:lnTo>
+              <a:lnTo>
+                <a:pt x="1618515" y="325564"/>
+              </a:lnTo>
+            </a:path>
+          </a:pathLst>
+        </a:custGeom>
+        <a:noFill/>
+        <a:ln w="6350" cap="flat" cmpd="sng" algn="ctr">
+          <a:solidFill>
+            <a:schemeClr val="accent1">
+              <a:shade val="80000"/>
+              <a:hueOff val="0"/>
+              <a:satOff val="0"/>
+              <a:lumOff val="0"/>
+              <a:alphaOff val="0"/>
+            </a:schemeClr>
+          </a:solidFill>
+          <a:prstDash val="solid"/>
+          <a:miter lim="800000"/>
+        </a:ln>
+        <a:effectLst/>
+      </dsp:spPr>
+      <dsp:style>
+        <a:lnRef idx="1">
+          <a:scrgbClr r="0" g="0" b="0"/>
+        </a:lnRef>
+        <a:fillRef idx="0">
+          <a:scrgbClr r="0" g="0" b="0"/>
+        </a:fillRef>
+        <a:effectRef idx="0">
+          <a:scrgbClr r="0" g="0" b="0"/>
+        </a:effectRef>
+        <a:fontRef idx="minor"/>
+      </dsp:style>
+    </dsp:sp>
+    <dsp:sp modelId="{D496F9A4-8DA0-DB48-AC84-B15403087E26}">
+      <dsp:nvSpPr>
+        <dsp:cNvPr id="0" name=""/>
+        <dsp:cNvSpPr/>
+      </dsp:nvSpPr>
+      <dsp:spPr>
+        <a:xfrm>
+          <a:off x="1412731" y="2445206"/>
+          <a:ext cx="1223714" cy="325564"/>
+        </a:xfrm>
+        <a:custGeom>
+          <a:avLst/>
+          <a:gdLst/>
+          <a:ahLst/>
+          <a:cxnLst/>
+          <a:rect l="0" t="0" r="0" b="0"/>
+          <a:pathLst>
+            <a:path>
+              <a:moveTo>
+                <a:pt x="1223714" y="0"/>
+              </a:moveTo>
+              <a:lnTo>
+                <a:pt x="1223714" y="164074"/>
+              </a:lnTo>
+              <a:lnTo>
+                <a:pt x="0" y="164074"/>
+              </a:lnTo>
+              <a:lnTo>
+                <a:pt x="0" y="325564"/>
+              </a:lnTo>
+            </a:path>
+          </a:pathLst>
+        </a:custGeom>
+        <a:noFill/>
+        <a:ln w="6350" cap="flat" cmpd="sng" algn="ctr">
+          <a:solidFill>
+            <a:schemeClr val="accent1">
+              <a:shade val="80000"/>
+              <a:hueOff val="0"/>
+              <a:satOff val="0"/>
+              <a:lumOff val="0"/>
+              <a:alphaOff val="0"/>
+            </a:schemeClr>
+          </a:solidFill>
+          <a:prstDash val="solid"/>
+          <a:miter lim="800000"/>
+        </a:ln>
+        <a:effectLst/>
+      </dsp:spPr>
+      <dsp:style>
+        <a:lnRef idx="1">
+          <a:scrgbClr r="0" g="0" b="0"/>
+        </a:lnRef>
+        <a:fillRef idx="0">
+          <a:scrgbClr r="0" g="0" b="0"/>
+        </a:fillRef>
+        <a:effectRef idx="0">
+          <a:scrgbClr r="0" g="0" b="0"/>
+        </a:effectRef>
+        <a:fontRef idx="minor"/>
+      </dsp:style>
+    </dsp:sp>
+    <dsp:sp modelId="{37D0E4FA-DB0A-5E48-BBC7-D2DEE470E395}">
+      <dsp:nvSpPr>
+        <dsp:cNvPr id="0" name=""/>
+        <dsp:cNvSpPr/>
+      </dsp:nvSpPr>
+      <dsp:spPr>
+        <a:xfrm>
+          <a:off x="2636446" y="1086103"/>
+          <a:ext cx="1754229" cy="325564"/>
+        </a:xfrm>
+        <a:custGeom>
+          <a:avLst/>
+          <a:gdLst/>
+          <a:ahLst/>
+          <a:cxnLst/>
+          <a:rect l="0" t="0" r="0" b="0"/>
+          <a:pathLst>
+            <a:path>
+              <a:moveTo>
+                <a:pt x="1754229" y="0"/>
+              </a:moveTo>
+              <a:lnTo>
+                <a:pt x="1754229" y="164074"/>
+              </a:lnTo>
+              <a:lnTo>
+                <a:pt x="0" y="164074"/>
+              </a:lnTo>
+              <a:lnTo>
+                <a:pt x="0" y="325564"/>
+              </a:lnTo>
+            </a:path>
+          </a:pathLst>
+        </a:custGeom>
+        <a:noFill/>
+        <a:ln w="6350" cap="flat" cmpd="sng" algn="ctr">
+          <a:solidFill>
+            <a:schemeClr val="accent1">
+              <a:shade val="60000"/>
+              <a:hueOff val="0"/>
+              <a:satOff val="0"/>
+              <a:lumOff val="0"/>
+              <a:alphaOff val="0"/>
+            </a:schemeClr>
+          </a:solidFill>
+          <a:prstDash val="solid"/>
+          <a:miter lim="800000"/>
+        </a:ln>
+        <a:effectLst/>
+      </dsp:spPr>
+      <dsp:style>
+        <a:lnRef idx="1">
+          <a:scrgbClr r="0" g="0" b="0"/>
+        </a:lnRef>
+        <a:fillRef idx="0">
+          <a:scrgbClr r="0" g="0" b="0"/>
+        </a:fillRef>
+        <a:effectRef idx="0">
+          <a:scrgbClr r="0" g="0" b="0"/>
+        </a:effectRef>
+        <a:fontRef idx="minor"/>
+      </dsp:style>
+    </dsp:sp>
+    <dsp:sp modelId="{68568BB2-F5F4-394A-8AD5-50C63BC19C1B}">
+      <dsp:nvSpPr>
+        <dsp:cNvPr id="0" name=""/>
+        <dsp:cNvSpPr/>
+      </dsp:nvSpPr>
+      <dsp:spPr>
+        <a:xfrm>
+          <a:off x="3873906" y="52565"/>
+          <a:ext cx="1033538" cy="1033538"/>
+        </a:xfrm>
+        <a:prstGeom prst="ellipse">
+          <a:avLst/>
+        </a:prstGeom>
+        <a:blipFill>
+          <a:blip xmlns:r="http://schemas.openxmlformats.org/officeDocument/2006/relationships" r:embed="rId1">
+            <a:extLst>
+              <a:ext uri="{28A0092B-C50C-407E-A947-70E740481C1C}">
+                <a14:useLocalDpi xmlns:a14="http://schemas.microsoft.com/office/drawing/2010/main" val="0"/>
+              </a:ext>
+            </a:extLst>
+          </a:blip>
+          <a:srcRect/>
+          <a:stretch>
+            <a:fillRect/>
+          </a:stretch>
+        </a:blipFill>
+        <a:ln>
+          <a:noFill/>
+        </a:ln>
+        <a:effectLst/>
+      </dsp:spPr>
+      <dsp:style>
+        <a:lnRef idx="0">
+          <a:scrgbClr r="0" g="0" b="0"/>
+        </a:lnRef>
+        <a:fillRef idx="3">
+          <a:scrgbClr r="0" g="0" b="0"/>
+        </a:fillRef>
+        <a:effectRef idx="2">
+          <a:scrgbClr r="0" g="0" b="0"/>
+        </a:effectRef>
+        <a:fontRef idx="minor">
+          <a:schemeClr val="lt1"/>
+        </a:fontRef>
+      </dsp:style>
+    </dsp:sp>
+    <dsp:sp modelId="{46C2D234-E87C-B14A-A665-83735F024B16}">
+      <dsp:nvSpPr>
+        <dsp:cNvPr id="0" name=""/>
+        <dsp:cNvSpPr/>
+      </dsp:nvSpPr>
+      <dsp:spPr>
+        <a:xfrm>
+          <a:off x="4907445" y="49981"/>
+          <a:ext cx="1550307" cy="1033538"/>
+        </a:xfrm>
+        <a:prstGeom prst="rect">
+          <a:avLst/>
+        </a:prstGeom>
+        <a:noFill/>
+        <a:ln>
+          <a:noFill/>
+        </a:ln>
+        <a:effectLst/>
+      </dsp:spPr>
+      <dsp:style>
+        <a:lnRef idx="0">
+          <a:scrgbClr r="0" g="0" b="0"/>
+        </a:lnRef>
+        <a:fillRef idx="0">
+          <a:scrgbClr r="0" g="0" b="0"/>
+        </a:fillRef>
+        <a:effectRef idx="0">
+          <a:scrgbClr r="0" g="0" b="0"/>
+        </a:effectRef>
+        <a:fontRef idx="minor"/>
+      </dsp:style>
+      <dsp:txBody>
+        <a:bodyPr spcFirstLastPara="0" vert="horz" wrap="square" lIns="60960" tIns="60960" rIns="60960" bIns="60960" numCol="1" spcCol="1270" anchor="ctr" anchorCtr="0">
+          <a:noAutofit/>
+        </a:bodyPr>
+        <a:lstStyle/>
+        <a:p>
+          <a:pPr lvl="0" algn="l" defTabSz="711200">
+            <a:lnSpc>
+              <a:spcPct val="90000"/>
+            </a:lnSpc>
+            <a:spcBef>
+              <a:spcPct val="0"/>
+            </a:spcBef>
+            <a:spcAft>
+              <a:spcPct val="35000"/>
+            </a:spcAft>
+          </a:pPr>
+          <a:r>
+            <a:rPr lang="en-US" sz="1600" b="1" kern="1200" smtClean="0">
+              <a:latin typeface="Courier New" charset="0"/>
+              <a:ea typeface="Courier New" charset="0"/>
+              <a:cs typeface="Courier New" charset="0"/>
+            </a:rPr>
+            <a:t>multipart/</a:t>
+          </a:r>
+        </a:p>
+        <a:p>
+          <a:pPr lvl="0" algn="l" defTabSz="711200">
+            <a:lnSpc>
+              <a:spcPct val="90000"/>
+            </a:lnSpc>
+            <a:spcBef>
+              <a:spcPct val="0"/>
+            </a:spcBef>
+            <a:spcAft>
+              <a:spcPct val="35000"/>
+            </a:spcAft>
+          </a:pPr>
+          <a:r>
+            <a:rPr lang="en-US" sz="1600" b="1" kern="1200" smtClean="0">
+              <a:latin typeface="Courier New" charset="0"/>
+              <a:ea typeface="Courier New" charset="0"/>
+              <a:cs typeface="Courier New" charset="0"/>
+            </a:rPr>
+            <a:t>mixed</a:t>
+          </a:r>
+          <a:endParaRPr lang="en-US" sz="1600" b="1" kern="1200" dirty="0">
+            <a:latin typeface="Courier New" charset="0"/>
+            <a:ea typeface="Courier New" charset="0"/>
+            <a:cs typeface="Courier New" charset="0"/>
+          </a:endParaRPr>
+        </a:p>
+      </dsp:txBody>
+      <dsp:txXfrm>
+        <a:off x="4907445" y="49981"/>
+        <a:ext cx="1550307" cy="1033538"/>
+      </dsp:txXfrm>
+    </dsp:sp>
+    <dsp:sp modelId="{077EB8A1-A1FB-7B42-A71D-87E672A6C6A3}">
+      <dsp:nvSpPr>
+        <dsp:cNvPr id="0" name=""/>
+        <dsp:cNvSpPr/>
+      </dsp:nvSpPr>
+      <dsp:spPr>
+        <a:xfrm>
+          <a:off x="2119677" y="1411668"/>
+          <a:ext cx="1033538" cy="1033538"/>
+        </a:xfrm>
+        <a:prstGeom prst="ellipse">
+          <a:avLst/>
+        </a:prstGeom>
+        <a:blipFill>
+          <a:blip xmlns:r="http://schemas.openxmlformats.org/officeDocument/2006/relationships" r:embed="rId2">
+            <a:extLst>
+              <a:ext uri="{28A0092B-C50C-407E-A947-70E740481C1C}">
+                <a14:useLocalDpi xmlns:a14="http://schemas.microsoft.com/office/drawing/2010/main" val="0"/>
+              </a:ext>
+            </a:extLst>
+          </a:blip>
+          <a:srcRect/>
+          <a:stretch>
+            <a:fillRect/>
+          </a:stretch>
+        </a:blipFill>
+        <a:ln>
+          <a:noFill/>
+        </a:ln>
+        <a:effectLst/>
+      </dsp:spPr>
+      <dsp:style>
+        <a:lnRef idx="0">
+          <a:scrgbClr r="0" g="0" b="0"/>
+        </a:lnRef>
+        <a:fillRef idx="3">
+          <a:scrgbClr r="0" g="0" b="0"/>
+        </a:fillRef>
+        <a:effectRef idx="2">
+          <a:scrgbClr r="0" g="0" b="0"/>
+        </a:effectRef>
+        <a:fontRef idx="minor">
+          <a:schemeClr val="lt1"/>
+        </a:fontRef>
+      </dsp:style>
+    </dsp:sp>
+    <dsp:sp modelId="{ABC50CB2-0BF8-F94B-B875-DA6A84D8B887}">
+      <dsp:nvSpPr>
+        <dsp:cNvPr id="0" name=""/>
+        <dsp:cNvSpPr/>
+      </dsp:nvSpPr>
+      <dsp:spPr>
+        <a:xfrm>
+          <a:off x="3171524" y="1386108"/>
+          <a:ext cx="2339910" cy="1033538"/>
+        </a:xfrm>
+        <a:prstGeom prst="rect">
+          <a:avLst/>
+        </a:prstGeom>
+        <a:noFill/>
+        <a:ln>
+          <a:noFill/>
+        </a:ln>
+        <a:effectLst/>
+      </dsp:spPr>
+      <dsp:style>
+        <a:lnRef idx="0">
+          <a:scrgbClr r="0" g="0" b="0"/>
+        </a:lnRef>
+        <a:fillRef idx="0">
+          <a:scrgbClr r="0" g="0" b="0"/>
+        </a:fillRef>
+        <a:effectRef idx="0">
+          <a:scrgbClr r="0" g="0" b="0"/>
+        </a:effectRef>
+        <a:fontRef idx="minor"/>
+      </dsp:style>
+      <dsp:txBody>
+        <a:bodyPr spcFirstLastPara="0" vert="horz" wrap="square" lIns="60960" tIns="60960" rIns="60960" bIns="60960" numCol="1" spcCol="1270" anchor="ctr" anchorCtr="0">
+          <a:noAutofit/>
+        </a:bodyPr>
+        <a:lstStyle/>
+        <a:p>
+          <a:pPr lvl="0" algn="l" defTabSz="711200">
+            <a:lnSpc>
+              <a:spcPct val="90000"/>
+            </a:lnSpc>
+            <a:spcBef>
+              <a:spcPct val="0"/>
+            </a:spcBef>
+            <a:spcAft>
+              <a:spcPct val="35000"/>
+            </a:spcAft>
+          </a:pPr>
+          <a:r>
+            <a:rPr lang="en-US" sz="1600" b="1" kern="1200" dirty="0" smtClean="0">
+              <a:latin typeface="Courier New" charset="0"/>
+              <a:ea typeface="Courier New" charset="0"/>
+              <a:cs typeface="Courier New" charset="0"/>
+            </a:rPr>
+            <a:t>multipart/</a:t>
+          </a:r>
+        </a:p>
+        <a:p>
+          <a:pPr lvl="0" algn="l" defTabSz="711200">
+            <a:lnSpc>
+              <a:spcPct val="90000"/>
+            </a:lnSpc>
+            <a:spcBef>
+              <a:spcPct val="0"/>
+            </a:spcBef>
+            <a:spcAft>
+              <a:spcPct val="35000"/>
+            </a:spcAft>
+          </a:pPr>
+          <a:r>
+            <a:rPr lang="en-US" sz="1600" b="1" kern="1200" dirty="0" smtClean="0">
+              <a:latin typeface="Courier New" charset="0"/>
+              <a:ea typeface="Courier New" charset="0"/>
+              <a:cs typeface="Courier New" charset="0"/>
+            </a:rPr>
+            <a:t>alternative</a:t>
+          </a:r>
+          <a:endParaRPr lang="en-US" sz="1600" b="1" kern="1200" dirty="0">
+            <a:latin typeface="Courier New" charset="0"/>
+            <a:ea typeface="Courier New" charset="0"/>
+            <a:cs typeface="Courier New" charset="0"/>
+          </a:endParaRPr>
+        </a:p>
+      </dsp:txBody>
+      <dsp:txXfrm>
+        <a:off x="3171524" y="1386108"/>
+        <a:ext cx="2339910" cy="1033538"/>
+      </dsp:txXfrm>
+    </dsp:sp>
+    <dsp:sp modelId="{5FFF1FA5-6655-F44F-B2D9-2D9F52704B6D}">
+      <dsp:nvSpPr>
+        <dsp:cNvPr id="0" name=""/>
+        <dsp:cNvSpPr/>
+      </dsp:nvSpPr>
+      <dsp:spPr>
+        <a:xfrm>
+          <a:off x="895962" y="2770771"/>
+          <a:ext cx="1033538" cy="1033538"/>
+        </a:xfrm>
+        <a:prstGeom prst="ellipse">
+          <a:avLst/>
+        </a:prstGeom>
+        <a:blipFill>
+          <a:blip xmlns:r="http://schemas.openxmlformats.org/officeDocument/2006/relationships" r:embed="rId3">
+            <a:extLst>
+              <a:ext uri="{28A0092B-C50C-407E-A947-70E740481C1C}">
+                <a14:useLocalDpi xmlns:a14="http://schemas.microsoft.com/office/drawing/2010/main" val="0"/>
+              </a:ext>
+            </a:extLst>
+          </a:blip>
+          <a:srcRect/>
+          <a:stretch>
+            <a:fillRect/>
+          </a:stretch>
+        </a:blipFill>
+        <a:ln>
+          <a:noFill/>
+        </a:ln>
+        <a:effectLst/>
+      </dsp:spPr>
+      <dsp:style>
+        <a:lnRef idx="0">
+          <a:scrgbClr r="0" g="0" b="0"/>
+        </a:lnRef>
+        <a:fillRef idx="3">
+          <a:scrgbClr r="0" g="0" b="0"/>
+        </a:fillRef>
+        <a:effectRef idx="2">
+          <a:scrgbClr r="0" g="0" b="0"/>
+        </a:effectRef>
+        <a:fontRef idx="minor">
+          <a:schemeClr val="lt1"/>
+        </a:fontRef>
+      </dsp:style>
+    </dsp:sp>
+    <dsp:sp modelId="{33778FF8-C2E7-4947-808F-6681D7501AF9}">
+      <dsp:nvSpPr>
+        <dsp:cNvPr id="0" name=""/>
+        <dsp:cNvSpPr/>
+      </dsp:nvSpPr>
+      <dsp:spPr>
+        <a:xfrm>
+          <a:off x="1929500" y="2768187"/>
+          <a:ext cx="1550307" cy="1033538"/>
+        </a:xfrm>
+        <a:prstGeom prst="rect">
+          <a:avLst/>
+        </a:prstGeom>
+        <a:noFill/>
+        <a:ln>
+          <a:noFill/>
+        </a:ln>
+        <a:effectLst/>
+      </dsp:spPr>
+      <dsp:style>
+        <a:lnRef idx="0">
+          <a:scrgbClr r="0" g="0" b="0"/>
+        </a:lnRef>
+        <a:fillRef idx="0">
+          <a:scrgbClr r="0" g="0" b="0"/>
+        </a:fillRef>
+        <a:effectRef idx="0">
+          <a:scrgbClr r="0" g="0" b="0"/>
+        </a:effectRef>
+        <a:fontRef idx="minor"/>
+      </dsp:style>
+      <dsp:txBody>
+        <a:bodyPr spcFirstLastPara="0" vert="horz" wrap="square" lIns="60960" tIns="60960" rIns="60960" bIns="60960" numCol="1" spcCol="1270" anchor="ctr" anchorCtr="0">
+          <a:noAutofit/>
+        </a:bodyPr>
+        <a:lstStyle/>
+        <a:p>
+          <a:pPr lvl="0" algn="l" defTabSz="711200">
+            <a:lnSpc>
+              <a:spcPct val="90000"/>
+            </a:lnSpc>
+            <a:spcBef>
+              <a:spcPct val="0"/>
+            </a:spcBef>
+            <a:spcAft>
+              <a:spcPct val="35000"/>
+            </a:spcAft>
+          </a:pPr>
+          <a:r>
+            <a:rPr lang="en-US" sz="1600" b="1" kern="1200" dirty="0" smtClean="0">
+              <a:latin typeface="Courier New" charset="0"/>
+              <a:ea typeface="Courier New" charset="0"/>
+              <a:cs typeface="Courier New" charset="0"/>
+            </a:rPr>
+            <a:t>text/pain</a:t>
+          </a:r>
+          <a:endParaRPr lang="en-US" sz="1600" b="1" kern="1200" dirty="0">
+            <a:latin typeface="Courier New" charset="0"/>
+            <a:ea typeface="Courier New" charset="0"/>
+            <a:cs typeface="Courier New" charset="0"/>
+          </a:endParaRPr>
+        </a:p>
+      </dsp:txBody>
+      <dsp:txXfrm>
+        <a:off x="1929500" y="2768187"/>
+        <a:ext cx="1550307" cy="1033538"/>
+      </dsp:txXfrm>
+    </dsp:sp>
+    <dsp:sp modelId="{86407DAE-2A38-6144-966B-7C8631E73B37}">
+      <dsp:nvSpPr>
+        <dsp:cNvPr id="0" name=""/>
+        <dsp:cNvSpPr/>
+      </dsp:nvSpPr>
+      <dsp:spPr>
+        <a:xfrm>
+          <a:off x="3738192" y="2770771"/>
+          <a:ext cx="1033538" cy="1033538"/>
+        </a:xfrm>
+        <a:prstGeom prst="ellipse">
+          <a:avLst/>
+        </a:prstGeom>
+        <a:blipFill>
+          <a:blip xmlns:r="http://schemas.openxmlformats.org/officeDocument/2006/relationships" r:embed="rId1">
+            <a:extLst>
+              <a:ext uri="{28A0092B-C50C-407E-A947-70E740481C1C}">
+                <a14:useLocalDpi xmlns:a14="http://schemas.microsoft.com/office/drawing/2010/main" val="0"/>
+              </a:ext>
+            </a:extLst>
+          </a:blip>
+          <a:srcRect/>
+          <a:stretch>
+            <a:fillRect/>
+          </a:stretch>
+        </a:blipFill>
+        <a:ln>
+          <a:noFill/>
+        </a:ln>
+        <a:effectLst/>
+      </dsp:spPr>
+      <dsp:style>
+        <a:lnRef idx="0">
+          <a:scrgbClr r="0" g="0" b="0"/>
+        </a:lnRef>
+        <a:fillRef idx="3">
+          <a:scrgbClr r="0" g="0" b="0"/>
+        </a:fillRef>
+        <a:effectRef idx="2">
+          <a:scrgbClr r="0" g="0" b="0"/>
+        </a:effectRef>
+        <a:fontRef idx="minor">
+          <a:schemeClr val="lt1"/>
+        </a:fontRef>
+      </dsp:style>
+    </dsp:sp>
+    <dsp:sp modelId="{21D03ED5-2454-9C49-B464-175E1DE40DA2}">
+      <dsp:nvSpPr>
+        <dsp:cNvPr id="0" name=""/>
+        <dsp:cNvSpPr/>
+      </dsp:nvSpPr>
+      <dsp:spPr>
+        <a:xfrm>
+          <a:off x="4771731" y="2768187"/>
+          <a:ext cx="1550307" cy="1033538"/>
+        </a:xfrm>
+        <a:prstGeom prst="rect">
+          <a:avLst/>
+        </a:prstGeom>
+        <a:noFill/>
+        <a:ln>
+          <a:noFill/>
+        </a:ln>
+        <a:effectLst/>
+      </dsp:spPr>
+      <dsp:style>
+        <a:lnRef idx="0">
+          <a:scrgbClr r="0" g="0" b="0"/>
+        </a:lnRef>
+        <a:fillRef idx="0">
+          <a:scrgbClr r="0" g="0" b="0"/>
+        </a:fillRef>
+        <a:effectRef idx="0">
+          <a:scrgbClr r="0" g="0" b="0"/>
+        </a:effectRef>
+        <a:fontRef idx="minor"/>
+      </dsp:style>
+      <dsp:txBody>
+        <a:bodyPr spcFirstLastPara="0" vert="horz" wrap="square" lIns="60960" tIns="60960" rIns="60960" bIns="60960" numCol="1" spcCol="1270" anchor="ctr" anchorCtr="0">
+          <a:noAutofit/>
+        </a:bodyPr>
+        <a:lstStyle/>
+        <a:p>
+          <a:pPr lvl="0" algn="l" defTabSz="711200">
+            <a:lnSpc>
+              <a:spcPct val="90000"/>
+            </a:lnSpc>
+            <a:spcBef>
+              <a:spcPct val="0"/>
+            </a:spcBef>
+            <a:spcAft>
+              <a:spcPct val="35000"/>
+            </a:spcAft>
+          </a:pPr>
+          <a:r>
+            <a:rPr lang="en-US" sz="1600" b="1" kern="1200" dirty="0" smtClean="0">
+              <a:latin typeface="Courier New" charset="0"/>
+              <a:ea typeface="Courier New" charset="0"/>
+              <a:cs typeface="Courier New" charset="0"/>
+            </a:rPr>
+            <a:t>multipart/</a:t>
+          </a:r>
+        </a:p>
+        <a:p>
+          <a:pPr lvl="0" algn="l" defTabSz="711200">
+            <a:lnSpc>
+              <a:spcPct val="90000"/>
+            </a:lnSpc>
+            <a:spcBef>
+              <a:spcPct val="0"/>
+            </a:spcBef>
+            <a:spcAft>
+              <a:spcPct val="35000"/>
+            </a:spcAft>
+          </a:pPr>
+          <a:r>
+            <a:rPr lang="en-US" sz="1600" b="1" kern="1200" dirty="0" smtClean="0">
+              <a:latin typeface="Courier New" charset="0"/>
+              <a:ea typeface="Courier New" charset="0"/>
+              <a:cs typeface="Courier New" charset="0"/>
+            </a:rPr>
+            <a:t>related</a:t>
+          </a:r>
+          <a:endParaRPr lang="en-US" sz="1600" b="1" kern="1200" dirty="0">
+            <a:latin typeface="Courier New" charset="0"/>
+            <a:ea typeface="Courier New" charset="0"/>
+            <a:cs typeface="Courier New" charset="0"/>
+          </a:endParaRPr>
+        </a:p>
+      </dsp:txBody>
+      <dsp:txXfrm>
+        <a:off x="4771731" y="2768187"/>
+        <a:ext cx="1550307" cy="1033538"/>
+      </dsp:txXfrm>
+    </dsp:sp>
+    <dsp:sp modelId="{2FCB8478-8D80-CB45-AF84-44375AA6F5B1}">
+      <dsp:nvSpPr>
+        <dsp:cNvPr id="0" name=""/>
+        <dsp:cNvSpPr/>
+      </dsp:nvSpPr>
+      <dsp:spPr>
+        <a:xfrm>
+          <a:off x="2317077" y="4129874"/>
+          <a:ext cx="1033538" cy="1033538"/>
+        </a:xfrm>
+        <a:prstGeom prst="ellipse">
+          <a:avLst/>
+        </a:prstGeom>
+        <a:blipFill>
+          <a:blip xmlns:r="http://schemas.openxmlformats.org/officeDocument/2006/relationships" r:embed="rId4">
+            <a:extLst>
+              <a:ext uri="{28A0092B-C50C-407E-A947-70E740481C1C}">
+                <a14:useLocalDpi xmlns:a14="http://schemas.microsoft.com/office/drawing/2010/main" val="0"/>
+              </a:ext>
+            </a:extLst>
+          </a:blip>
+          <a:srcRect/>
+          <a:stretch>
+            <a:fillRect/>
+          </a:stretch>
+        </a:blipFill>
+        <a:ln>
+          <a:noFill/>
+        </a:ln>
+        <a:effectLst/>
+      </dsp:spPr>
+      <dsp:style>
+        <a:lnRef idx="0">
+          <a:scrgbClr r="0" g="0" b="0"/>
+        </a:lnRef>
+        <a:fillRef idx="3">
+          <a:scrgbClr r="0" g="0" b="0"/>
+        </a:fillRef>
+        <a:effectRef idx="2">
+          <a:scrgbClr r="0" g="0" b="0"/>
+        </a:effectRef>
+        <a:fontRef idx="minor">
+          <a:schemeClr val="lt1"/>
+        </a:fontRef>
+      </dsp:style>
+    </dsp:sp>
+    <dsp:sp modelId="{6630BF3A-01F5-7641-80ED-F44E8C9B70FA}">
+      <dsp:nvSpPr>
+        <dsp:cNvPr id="0" name=""/>
+        <dsp:cNvSpPr/>
+      </dsp:nvSpPr>
+      <dsp:spPr>
+        <a:xfrm>
+          <a:off x="3350616" y="4127290"/>
+          <a:ext cx="1550307" cy="1033538"/>
+        </a:xfrm>
+        <a:prstGeom prst="rect">
+          <a:avLst/>
+        </a:prstGeom>
+        <a:noFill/>
+        <a:ln>
+          <a:noFill/>
+        </a:ln>
+        <a:effectLst/>
+      </dsp:spPr>
+      <dsp:style>
+        <a:lnRef idx="0">
+          <a:scrgbClr r="0" g="0" b="0"/>
+        </a:lnRef>
+        <a:fillRef idx="0">
+          <a:scrgbClr r="0" g="0" b="0"/>
+        </a:fillRef>
+        <a:effectRef idx="0">
+          <a:scrgbClr r="0" g="0" b="0"/>
+        </a:effectRef>
+        <a:fontRef idx="minor"/>
+      </dsp:style>
+      <dsp:txBody>
+        <a:bodyPr spcFirstLastPara="0" vert="horz" wrap="square" lIns="76200" tIns="76200" rIns="76200" bIns="76200" numCol="1" spcCol="1270" anchor="ctr" anchorCtr="0">
+          <a:noAutofit/>
+        </a:bodyPr>
+        <a:lstStyle/>
+        <a:p>
+          <a:pPr lvl="0" algn="l" defTabSz="889000">
+            <a:lnSpc>
+              <a:spcPct val="90000"/>
+            </a:lnSpc>
+            <a:spcBef>
+              <a:spcPct val="0"/>
+            </a:spcBef>
+            <a:spcAft>
+              <a:spcPct val="35000"/>
+            </a:spcAft>
+          </a:pPr>
+          <a:r>
+            <a:rPr lang="en-US" sz="2000" b="1" kern="1200" dirty="0" smtClean="0">
+              <a:latin typeface="Courier New" charset="0"/>
+              <a:ea typeface="Courier New" charset="0"/>
+              <a:cs typeface="Courier New" charset="0"/>
+            </a:rPr>
+            <a:t>text/html</a:t>
+          </a:r>
+          <a:endParaRPr lang="en-US" sz="2000" b="1" kern="1200" dirty="0">
+            <a:latin typeface="Courier New" charset="0"/>
+            <a:ea typeface="Courier New" charset="0"/>
+            <a:cs typeface="Courier New" charset="0"/>
+          </a:endParaRPr>
+        </a:p>
+      </dsp:txBody>
+      <dsp:txXfrm>
+        <a:off x="3350616" y="4127290"/>
+        <a:ext cx="1550307" cy="1033538"/>
+      </dsp:txXfrm>
+    </dsp:sp>
+    <dsp:sp modelId="{9432A321-C718-5D4A-8911-5107BAAF5AD2}">
+      <dsp:nvSpPr>
+        <dsp:cNvPr id="0" name=""/>
+        <dsp:cNvSpPr/>
+      </dsp:nvSpPr>
+      <dsp:spPr>
+        <a:xfrm>
+          <a:off x="5159308" y="4129874"/>
+          <a:ext cx="1033538" cy="1033538"/>
+        </a:xfrm>
+        <a:prstGeom prst="ellipse">
+          <a:avLst/>
+        </a:prstGeom>
+        <a:blipFill>
+          <a:blip xmlns:r="http://schemas.openxmlformats.org/officeDocument/2006/relationships" r:embed="rId5">
+            <a:extLst>
+              <a:ext uri="{28A0092B-C50C-407E-A947-70E740481C1C}">
+                <a14:useLocalDpi xmlns:a14="http://schemas.microsoft.com/office/drawing/2010/main" val="0"/>
+              </a:ext>
+            </a:extLst>
+          </a:blip>
+          <a:srcRect/>
+          <a:stretch>
+            <a:fillRect/>
+          </a:stretch>
+        </a:blipFill>
+        <a:ln>
+          <a:noFill/>
+        </a:ln>
+        <a:effectLst/>
+      </dsp:spPr>
+      <dsp:style>
+        <a:lnRef idx="0">
+          <a:scrgbClr r="0" g="0" b="0"/>
+        </a:lnRef>
+        <a:fillRef idx="3">
+          <a:scrgbClr r="0" g="0" b="0"/>
+        </a:fillRef>
+        <a:effectRef idx="2">
+          <a:scrgbClr r="0" g="0" b="0"/>
+        </a:effectRef>
+        <a:fontRef idx="minor">
+          <a:schemeClr val="lt1"/>
+        </a:fontRef>
+      </dsp:style>
+    </dsp:sp>
+    <dsp:sp modelId="{866E0A2D-67A9-F64F-9494-C24D1022B5D6}">
+      <dsp:nvSpPr>
+        <dsp:cNvPr id="0" name=""/>
+        <dsp:cNvSpPr/>
+      </dsp:nvSpPr>
+      <dsp:spPr>
+        <a:xfrm>
+          <a:off x="6192846" y="4127290"/>
+          <a:ext cx="1550307" cy="1033538"/>
+        </a:xfrm>
+        <a:prstGeom prst="rect">
+          <a:avLst/>
+        </a:prstGeom>
+        <a:noFill/>
+        <a:ln>
+          <a:noFill/>
+        </a:ln>
+        <a:effectLst/>
+      </dsp:spPr>
+      <dsp:style>
+        <a:lnRef idx="0">
+          <a:scrgbClr r="0" g="0" b="0"/>
+        </a:lnRef>
+        <a:fillRef idx="0">
+          <a:scrgbClr r="0" g="0" b="0"/>
+        </a:fillRef>
+        <a:effectRef idx="0">
+          <a:scrgbClr r="0" g="0" b="0"/>
+        </a:effectRef>
+        <a:fontRef idx="minor"/>
+      </dsp:style>
+      <dsp:txBody>
+        <a:bodyPr spcFirstLastPara="0" vert="horz" wrap="square" lIns="76200" tIns="76200" rIns="76200" bIns="76200" numCol="1" spcCol="1270" anchor="ctr" anchorCtr="0">
+          <a:noAutofit/>
+        </a:bodyPr>
+        <a:lstStyle/>
+        <a:p>
+          <a:pPr lvl="0" algn="l" defTabSz="889000">
+            <a:lnSpc>
+              <a:spcPct val="90000"/>
+            </a:lnSpc>
+            <a:spcBef>
+              <a:spcPct val="0"/>
+            </a:spcBef>
+            <a:spcAft>
+              <a:spcPct val="35000"/>
+            </a:spcAft>
+          </a:pPr>
+          <a:r>
+            <a:rPr lang="en-US" sz="2000" b="1" kern="1200" dirty="0" smtClean="0">
+              <a:latin typeface="Courier New" charset="0"/>
+              <a:ea typeface="Courier New" charset="0"/>
+              <a:cs typeface="Courier New" charset="0"/>
+            </a:rPr>
+            <a:t>image/</a:t>
+          </a:r>
+          <a:r>
+            <a:rPr lang="en-US" sz="2000" b="1" kern="1200" dirty="0" err="1" smtClean="0">
+              <a:latin typeface="Courier New" charset="0"/>
+              <a:ea typeface="Courier New" charset="0"/>
+              <a:cs typeface="Courier New" charset="0"/>
+            </a:rPr>
+            <a:t>png</a:t>
+          </a:r>
+          <a:endParaRPr lang="en-US" sz="2000" b="1" kern="1200" dirty="0">
+            <a:latin typeface="Courier New" charset="0"/>
+            <a:ea typeface="Courier New" charset="0"/>
+            <a:cs typeface="Courier New" charset="0"/>
+          </a:endParaRPr>
+        </a:p>
+      </dsp:txBody>
+      <dsp:txXfrm>
+        <a:off x="6192846" y="4127290"/>
+        <a:ext cx="1550307" cy="1033538"/>
+      </dsp:txXfrm>
+    </dsp:sp>
+    <dsp:sp modelId="{96682109-0642-7A42-B19A-BB3EF316666D}">
+      <dsp:nvSpPr>
+        <dsp:cNvPr id="0" name=""/>
+        <dsp:cNvSpPr/>
+      </dsp:nvSpPr>
+      <dsp:spPr>
+        <a:xfrm>
+          <a:off x="5356708" y="1411668"/>
+          <a:ext cx="1033538" cy="1033538"/>
+        </a:xfrm>
+        <a:prstGeom prst="ellipse">
+          <a:avLst/>
+        </a:prstGeom>
+        <a:blipFill>
+          <a:blip xmlns:r="http://schemas.openxmlformats.org/officeDocument/2006/relationships" r:embed="rId6">
+            <a:extLst>
+              <a:ext uri="{28A0092B-C50C-407E-A947-70E740481C1C}">
+                <a14:useLocalDpi xmlns:a14="http://schemas.microsoft.com/office/drawing/2010/main" val="0"/>
+              </a:ext>
+            </a:extLst>
+          </a:blip>
+          <a:srcRect/>
+          <a:stretch>
+            <a:fillRect/>
+          </a:stretch>
+        </a:blipFill>
+        <a:ln>
+          <a:noFill/>
+        </a:ln>
+        <a:effectLst/>
+      </dsp:spPr>
+      <dsp:style>
+        <a:lnRef idx="0">
+          <a:scrgbClr r="0" g="0" b="0"/>
+        </a:lnRef>
+        <a:fillRef idx="3">
+          <a:scrgbClr r="0" g="0" b="0"/>
+        </a:fillRef>
+        <a:effectRef idx="2">
+          <a:scrgbClr r="0" g="0" b="0"/>
+        </a:effectRef>
+        <a:fontRef idx="minor">
+          <a:schemeClr val="lt1"/>
+        </a:fontRef>
+      </dsp:style>
+    </dsp:sp>
+    <dsp:sp modelId="{AD634F42-E3F8-BB47-B6C4-F0CEDD489FA0}">
+      <dsp:nvSpPr>
+        <dsp:cNvPr id="0" name=""/>
+        <dsp:cNvSpPr/>
+      </dsp:nvSpPr>
+      <dsp:spPr>
+        <a:xfrm>
+          <a:off x="6400262" y="1386108"/>
+          <a:ext cx="2093163" cy="1033538"/>
+        </a:xfrm>
+        <a:prstGeom prst="rect">
+          <a:avLst/>
+        </a:prstGeom>
+        <a:noFill/>
+        <a:ln>
+          <a:noFill/>
+        </a:ln>
+        <a:effectLst/>
+      </dsp:spPr>
+      <dsp:style>
+        <a:lnRef idx="0">
+          <a:scrgbClr r="0" g="0" b="0"/>
+        </a:lnRef>
+        <a:fillRef idx="0">
+          <a:scrgbClr r="0" g="0" b="0"/>
+        </a:fillRef>
+        <a:effectRef idx="0">
+          <a:scrgbClr r="0" g="0" b="0"/>
+        </a:effectRef>
+        <a:fontRef idx="minor"/>
+      </dsp:style>
+      <dsp:txBody>
+        <a:bodyPr spcFirstLastPara="0" vert="horz" wrap="square" lIns="60960" tIns="60960" rIns="60960" bIns="60960" numCol="1" spcCol="1270" anchor="ctr" anchorCtr="0">
+          <a:noAutofit/>
+        </a:bodyPr>
+        <a:lstStyle/>
+        <a:p>
+          <a:pPr lvl="0" algn="l" defTabSz="711200">
+            <a:lnSpc>
+              <a:spcPct val="90000"/>
+            </a:lnSpc>
+            <a:spcBef>
+              <a:spcPct val="0"/>
+            </a:spcBef>
+            <a:spcAft>
+              <a:spcPct val="35000"/>
+            </a:spcAft>
+          </a:pPr>
+          <a:r>
+            <a:rPr lang="en-US" sz="1600" b="1" kern="1200" smtClean="0">
+              <a:latin typeface="Courier New" charset="0"/>
+              <a:ea typeface="Courier New" charset="0"/>
+              <a:cs typeface="Courier New" charset="0"/>
+            </a:rPr>
+            <a:t>text/plain</a:t>
+          </a:r>
+          <a:endParaRPr lang="en-US" sz="1600" b="1" kern="1200" dirty="0">
+            <a:latin typeface="Courier New" charset="0"/>
+            <a:ea typeface="Courier New" charset="0"/>
+            <a:cs typeface="Courier New" charset="0"/>
+          </a:endParaRPr>
+        </a:p>
+      </dsp:txBody>
+      <dsp:txXfrm>
+        <a:off x="6400262" y="1386108"/>
+        <a:ext cx="2093163" cy="1033538"/>
+      </dsp:txXfrm>
+    </dsp:sp>
+  </dsp:spTree>
+</dsp:drawing>
+</file>
+
+<file path=ppt/diagrams/layout1.xml><?xml version="1.0" encoding="utf-8"?>
+<dgm:layoutDef xmlns:dgm="http://schemas.openxmlformats.org/drawingml/2006/diagram" xmlns:a="http://schemas.openxmlformats.org/drawingml/2006/main" uniqueId="urn:microsoft.com/office/officeart/2009/layout/CirclePictureHierarchy">
+  <dgm:title val=""/>
+  <dgm:desc val=""/>
+  <dgm:catLst>
+    <dgm:cat type="hierarchy" pri="1750"/>
+    <dgm:cat type="picture" pri="23000"/>
+    <dgm:cat type="pictureconvert" pri="23000"/>
+  </dgm:catLst>
+  <dgm:sampData>
+    <dgm:dataModel>
+      <dgm:ptLst>
+        <dgm:pt modelId="0" type="doc"/>
+        <dgm:pt modelId="1">
+          <dgm:prSet phldr="1"/>
+        </dgm:pt>
+        <dgm:pt modelId="2">
+          <dgm:prSet phldr="1"/>
+        </dgm:pt>
+        <dgm:pt modelId="21">
+          <dgm:prSet phldr="1"/>
+        </dgm:pt>
+        <dgm:pt modelId="22">
+          <dgm:prSet phldr="1"/>
+        </dgm:pt>
+        <dgm:pt modelId="3">
+          <dgm:prSet phldr="1"/>
+        </dgm:pt>
+        <dgm:pt modelId="31">
+          <dgm:prSet phldr="1"/>
+        </dgm:pt>
+      </dgm:ptLst>
+      <dgm:cxnLst>
+        <dgm:cxn modelId="4" srcId="0" destId="1" srcOrd="0" destOrd="0"/>
+        <dgm:cxn modelId="5" srcId="1" destId="2" srcOrd="0" destOrd="0"/>
+        <dgm:cxn modelId="6" srcId="1" destId="3" srcOrd="1" destOrd="0"/>
+        <dgm:cxn modelId="23" srcId="2" destId="21" srcOrd="0" destOrd="0"/>
+        <dgm:cxn modelId="24" srcId="2" destId="22" srcOrd="1" destOrd="0"/>
+        <dgm:cxn modelId="33" srcId="3" destId="31" srcOrd="0" destOrd="0"/>
+      </dgm:cxnLst>
+      <dgm:bg/>
+      <dgm:whole/>
+    </dgm:dataModel>
+  </dgm:sampData>
+  <dgm:styleData>
+    <dgm:dataModel>
+      <dgm:ptLst>
+        <dgm:pt modelId="0" type="doc"/>
+        <dgm:pt modelId="1"/>
+        <dgm:pt modelId="11"/>
+        <dgm:pt modelId="12"/>
+      </dgm:ptLst>
+      <dgm:cxnLst>
+        <dgm:cxn modelId="2" srcId="0" destId="1" srcOrd="0" destOrd="0"/>
+        <dgm:cxn modelId="13" srcId="1" destId="11" srcOrd="0" destOrd="0"/>
+        <dgm:cxn modelId="14" srcId="1" destId="12" srcOrd="1" destOrd="0"/>
+      </dgm:cxnLst>
+      <dgm:bg/>
+      <dgm:whole/>
+    </dgm:dataModel>
+  </dgm:styleData>
+  <dgm:clrData>
+    <dgm:dataModel>
+      <dgm:ptLst>
+        <dgm:pt modelId="0" type="doc"/>
+        <dgm:pt modelId="1"/>
+        <dgm:pt modelId="2"/>
+        <dgm:pt modelId="21"/>
+        <dgm:pt modelId="211"/>
+        <dgm:pt modelId="3"/>
+        <dgm:pt modelId="31"/>
+        <dgm:pt modelId="311"/>
+      </dgm:ptLst>
+      <dgm:cxnLst>
+        <dgm:cxn modelId="4" srcId="0" destId="1" srcOrd="0" destOrd="0"/>
+        <dgm:cxn modelId="5" srcId="1" destId="2" srcOrd="0" destOrd="0"/>
+        <dgm:cxn modelId="6" srcId="1" destId="3" srcOrd="1" destOrd="0"/>
+        <dgm:cxn modelId="23" srcId="2" destId="21" srcOrd="0" destOrd="0"/>
+        <dgm:cxn modelId="24" srcId="21" destId="211" srcOrd="0" destOrd="0"/>
+        <dgm:cxn modelId="33" srcId="3" destId="31" srcOrd="0" destOrd="0"/>
+        <dgm:cxn modelId="34" srcId="31" destId="311" srcOrd="0" destOrd="0"/>
+      </dgm:cxnLst>
+      <dgm:bg/>
+      <dgm:whole/>
+    </dgm:dataModel>
+  </dgm:clrData>
+  <dgm:layoutNode name="hierChild1">
+    <dgm:varLst>
+      <dgm:chPref val="1"/>
+      <dgm:dir/>
+      <dgm:animOne val="branch"/>
+      <dgm:animLvl val="lvl"/>
+      <dgm:resizeHandles/>
+    </dgm:varLst>
+    <dgm:choose name="Name0">
+      <dgm:if name="Name1" func="var" arg="dir" op="equ" val="norm">
+        <dgm:alg type="hierChild">
+          <dgm:param type="linDir" val="fromL"/>
+        </dgm:alg>
+      </dgm:if>
+      <dgm:else name="Name2">
+        <dgm:alg type="hierChild">
+          <dgm:param type="linDir" val="fromR"/>
+        </dgm:alg>
+      </dgm:else>
+    </dgm:choose>
+    <dgm:shape xmlns:r="http://schemas.openxmlformats.org/officeDocument/2006/relationships" r:blip="">
+      <dgm:adjLst/>
+    </dgm:shape>
+    <dgm:presOf/>
+    <dgm:constrLst>
+      <dgm:constr type="primFontSz" for="des" ptType="node" op="equ" val="65"/>
+      <dgm:constr type="w" for="des" forName="composite" refType="w"/>
+      <dgm:constr type="h" for="des" forName="composite" refType="w" refFor="des" refForName="composite" fact="0.5"/>
+      <dgm:constr type="w" for="des" forName="composite2" refType="w" refFor="des" refForName="composite"/>
+      <dgm:constr type="h" for="des" forName="composite2" refType="h" refFor="des" refForName="composite"/>
+      <dgm:constr type="w" for="des" forName="composite3" refType="w" refFor="des" refForName="composite"/>
+      <dgm:constr type="h" for="des" forName="composite3" refType="h" refFor="des" refForName="composite"/>
+      <dgm:constr type="w" for="des" forName="composite4" refType="w" refFor="des" refForName="composite"/>
+      <dgm:constr type="h" for="des" forName="composite4" refType="h" refFor="des" refForName="composite"/>
+      <dgm:constr type="w" for="des" forName="composite5" refType="w" refFor="des" refForName="composite"/>
+      <dgm:constr type="h" for="des" forName="composite5" refType="h" refFor="des" refForName="composite"/>
+      <dgm:constr type="sibSp" refType="w" refFor="des" refForName="composite" fact="0.1"/>
+      <dgm:constr type="sibSp" for="des" forName="hierChild2" refType="sibSp"/>
+      <dgm:constr type="sibSp" for="des" forName="hierChild3" refType="sibSp"/>
+      <dgm:constr type="sibSp" for="des" forName="hierChild4" refType="sibSp"/>
+      <dgm:constr type="sibSp" for="des" forName="hierChild5" refType="sibSp"/>
+      <dgm:constr type="sibSp" for="des" forName="hierChild6" refType="sibSp"/>
+      <dgm:constr type="sp" for="des" forName="hierRoot1" refType="h" refFor="des" refForName="composite" fact="0.25"/>
+      <dgm:constr type="sp" for="des" forName="hierRoot2" refType="sp" refFor="des" refForName="hierRoot1"/>
+      <dgm:constr type="sp" for="des" forName="hierRoot3" refType="sp" refFor="des" refForName="hierRoot1"/>
+      <dgm:constr type="sp" for="des" forName="hierRoot4" refType="sp" refFor="des" refForName="hierRoot1"/>
+      <dgm:constr type="sp" for="des" forName="hierRoot5" refType="sp" refFor="des" refForName="hierRoot1"/>
+    </dgm:constrLst>
+    <dgm:ruleLst/>
+    <dgm:forEach name="Name3" axis="ch">
+      <dgm:forEach name="Name4" axis="self" ptType="node">
+        <dgm:layoutNode name="hierRoot1">
+          <dgm:alg type="hierRoot"/>
+          <dgm:shape xmlns:r="http://schemas.openxmlformats.org/officeDocument/2006/relationships" r:blip="">
+            <dgm:adjLst/>
+          </dgm:shape>
+          <dgm:presOf/>
+          <dgm:constrLst>
+            <dgm:constr type="bendDist" for="des" ptType="parTrans" refType="sp" fact="0.5"/>
+          </dgm:constrLst>
+          <dgm:ruleLst/>
+          <dgm:layoutNode name="composite">
+            <dgm:alg type="composite"/>
+            <dgm:shape xmlns:r="http://schemas.openxmlformats.org/officeDocument/2006/relationships" r:blip="">
+              <dgm:adjLst/>
+            </dgm:shape>
+            <dgm:presOf/>
+            <dgm:constrLst>
+              <dgm:constr type="h" for="ch" forName="image" refType="h" fact="0.8"/>
+              <dgm:constr type="w" for="ch" forName="image" refType="h" refFor="ch" refForName="image"/>
+              <dgm:constr type="t" for="ch" forName="image" refType="h" fact="0.1"/>
+              <dgm:constr type="l" for="ch" forName="image"/>
+              <dgm:constr type="w" for="ch" forName="text" refType="w" fact="0.6"/>
+              <dgm:constr type="h" for="ch" forName="text" refType="h" fact="0.8"/>
+              <dgm:constr type="t" for="ch" forName="text" refType="w" fact="0.04"/>
+              <dgm:constr type="l" for="ch" forName="text" refType="w" fact="0.4"/>
+            </dgm:constrLst>
+            <dgm:ruleLst/>
+            <dgm:layoutNode name="image" styleLbl="node0">
+              <dgm:alg type="sp"/>
+              <dgm:shape xmlns:r="http://schemas.openxmlformats.org/officeDocument/2006/relationships" type="ellipse" r:blip="" blipPhldr="1">
+                <dgm:adjLst/>
+              </dgm:shape>
+              <dgm:presOf/>
+              <dgm:constrLst/>
+              <dgm:ruleLst/>
+            </dgm:layoutNode>
+            <dgm:layoutNode name="text" styleLbl="revTx">
+              <dgm:varLst>
+                <dgm:chPref val="3"/>
+              </dgm:varLst>
+              <dgm:alg type="tx">
+                <dgm:param type="parTxLTRAlign" val="l"/>
+                <dgm:param type="parTxRTLAlign" val="r"/>
+              </dgm:alg>
+              <dgm:shape xmlns:r="http://schemas.openxmlformats.org/officeDocument/2006/relationships" type="rect" r:blip="">
+                <dgm:adjLst/>
+              </dgm:shape>
+              <dgm:presOf axis="self"/>
+              <dgm:constrLst>
+                <dgm:constr type="tMarg" refType="primFontSz" fact="0.3"/>
+                <dgm:constr type="bMarg" refType="primFontSz" fact="0.3"/>
+                <dgm:constr type="lMarg" refType="primFontSz" fact="0.3"/>
+                <dgm:constr type="rMarg" refType="primFontSz" fact="0.3"/>
+              </dgm:constrLst>
+              <dgm:ruleLst>
+                <dgm:rule type="primFontSz" val="5" fact="NaN" max="NaN"/>
+              </dgm:ruleLst>
+            </dgm:layoutNode>
+          </dgm:layoutNode>
+          <dgm:layoutNode name="hierChild2">
+            <dgm:choose name="Name5">
+              <dgm:if name="Name6" func="var" arg="dir" op="equ" val="norm">
+                <dgm:alg type="hierChild">
+                  <dgm:param type="linDir" val="fromL"/>
+                </dgm:alg>
+              </dgm:if>
+              <dgm:else name="Name7">
+                <dgm:alg type="hierChild">
+                  <dgm:param type="linDir" val="fromR"/>
+                </dgm:alg>
+              </dgm:else>
+            </dgm:choose>
+            <dgm:shape xmlns:r="http://schemas.openxmlformats.org/officeDocument/2006/relationships" r:blip="">
+              <dgm:adjLst/>
+            </dgm:shape>
+            <dgm:presOf/>
+            <dgm:constrLst/>
+            <dgm:ruleLst/>
+            <dgm:forEach name="Name8" axis="ch">
+              <dgm:forEach name="Name9" axis="self" ptType="parTrans" cnt="1">
+                <dgm:layoutNode name="Name10">
+                  <dgm:alg type="conn">
+                    <dgm:param type="dim" val="1D"/>
+                    <dgm:param type="endSty" val="noArr"/>
+                    <dgm:param type="connRout" val="bend"/>
+                    <dgm:param type="bendPt" val="end"/>
+                    <dgm:param type="begPts" val="bCtr"/>
+                    <dgm:param type="endPts" val="tCtr"/>
+                    <dgm:param type="srcNode" val="image"/>
+                    <dgm:param type="dstNode" val="image2"/>
+                  </dgm:alg>
+                  <dgm:shape xmlns:r="http://schemas.openxmlformats.org/officeDocument/2006/relationships" type="conn" r:blip="" zOrderOff="-999">
+                    <dgm:adjLst/>
+                  </dgm:shape>
+                  <dgm:presOf axis="self"/>
+                  <dgm:constrLst>
+                    <dgm:constr type="begPad"/>
+                    <dgm:constr type="endPad"/>
+                  </dgm:constrLst>
+                  <dgm:ruleLst/>
+                </dgm:layoutNode>
+              </dgm:forEach>
+              <dgm:forEach name="Name11" axis="self" ptType="node">
+                <dgm:layoutNode name="hierRoot2">
+                  <dgm:alg type="hierRoot"/>
+                  <dgm:shape xmlns:r="http://schemas.openxmlformats.org/officeDocument/2006/relationships" r:blip="">
+                    <dgm:adjLst/>
+                  </dgm:shape>
+                  <dgm:presOf/>
+                  <dgm:constrLst>
+                    <dgm:constr type="bendDist" for="des" ptType="parTrans" refType="sp" fact="0.5"/>
+                  </dgm:constrLst>
+                  <dgm:ruleLst/>
+                  <dgm:layoutNode name="composite2">
+                    <dgm:alg type="composite"/>
+                    <dgm:shape xmlns:r="http://schemas.openxmlformats.org/officeDocument/2006/relationships" r:blip="">
+                      <dgm:adjLst/>
+                    </dgm:shape>
+                    <dgm:presOf/>
+                    <dgm:constrLst>
+                      <dgm:constr type="h" for="ch" forName="image2" refType="h" fact="0.8"/>
+                      <dgm:constr type="w" for="ch" forName="image2" refType="h" refFor="ch" refForName="image2"/>
+                      <dgm:constr type="t" for="ch" forName="image2" refType="h" fact="0.1"/>
+                      <dgm:constr type="l" for="ch" forName="image2"/>
+                      <dgm:constr type="w" for="ch" forName="text2" refType="w" fact="0.6"/>
+                      <dgm:constr type="h" for="ch" forName="text2" refType="h" fact="0.8"/>
+                      <dgm:constr type="t" for="ch" forName="text2" refType="w" fact="0.04"/>
+                      <dgm:constr type="l" for="ch" forName="text2" refType="w" fact="0.4"/>
+                    </dgm:constrLst>
+                    <dgm:ruleLst/>
+                    <dgm:layoutNode name="image2">
+                      <dgm:alg type="sp"/>
+                      <dgm:shape xmlns:r="http://schemas.openxmlformats.org/officeDocument/2006/relationships" type="ellipse" r:blip="" blipPhldr="1">
+                        <dgm:adjLst/>
+                      </dgm:shape>
+                      <dgm:presOf/>
+                      <dgm:constrLst/>
+                      <dgm:ruleLst/>
+                    </dgm:layoutNode>
+                    <dgm:layoutNode name="text2" styleLbl="revTx">
+                      <dgm:varLst>
+                        <dgm:chPref val="3"/>
+                      </dgm:varLst>
+                      <dgm:alg type="tx">
+                        <dgm:param type="parTxLTRAlign" val="l"/>
+                        <dgm:param type="parTxRTLAlign" val="r"/>
+                      </dgm:alg>
+                      <dgm:shape xmlns:r="http://schemas.openxmlformats.org/officeDocument/2006/relationships" type="rect" r:blip="">
+                        <dgm:adjLst/>
+                      </dgm:shape>
+                      <dgm:presOf axis="self"/>
+                      <dgm:constrLst>
+                        <dgm:constr type="tMarg" refType="primFontSz" fact="0.3"/>
+                        <dgm:constr type="bMarg" refType="primFontSz" fact="0.3"/>
+                        <dgm:constr type="lMarg" refType="primFontSz" fact="0.3"/>
+                        <dgm:constr type="rMarg" refType="primFontSz" fact="0.3"/>
+                      </dgm:constrLst>
+                      <dgm:ruleLst>
+                        <dgm:rule type="primFontSz" val="5" fact="NaN" max="NaN"/>
+                      </dgm:ruleLst>
+                    </dgm:layoutNode>
+                  </dgm:layoutNode>
+                  <dgm:layoutNode name="hierChild3">
+                    <dgm:choose name="Name12">
+                      <dgm:if name="Name13" func="var" arg="dir" op="equ" val="norm">
+                        <dgm:alg type="hierChild">
+                          <dgm:param type="linDir" val="fromL"/>
+                        </dgm:alg>
+                      </dgm:if>
+                      <dgm:else name="Name14">
+                        <dgm:alg type="hierChild">
+                          <dgm:param type="linDir" val="fromR"/>
+                        </dgm:alg>
+                      </dgm:else>
+                    </dgm:choose>
+                    <dgm:shape xmlns:r="http://schemas.openxmlformats.org/officeDocument/2006/relationships" r:blip="">
+                      <dgm:adjLst/>
+                    </dgm:shape>
+                    <dgm:presOf/>
+                    <dgm:constrLst/>
+                    <dgm:ruleLst/>
+                    <dgm:forEach name="Name15" axis="ch">
+                      <dgm:forEach name="Name16" axis="self" ptType="parTrans" cnt="1">
+                        <dgm:layoutNode name="Name17">
+                          <dgm:alg type="conn">
+                            <dgm:param type="dim" val="1D"/>
+                            <dgm:param type="endSty" val="noArr"/>
+                            <dgm:param type="connRout" val="bend"/>
+                            <dgm:param type="bendPt" val="end"/>
+                            <dgm:param type="begPts" val="bCtr"/>
+                            <dgm:param type="endPts" val="tCtr"/>
+                            <dgm:param type="srcNode" val="image2"/>
+                            <dgm:param type="dstNode" val="image3"/>
+                          </dgm:alg>
+                          <dgm:shape xmlns:r="http://schemas.openxmlformats.org/officeDocument/2006/relationships" type="conn" r:blip="" zOrderOff="-999">
+                            <dgm:adjLst/>
+                          </dgm:shape>
+                          <dgm:presOf axis="self"/>
+                          <dgm:constrLst>
+                            <dgm:constr type="begPad"/>
+                            <dgm:constr type="endPad"/>
+                          </dgm:constrLst>
+                          <dgm:ruleLst/>
+                        </dgm:layoutNode>
+                      </dgm:forEach>
+                      <dgm:forEach name="Name18" axis="self" ptType="node">
+                        <dgm:layoutNode name="hierRoot3">
+                          <dgm:alg type="hierRoot"/>
+                          <dgm:shape xmlns:r="http://schemas.openxmlformats.org/officeDocument/2006/relationships" r:blip="">
+                            <dgm:adjLst/>
+                          </dgm:shape>
+                          <dgm:presOf/>
+                          <dgm:constrLst>
+                            <dgm:constr type="bendDist" for="des" ptType="parTrans" refType="sp" fact="0.5"/>
+                          </dgm:constrLst>
+                          <dgm:ruleLst/>
+                          <dgm:layoutNode name="composite3">
+                            <dgm:alg type="composite"/>
+                            <dgm:shape xmlns:r="http://schemas.openxmlformats.org/officeDocument/2006/relationships" r:blip="">
+                              <dgm:adjLst/>
+                            </dgm:shape>
+                            <dgm:presOf/>
+                            <dgm:constrLst>
+                              <dgm:constr type="h" for="ch" forName="image3" refType="h" fact="0.8"/>
+                              <dgm:constr type="w" for="ch" forName="image3" refType="h" refFor="ch" refForName="image3"/>
+                              <dgm:constr type="t" for="ch" forName="image3" refType="h" fact="0.1"/>
+                              <dgm:constr type="l" for="ch" forName="image3"/>
+                              <dgm:constr type="w" for="ch" forName="text3" refType="w" fact="0.6"/>
+                              <dgm:constr type="h" for="ch" forName="text3" refType="h" fact="0.8"/>
+                              <dgm:constr type="t" for="ch" forName="text3" refType="w" fact="0.04"/>
+                              <dgm:constr type="l" for="ch" forName="text3" refType="w" fact="0.4"/>
+                            </dgm:constrLst>
+                            <dgm:ruleLst/>
+                            <dgm:layoutNode name="image3">
+                              <dgm:alg type="sp"/>
+                              <dgm:shape xmlns:r="http://schemas.openxmlformats.org/officeDocument/2006/relationships" type="ellipse" r:blip="" blipPhldr="1">
+                                <dgm:adjLst/>
+                              </dgm:shape>
+                              <dgm:presOf/>
+                              <dgm:constrLst/>
+                              <dgm:ruleLst/>
+                            </dgm:layoutNode>
+                            <dgm:layoutNode name="text3" styleLbl="revTx">
+                              <dgm:varLst>
+                                <dgm:chPref val="3"/>
+                              </dgm:varLst>
+                              <dgm:alg type="tx">
+                                <dgm:param type="parTxLTRAlign" val="l"/>
+                                <dgm:param type="parTxRTLAlign" val="r"/>
+                              </dgm:alg>
+                              <dgm:shape xmlns:r="http://schemas.openxmlformats.org/officeDocument/2006/relationships" type="rect" r:blip="">
+                                <dgm:adjLst/>
+                              </dgm:shape>
+                              <dgm:presOf axis="self"/>
+                              <dgm:constrLst>
+                                <dgm:constr type="tMarg" refType="primFontSz" fact="0.3"/>
+                                <dgm:constr type="bMarg" refType="primFontSz" fact="0.3"/>
+                                <dgm:constr type="lMarg" refType="primFontSz" fact="0.3"/>
+                                <dgm:constr type="rMarg" refType="primFontSz" fact="0.3"/>
+                              </dgm:constrLst>
+                              <dgm:ruleLst>
+                                <dgm:rule type="primFontSz" val="5" fact="NaN" max="NaN"/>
+                              </dgm:ruleLst>
+                            </dgm:layoutNode>
+                          </dgm:layoutNode>
+                          <dgm:layoutNode name="hierChild4">
+                            <dgm:choose name="Name19">
+                              <dgm:if name="Name20" func="var" arg="dir" op="equ" val="norm">
+                                <dgm:alg type="hierChild">
+                                  <dgm:param type="linDir" val="fromL"/>
+                                </dgm:alg>
+                              </dgm:if>
+                              <dgm:else name="Name21">
+                                <dgm:alg type="hierChild">
+                                  <dgm:param type="linDir" val="fromR"/>
+                                </dgm:alg>
+                              </dgm:else>
+                            </dgm:choose>
+                            <dgm:shape xmlns:r="http://schemas.openxmlformats.org/officeDocument/2006/relationships" r:blip="">
+                              <dgm:adjLst/>
+                            </dgm:shape>
+                            <dgm:presOf/>
+                            <dgm:constrLst/>
+                            <dgm:ruleLst/>
+                            <dgm:forEach name="repeat" axis="ch">
+                              <dgm:forEach name="Name22" axis="self" ptType="parTrans" cnt="1">
+                                <dgm:layoutNode name="Name23">
+                                  <dgm:choose name="Name24">
+                                    <dgm:if name="Name25" axis="self" func="depth" op="lte" val="4">
+                                      <dgm:alg type="conn">
+                                        <dgm:param type="dim" val="1D"/>
+                                        <dgm:param type="endSty" val="noArr"/>
+                                        <dgm:param type="connRout" val="bend"/>
+                                        <dgm:param type="bendPt" val="end"/>
+                                        <dgm:param type="begPts" val="bCtr"/>
+                                        <dgm:param type="endPts" val="tCtr"/>
+                                        <dgm:param type="srcNode" val="image3"/>
+                                        <dgm:param type="dstNode" val="image4"/>
+                                      </dgm:alg>
+                                    </dgm:if>
+                                    <dgm:else name="Name26">
+                                      <dgm:alg type="conn">
+                                        <dgm:param type="dim" val="1D"/>
+                                        <dgm:param type="endSty" val="noArr"/>
+                                        <dgm:param type="connRout" val="bend"/>
+                                        <dgm:param type="bendPt" val="end"/>
+                                        <dgm:param type="begPts" val="bCtr"/>
+                                        <dgm:param type="endPts" val="tCtr"/>
+                                        <dgm:param type="srcNode" val="image4"/>
+                                        <dgm:param type="dstNode" val="image4"/>
+                                      </dgm:alg>
+                                    </dgm:else>
+                                  </dgm:choose>
+                                  <dgm:shape xmlns:r="http://schemas.openxmlformats.org/officeDocument/2006/relationships" type="conn" r:blip="" zOrderOff="-999">
+                                    <dgm:adjLst/>
+                                  </dgm:shape>
+                                  <dgm:presOf axis="self"/>
+                                  <dgm:constrLst>
+                                    <dgm:constr type="begPad"/>
+                                    <dgm:constr type="endPad"/>
+                                  </dgm:constrLst>
+                                  <dgm:ruleLst/>
+                                </dgm:layoutNode>
+                              </dgm:forEach>
+                              <dgm:forEach name="Name27" axis="self" ptType="node">
+                                <dgm:layoutNode name="hierRoot4">
+                                  <dgm:alg type="hierRoot"/>
+                                  <dgm:shape xmlns:r="http://schemas.openxmlformats.org/officeDocument/2006/relationships" r:blip="">
+                                    <dgm:adjLst/>
+                                  </dgm:shape>
+                                  <dgm:presOf/>
+                                  <dgm:constrLst>
+                                    <dgm:constr type="bendDist" for="des" ptType="parTrans" refType="sp" fact="0.5"/>
+                                  </dgm:constrLst>
+                                  <dgm:ruleLst/>
+                                  <dgm:layoutNode name="composite4">
+                                    <dgm:alg type="composite"/>
+                                    <dgm:shape xmlns:r="http://schemas.openxmlformats.org/officeDocument/2006/relationships" r:blip="">
+                                      <dgm:adjLst/>
+                                    </dgm:shape>
+                                    <dgm:presOf/>
+                                    <dgm:constrLst>
+                                      <dgm:constr type="h" for="ch" forName="image4" refType="h" fact="0.8"/>
+                                      <dgm:constr type="w" for="ch" forName="image4" refType="h" refFor="ch" refForName="image4"/>
+                                      <dgm:constr type="t" for="ch" forName="image4" refType="h" fact="0.1"/>
+                                      <dgm:constr type="l" for="ch" forName="image4"/>
+                                      <dgm:constr type="w" for="ch" forName="text4" refType="w" fact="0.6"/>
+                                      <dgm:constr type="h" for="ch" forName="text4" refType="h" fact="0.8"/>
+                                      <dgm:constr type="t" for="ch" forName="text4" refType="w" fact="0.04"/>
+                                      <dgm:constr type="l" for="ch" forName="text4" refType="w" fact="0.4"/>
+                                    </dgm:constrLst>
+                                    <dgm:ruleLst/>
+                                    <dgm:layoutNode name="image4">
+                                      <dgm:alg type="sp"/>
+                                      <dgm:shape xmlns:r="http://schemas.openxmlformats.org/officeDocument/2006/relationships" type="ellipse" r:blip="" blipPhldr="1">
+                                        <dgm:adjLst/>
+                                      </dgm:shape>
+                                      <dgm:presOf/>
+                                      <dgm:constrLst/>
+                                      <dgm:ruleLst/>
+                                    </dgm:layoutNode>
+                                    <dgm:layoutNode name="text4" styleLbl="revTx">
+                                      <dgm:varLst>
+                                        <dgm:chPref val="3"/>
+                                      </dgm:varLst>
+                                      <dgm:alg type="tx">
+                                        <dgm:param type="parTxLTRAlign" val="l"/>
+                                        <dgm:param type="parTxRTLAlign" val="r"/>
+                                      </dgm:alg>
+                                      <dgm:shape xmlns:r="http://schemas.openxmlformats.org/officeDocument/2006/relationships" type="rect" r:blip="">
+                                        <dgm:adjLst/>
+                                      </dgm:shape>
+                                      <dgm:presOf axis="self"/>
+                                      <dgm:constrLst>
+                                        <dgm:constr type="tMarg" refType="primFontSz" fact="0.3"/>
+                                        <dgm:constr type="bMarg" refType="primFontSz" fact="0.3"/>
+                                        <dgm:constr type="lMarg" refType="primFontSz" fact="0.3"/>
+                                        <dgm:constr type="rMarg" refType="primFontSz" fact="0.3"/>
+                                      </dgm:constrLst>
+                                      <dgm:ruleLst>
+                                        <dgm:rule type="primFontSz" val="5" fact="NaN" max="NaN"/>
+                                      </dgm:ruleLst>
+                                    </dgm:layoutNode>
+                                  </dgm:layoutNode>
+                                  <dgm:layoutNode name="hierChild5">
+                                    <dgm:choose name="Name28">
+                                      <dgm:if name="Name29" func="var" arg="dir" op="equ" val="norm">
+                                        <dgm:alg type="hierChild">
+                                          <dgm:param type="linDir" val="fromL"/>
+                                        </dgm:alg>
+                                      </dgm:if>
+                                      <dgm:else name="Name30">
+                                        <dgm:alg type="hierChild">
+                                          <dgm:param type="linDir" val="fromR"/>
+                                        </dgm:alg>
+                                      </dgm:else>
+                                    </dgm:choose>
+                                    <dgm:shape xmlns:r="http://schemas.openxmlformats.org/officeDocument/2006/relationships" r:blip="">
+                                      <dgm:adjLst/>
+                                    </dgm:shape>
+                                    <dgm:presOf/>
+                                    <dgm:constrLst/>
+                                    <dgm:ruleLst/>
+                                    <dgm:forEach name="Name31" ref="repeat"/>
+                                  </dgm:layoutNode>
+                                </dgm:layoutNode>
+                              </dgm:forEach>
+                            </dgm:forEach>
+                          </dgm:layoutNode>
+                        </dgm:layoutNode>
+                      </dgm:forEach>
+                    </dgm:forEach>
+                  </dgm:layoutNode>
+                </dgm:layoutNode>
+              </dgm:forEach>
+            </dgm:forEach>
+          </dgm:layoutNode>
+        </dgm:layoutNode>
+      </dgm:forEach>
+    </dgm:forEach>
+  </dgm:layoutNode>
+</dgm:layoutDef>
+</file>
+
+<file path=ppt/diagrams/quickStyle1.xml><?xml version="1.0" encoding="utf-8"?>
+<dgm:styleDef xmlns:dgm="http://schemas.openxmlformats.org/drawingml/2006/diagram" xmlns:a="http://schemas.openxmlformats.org/drawingml/2006/main" uniqueId="urn:microsoft.com/office/officeart/2005/8/quickstyle/simple4">
+  <dgm:title val=""/>
+  <dgm:desc val=""/>
+  <dgm:catLst>
+    <dgm:cat type="simple" pri="10400"/>
+  </dgm:catLst>
+  <dgm:scene3d>
+    <a:camera prst="orthographicFront"/>
+    <a:lightRig rig="threePt" dir="t"/>
+  </dgm:scene3d>
+  <dgm:styleLbl name="node0">
+    <dgm:scene3d>
+      <a:camera prst="orthographicFront"/>
+      <a:lightRig rig="threePt" dir="t"/>
+    </dgm:scene3d>
+    <dgm:sp3d/>
+    <dgm:txPr/>
+    <dgm:style>
+      <a:lnRef idx="0">
+        <a:scrgbClr r="0" g="0" b="0"/>
+      </a:lnRef>
+      <a:fillRef idx="3">
+        <a:scrgbClr r="0" g="0" b="0"/>
+      </a:fillRef>
+      <a:effectRef idx="2">
+        <a:scrgbClr r="0" g="0" b="0"/>
+      </a:effectRef>
+      <a:fontRef idx="minor">
+        <a:schemeClr val="lt1"/>
+      </a:fontRef>
+    </dgm:style>
+  </dgm:styleLbl>
+  <dgm:styleLbl name="lnNode1">
+    <dgm:scene3d>
+      <a:camera prst="orthographicFront"/>
+      <a:lightRig rig="threePt" dir="t"/>
+    </dgm:scene3d>
+    <dgm:sp3d/>
+    <dgm:txPr/>
+    <dgm:style>
+      <a:lnRef idx="1">
+        <a:scrgbClr r="0" g="0" b="0"/>
+      </a:lnRef>
+      <a:fillRef idx="3">
+        <a:scrgbClr r="0" g="0" b="0"/>
+      </a:fillRef>
+      <a:effectRef idx="2">
+        <a:scrgbClr r="0" g="0" b="0"/>
+      </a:effectRef>
+      <a:fontRef idx="minor">
+        <a:schemeClr val="lt1"/>
+      </a:fontRef>
+    </dgm:style>
+  </dgm:styleLbl>
+  <dgm:styleLbl name="vennNode1">
+    <dgm:scene3d>
+      <a:camera prst="orthographicFront"/>
+      <a:lightRig rig="threePt" dir="t"/>
+    </dgm:scene3d>
+    <dgm:sp3d/>
+    <dgm:txPr/>
+    <dgm:style>
+      <a:lnRef idx="0">
+        <a:scrgbClr r="0" g="0" b="0"/>
+      </a:lnRef>
+      <a:fillRef idx="3">
+        <a:scrgbClr r="0" g="0" b="0"/>
+      </a:fillRef>
+      <a:effectRef idx="0">
+        <a:scrgbClr r="0" g="0" b="0"/>
+      </a:effectRef>
+      <a:fontRef idx="minor">
+        <a:schemeClr val="tx1"/>
+      </a:fontRef>
+    </dgm:style>
+  </dgm:styleLbl>
+  <dgm:styleLbl name="alignNode1">
+    <dgm:scene3d>
+      <a:camera prst="orthographicFront"/>
+      <a:lightRig rig="threePt" dir="t"/>
+    </dgm:scene3d>
+    <dgm:sp3d/>
+    <dgm:txPr/>
+    <dgm:style>
+      <a:lnRef idx="1">
+        <a:scrgbClr r="0" g="0" b="0"/>
+      </a:lnRef>
+      <a:fillRef idx="3">
+        <a:scrgbClr r="0" g="0" b="0"/>
+      </a:fillRef>
+      <a:effectRef idx="2">
+        <a:scrgbClr r="0" g="0" b="0"/>
+      </a:effectRef>
+      <a:fontRef idx="minor">
+        <a:schemeClr val="lt1"/>
+      </a:fontRef>
+    </dgm:style>
+  </dgm:styleLbl>
+  <dgm:styleLbl name="node1">
+    <dgm:scene3d>
+      <a:camera prst="orthographicFront"/>
+      <a:lightRig rig="threePt" dir="t"/>
+    </dgm:scene3d>
+    <dgm:sp3d/>
+    <dgm:txPr/>
+    <dgm:style>
+      <a:lnRef idx="0">
+        <a:scrgbClr r="0" g="0" b="0"/>
+      </a:lnRef>
+      <a:fillRef idx="3">
+        <a:scrgbClr r="0" g="0" b="0"/>
+      </a:fillRef>
+      <a:effectRef idx="2">
+        <a:scrgbClr r="0" g="0" b="0"/>
+      </a:effectRef>
+      <a:fontRef idx="minor">
+        <a:schemeClr val="lt1"/>
+      </a:fontRef>
+    </dgm:style>
+  </dgm:styleLbl>
+  <dgm:styleLbl name="node2">
+    <dgm:scene3d>
+      <a:camera prst="orthographicFront"/>
+      <a:lightRig rig="threePt" dir="t"/>
+    </dgm:scene3d>
+    <dgm:sp3d/>
+    <dgm:txPr/>
+    <dgm:style>
+      <a:lnRef idx="0">
+        <a:scrgbClr r="0" g="0" b="0"/>
+      </a:lnRef>
+      <a:fillRef idx="3">
+        <a:scrgbClr r="0" g="0" b="0"/>
+      </a:fillRef>
+      <a:effectRef idx="2">
+        <a:scrgbClr r="0" g="0" b="0"/>
+      </a:effectRef>
+      <a:fontRef idx="minor">
+        <a:schemeClr val="lt1"/>
+      </a:fontRef>
+    </dgm:style>
+  </dgm:styleLbl>
+  <dgm:styleLbl name="node3">
+    <dgm:scene3d>
+      <a:camera prst="orthographicFront"/>
+      <a:lightRig rig="threePt" dir="t"/>
+    </dgm:scene3d>
+    <dgm:sp3d/>
+    <dgm:txPr/>
+    <dgm:style>
+      <a:lnRef idx="0">
+        <a:scrgbClr r="0" g="0" b="0"/>
+      </a:lnRef>
+      <a:fillRef idx="3">
+        <a:scrgbClr r="0" g="0" b="0"/>
+      </a:fillRef>
+      <a:effectRef idx="2">
+        <a:scrgbClr r="0" g="0" b="0"/>
+      </a:effectRef>
+      <a:fontRef idx="minor">
+        <a:schemeClr val="lt1"/>
+      </a:fontRef>
+    </dgm:style>
+  </dgm:styleLbl>
+  <dgm:styleLbl name="node4">
+    <dgm:scene3d>
+      <a:camera prst="orthographicFront"/>
+      <a:lightRig rig="threePt" dir="t"/>
+    </dgm:scene3d>
+    <dgm:sp3d/>
+    <dgm:txPr/>
+    <dgm:style>
+      <a:lnRef idx="0">
+        <a:scrgbClr r="0" g="0" b="0"/>
+      </a:lnRef>
+      <a:fillRef idx="3">
+        <a:scrgbClr r="0" g="0" b="0"/>
+      </a:fillRef>
+      <a:effectRef idx="2">
+        <a:scrgbClr r="0" g="0" b="0"/>
+      </a:effectRef>
+      <a:fontRef idx="minor">
+        <a:schemeClr val="lt1"/>
+      </a:fontRef>
+    </dgm:style>
+  </dgm:styleLbl>
+  <dgm:styleLbl name="fgImgPlace1">
+    <dgm:scene3d>
+      <a:camera prst="orthographicFront"/>
+      <a:lightRig rig="threePt" dir="t"/>
+    </dgm:scene3d>
+    <dgm:sp3d/>
+    <dgm:txPr/>
+    <dgm:style>
+      <a:lnRef idx="0">
+        <a:scrgbClr r="0" g="0" b="0"/>
+      </a:lnRef>
+      <a:fillRef idx="1">
+        <a:scrgbClr r="0" g="0" b="0"/>
+      </a:fillRef>
+      <a:effectRef idx="2">
+        <a:scrgbClr r="0" g="0" b="0"/>
+      </a:effectRef>
+      <a:fontRef idx="minor"/>
+    </dgm:style>
+  </dgm:styleLbl>
+  <dgm:styleLbl name="alignImgPlace1">
+    <dgm:scene3d>
+      <a:camera prst="orthographicFront"/>
+      <a:lightRig rig="threePt" dir="t"/>
+    </dgm:scene3d>
+    <dgm:sp3d/>
+    <dgm:txPr/>
+    <dgm:style>
+      <a:lnRef idx="0">
+        <a:scrgbClr r="0" g="0" b="0"/>
+      </a:lnRef>
+      <a:fillRef idx="1">
+        <a:scrgbClr r="0" g="0" b="0"/>
+      </a:fillRef>
+      <a:effectRef idx="2">
+        <a:scrgbClr r="0" g="0" b="0"/>
+      </a:effectRef>
+      <a:fontRef idx="minor"/>
+    </dgm:style>
+  </dgm:styleLbl>
+  <dgm:styleLbl name="bgImgPlace1">
+    <dgm:scene3d>
+      <a:camera prst="orthographicFront"/>
+      <a:lightRig rig="threePt" dir="t"/>
+    </dgm:scene3d>
+    <dgm:sp3d/>
+    <dgm:txPr/>
+    <dgm:style>
+      <a:lnRef idx="0">
+        <a:scrgbClr r="0" g="0" b="0"/>
+      </a:lnRef>
+      <a:fillRef idx="1">
+        <a:scrgbClr r="0" g="0" b="0"/>
+      </a:fillRef>
+      <a:effectRef idx="2">
+        <a:scrgbClr r="0" g="0" b="0"/>
+      </a:effectRef>
+      <a:fontRef idx="minor"/>
+    </dgm:style>
+  </dgm:styleLbl>
+  <dgm:styleLbl name="sibTrans2D1">
+    <dgm:scene3d>
+      <a:camera prst="orthographicFront"/>
+      <a:lightRig rig="threePt" dir="t"/>
+    </dgm:scene3d>
+    <dgm:sp3d/>
+    <dgm:txPr/>
+    <dgm:style>
+      <a:lnRef idx="0">
+        <a:scrgbClr r="0" g="0" b="0"/>
+      </a:lnRef>
+      <a:fillRef idx="3">
+        <a:scrgbClr r="0" g="0" b="0"/>
+      </a:fillRef>
+      <a:effectRef idx="2">
+        <a:scrgbClr r="0" g="0" b="0"/>
+      </a:effectRef>
+      <a:fontRef idx="minor">
+        <a:schemeClr val="lt1"/>
+      </a:fontRef>
+    </dgm:style>
+  </dgm:styleLbl>
+  <dgm:styleLbl name="fgSibTrans2D1">
+    <dgm:scene3d>
+      <a:camera prst="orthographicFront"/>
+      <a:lightRig rig="threePt" dir="t"/>
+    </dgm:scene3d>
+    <dgm:sp3d/>
+    <dgm:txPr/>
+    <dgm:style>
+      <a:lnRef idx="0">
+        <a:scrgbClr r="0" g="0" b="0"/>
+      </a:lnRef>
+      <a:fillRef idx="3">
+        <a:scrgbClr r="0" g="0" b="0"/>
+      </a:fillRef>
+      <a:effectRef idx="2">
+        <a:scrgbClr r="0" g="0" b="0"/>
+      </a:effectRef>
+      <a:fontRef idx="minor">
+        <a:schemeClr val="lt1"/>
+      </a:fontRef>
+    </dgm:style>
+  </dgm:styleLbl>
+  <dgm:styleLbl name="bgSibTrans2D1">
+    <dgm:scene3d>
+      <a:camera prst="orthographicFront"/>
+      <a:lightRig rig="threePt" dir="t"/>
+    </dgm:scene3d>
+    <dgm:sp3d/>
+    <dgm:txPr/>
+    <dgm:style>
+      <a:lnRef idx="0">
+        <a:scrgbClr r="0" g="0" b="0"/>
+      </a:lnRef>
+      <a:fillRef idx="3">
+        <a:scrgbClr r="0" g="0" b="0"/>
+      </a:fillRef>
+      <a:effectRef idx="2">
+        <a:scrgbClr r="0" g="0" b="0"/>
+      </a:effectRef>
+      <a:fontRef idx="minor">
+        <a:schemeClr val="lt1"/>
+      </a:fontRef>
+    </dgm:style>
+  </dgm:styleLbl>
+  <dgm:styleLbl name="sibTrans1D1">
+    <dgm:scene3d>
+      <a:camera prst="orthographicFront"/>
+      <a:lightRig rig="threePt" dir="t"/>
+    </dgm:scene3d>
+    <dgm:sp3d/>
+    <dgm:txPr/>
+    <dgm:style>
+      <a:lnRef idx="1">
+        <a:scrgbClr r="0" g="0" b="0"/>
+      </a:lnRef>
+      <a:fillRef idx="0">
+        <a:scrgbClr r="0" g="0" b="0"/>
+      </a:fillRef>
+      <a:effectRef idx="0">
+        <a:scrgbClr r="0" g="0" b="0"/>
+      </a:effectRef>
+      <a:fontRef idx="minor"/>
+    </dgm:style>
+  </dgm:styleLbl>
+  <dgm:styleLbl name="callout">
+    <dgm:scene3d>
+      <a:camera prst="orthographicFront"/>
+      <a:lightRig rig="threePt" dir="t"/>
+    </dgm:scene3d>
+    <dgm:sp3d/>
+    <dgm:txPr/>
+    <dgm:style>
+      <a:lnRef idx="2">
+        <a:scrgbClr r="0" g="0" b="0"/>
+      </a:lnRef>
+      <a:fillRef idx="1">
+        <a:scrgbClr r="0" g="0" b="0"/>
+      </a:fillRef>
+      <a:effectRef idx="1">
+        <a:scrgbClr r="0" g="0" b="0"/>
+      </a:effectRef>
+      <a:fontRef idx="minor"/>
+    </dgm:style>
+  </dgm:styleLbl>
+  <dgm:styleLbl name="asst0">
+    <dgm:scene3d>
+      <a:camera prst="orthographicFront"/>
+      <a:lightRig rig="threePt" dir="t"/>
+    </dgm:scene3d>
+    <dgm:sp3d/>
+    <dgm:txPr/>
+    <dgm:style>
+      <a:lnRef idx="0">
+        <a:scrgbClr r="0" g="0" b="0"/>
+      </a:lnRef>
+      <a:fillRef idx="3">
+        <a:scrgbClr r="0" g="0" b="0"/>
+      </a:fillRef>
+      <a:effectRef idx="2">
+        <a:scrgbClr r="0" g="0" b="0"/>
+      </a:effectRef>
+      <a:fontRef idx="minor">
+        <a:schemeClr val="lt1"/>
+      </a:fontRef>
+    </dgm:style>
+  </dgm:styleLbl>
+  <dgm:styleLbl name="asst1">
+    <dgm:scene3d>
+      <a:camera prst="orthographicFront"/>
+      <a:lightRig rig="threePt" dir="t"/>
+    </dgm:scene3d>
+    <dgm:sp3d/>
+    <dgm:txPr/>
+    <dgm:style>
+      <a:lnRef idx="0">
+        <a:scrgbClr r="0" g="0" b="0"/>
+      </a:lnRef>
+      <a:fillRef idx="3">
+        <a:scrgbClr r="0" g="0" b="0"/>
+      </a:fillRef>
+      <a:effectRef idx="2">
+        <a:scrgbClr r="0" g="0" b="0"/>
+      </a:effectRef>
+      <a:fontRef idx="minor">
+        <a:schemeClr val="lt1"/>
+      </a:fontRef>
+    </dgm:style>
+  </dgm:styleLbl>
+  <dgm:styleLbl name="asst2">
+    <dgm:scene3d>
+      <a:camera prst="orthographicFront"/>
+      <a:lightRig rig="threePt" dir="t"/>
+    </dgm:scene3d>
+    <dgm:sp3d/>
+    <dgm:txPr/>
+    <dgm:style>
+      <a:lnRef idx="0">
+        <a:scrgbClr r="0" g="0" b="0"/>
+      </a:lnRef>
+      <a:fillRef idx="3">
+        <a:scrgbClr r="0" g="0" b="0"/>
+      </a:fillRef>
+      <a:effectRef idx="2">
+        <a:scrgbClr r="0" g="0" b="0"/>
+      </a:effectRef>
+      <a:fontRef idx="minor">
+        <a:schemeClr val="lt1"/>
+      </a:fontRef>
+    </dgm:style>
+  </dgm:styleLbl>
+  <dgm:styleLbl name="asst3">
+    <dgm:scene3d>
+      <a:camera prst="orthographicFront"/>
+      <a:lightRig rig="threePt" dir="t"/>
+    </dgm:scene3d>
+    <dgm:sp3d/>
+    <dgm:txPr/>
+    <dgm:style>
+      <a:lnRef idx="0">
+        <a:scrgbClr r="0" g="0" b="0"/>
+      </a:lnRef>
+      <a:fillRef idx="3">
+        <a:scrgbClr r="0" g="0" b="0"/>
+      </a:fillRef>
+      <a:effectRef idx="2">
+        <a:scrgbClr r="0" g="0" b="0"/>
+      </a:effectRef>
+      <a:fontRef idx="minor">
+        <a:schemeClr val="lt1"/>
+      </a:fontRef>
+    </dgm:style>
+  </dgm:styleLbl>
+  <dgm:styleLbl name="asst4">
+    <dgm:scene3d>
+      <a:camera prst="orthographicFront"/>
+      <a:lightRig rig="threePt" dir="t"/>
+    </dgm:scene3d>
+    <dgm:sp3d/>
+    <dgm:txPr/>
+    <dgm:style>
+      <a:lnRef idx="0">
+        <a:scrgbClr r="0" g="0" b="0"/>
+      </a:lnRef>
+      <a:fillRef idx="3">
+        <a:scrgbClr r="0" g="0" b="0"/>
+      </a:fillRef>
+      <a:effectRef idx="2">
+        <a:scrgbClr r="0" g="0" b="0"/>
+      </a:effectRef>
+      <a:fontRef idx="minor">
+        <a:schemeClr val="lt1"/>
+      </a:fontRef>
+    </dgm:style>
+  </dgm:styleLbl>
+  <dgm:styleLbl name="parChTrans2D1">
+    <dgm:scene3d>
+      <a:camera prst="orthographicFront"/>
+      <a:lightRig rig="threePt" dir="t"/>
+    </dgm:scene3d>
+    <dgm:sp3d/>
+    <dgm:txPr/>
+    <dgm:style>
+      <a:lnRef idx="0">
+        <a:scrgbClr r="0" g="0" b="0"/>
+      </a:lnRef>
+      <a:fillRef idx="3">
+        <a:scrgbClr r="0" g="0" b="0"/>
+      </a:fillRef>
+      <a:effectRef idx="2">
+        <a:scrgbClr r="0" g="0" b="0"/>
+      </a:effectRef>
+      <a:fontRef idx="minor">
+        <a:schemeClr val="lt1"/>
+      </a:fontRef>
+    </dgm:style>
+  </dgm:styleLbl>
+  <dgm:styleLbl name="parChTrans2D2">
+    <dgm:scene3d>
+      <a:camera prst="orthographicFront"/>
+      <a:lightRig rig="threePt" dir="t"/>
+    </dgm:scene3d>
+    <dgm:sp3d/>
+    <dgm:txPr/>
+    <dgm:style>
+      <a:lnRef idx="0">
+        <a:scrgbClr r="0" g="0" b="0"/>
+      </a:lnRef>
+      <a:fillRef idx="3">
+        <a:scrgbClr r="0" g="0" b="0"/>
+      </a:fillRef>
+      <a:effectRef idx="2">
+        <a:scrgbClr r="0" g="0" b="0"/>
+      </a:effectRef>
+      <a:fontRef idx="minor">
+        <a:schemeClr val="lt1"/>
+      </a:fontRef>
+    </dgm:style>
+  </dgm:styleLbl>
+  <dgm:styleLbl name="parChTrans2D3">
+    <dgm:scene3d>
+      <a:camera prst="orthographicFront"/>
+      <a:lightRig rig="threePt" dir="t"/>
+    </dgm:scene3d>
+    <dgm:sp3d/>
+    <dgm:txPr/>
+    <dgm:style>
+      <a:lnRef idx="1">
+        <a:scrgbClr r="0" g="0" b="0"/>
+      </a:lnRef>
+      <a:fillRef idx="3">
+        <a:scrgbClr r="0" g="0" b="0"/>
+      </a:fillRef>
+      <a:effectRef idx="2">
+        <a:scrgbClr r="0" g="0" b="0"/>
+      </a:effectRef>
+      <a:fontRef idx="minor">
+        <a:schemeClr val="lt1"/>
+      </a:fontRef>
+    </dgm:style>
+  </dgm:styleLbl>
+  <dgm:styleLbl name="parChTrans2D4">
+    <dgm:scene3d>
+      <a:camera prst="orthographicFront"/>
+      <a:lightRig rig="threePt" dir="t"/>
+    </dgm:scene3d>
+    <dgm:sp3d/>
+    <dgm:txPr/>
+    <dgm:style>
+      <a:lnRef idx="1">
+        <a:scrgbClr r="0" g="0" b="0"/>
+      </a:lnRef>
+      <a:fillRef idx="3">
+        <a:scrgbClr r="0" g="0" b="0"/>
+      </a:fillRef>
+      <a:effectRef idx="2">
+        <a:scrgbClr r="0" g="0" b="0"/>
+      </a:effectRef>
+      <a:fontRef idx="minor">
+        <a:schemeClr val="lt1"/>
+      </a:fontRef>
+    </dgm:style>
+  </dgm:styleLbl>
+  <dgm:styleLbl name="parChTrans1D1">
+    <dgm:scene3d>
+      <a:camera prst="orthographicFront"/>
+      <a:lightRig rig="threePt" dir="t"/>
+    </dgm:scene3d>
+    <dgm:sp3d/>
+    <dgm:txPr/>
+    <dgm:style>
+      <a:lnRef idx="1">
+        <a:scrgbClr r="0" g="0" b="0"/>
+      </a:lnRef>
+      <a:fillRef idx="0">
+        <a:scrgbClr r="0" g="0" b="0"/>
+      </a:fillRef>
+      <a:effectRef idx="0">
+        <a:scrgbClr r="0" g="0" b="0"/>
+      </a:effectRef>
+      <a:fontRef idx="minor"/>
+    </dgm:style>
+  </dgm:styleLbl>
+  <dgm:styleLbl name="parChTrans1D2">
+    <dgm:scene3d>
+      <a:camera prst="orthographicFront"/>
+      <a:lightRig rig="threePt" dir="t"/>
+    </dgm:scene3d>
+    <dgm:sp3d/>
+    <dgm:txPr/>
+    <dgm:style>
+      <a:lnRef idx="1">
+        <a:scrgbClr r="0" g="0" b="0"/>
+      </a:lnRef>
+      <a:fillRef idx="0">
+        <a:scrgbClr r="0" g="0" b="0"/>
+      </a:fillRef>
+      <a:effectRef idx="0">
+        <a:scrgbClr r="0" g="0" b="0"/>
+      </a:effectRef>
+      <a:fontRef idx="minor"/>
+    </dgm:style>
+  </dgm:styleLbl>
+  <dgm:styleLbl name="parChTrans1D3">
+    <dgm:scene3d>
+      <a:camera prst="orthographicFront"/>
+      <a:lightRig rig="threePt" dir="t"/>
+    </dgm:scene3d>
+    <dgm:sp3d/>
+    <dgm:txPr/>
+    <dgm:style>
+      <a:lnRef idx="1">
+        <a:scrgbClr r="0" g="0" b="0"/>
+      </a:lnRef>
+      <a:fillRef idx="0">
+        <a:scrgbClr r="0" g="0" b="0"/>
+      </a:fillRef>
+      <a:effectRef idx="0">
+        <a:scrgbClr r="0" g="0" b="0"/>
+      </a:effectRef>
+      <a:fontRef idx="minor"/>
+    </dgm:style>
+  </dgm:styleLbl>
+  <dgm:styleLbl name="parChTrans1D4">
+    <dgm:scene3d>
+      <a:camera prst="orthographicFront"/>
+      <a:lightRig rig="threePt" dir="t"/>
+    </dgm:scene3d>
+    <dgm:sp3d/>
+    <dgm:txPr/>
+    <dgm:style>
+      <a:lnRef idx="1">
+        <a:scrgbClr r="0" g="0" b="0"/>
+      </a:lnRef>
+      <a:fillRef idx="0">
+        <a:scrgbClr r="0" g="0" b="0"/>
+      </a:fillRef>
+      <a:effectRef idx="0">
+        <a:scrgbClr r="0" g="0" b="0"/>
+      </a:effectRef>
+      <a:fontRef idx="minor"/>
+    </dgm:style>
+  </dgm:styleLbl>
+  <dgm:styleLbl name="fgAcc1">
+    <dgm:scene3d>
+      <a:camera prst="orthographicFront"/>
+      <a:lightRig rig="threePt" dir="t"/>
+    </dgm:scene3d>
+    <dgm:sp3d/>
+    <dgm:txPr/>
+    <dgm:style>
+      <a:lnRef idx="1">
+        <a:scrgbClr r="0" g="0" b="0"/>
+      </a:lnRef>
+      <a:fillRef idx="1">
+        <a:scrgbClr r="0" g="0" b="0"/>
+      </a:fillRef>
+      <a:effectRef idx="0">
+        <a:scrgbClr r="0" g="0" b="0"/>
+      </a:effectRef>
+      <a:fontRef idx="minor"/>
+    </dgm:style>
+  </dgm:styleLbl>
+  <dgm:styleLbl name="conFgAcc1">
+    <dgm:scene3d>
+      <a:camera prst="orthographicFront"/>
+      <a:lightRig rig="threePt" dir="t"/>
+    </dgm:scene3d>
+    <dgm:sp3d/>
+    <dgm:txPr/>
+    <dgm:style>
+      <a:lnRef idx="1">
+        <a:scrgbClr r="0" g="0" b="0"/>
+      </a:lnRef>
+      <a:fillRef idx="1">
+        <a:scrgbClr r="0" g="0" b="0"/>
+      </a:fillRef>
+      <a:effectRef idx="0">
+        <a:scrgbClr r="0" g="0" b="0"/>
+      </a:effectRef>
+      <a:fontRef idx="minor"/>
+    </dgm:style>
+  </dgm:styleLbl>
+  <dgm:styleLbl name="alignAcc1">
+    <dgm:scene3d>
+      <a:camera prst="orthographicFront"/>
+      <a:lightRig rig="threePt" dir="t"/>
+    </dgm:scene3d>
+    <dgm:sp3d/>
+    <dgm:txPr/>
+    <dgm:style>
+      <a:lnRef idx="1">
+        <a:scrgbClr r="0" g="0" b="0"/>
+      </a:lnRef>
+      <a:fillRef idx="1">
+        <a:scrgbClr r="0" g="0" b="0"/>
+      </a:fillRef>
+      <a:effectRef idx="0">
+        <a:scrgbClr r="0" g="0" b="0"/>
+      </a:effectRef>
+      <a:fontRef idx="minor"/>
+    </dgm:style>
+  </dgm:styleLbl>
+  <dgm:styleLbl name="trAlignAcc1">
+    <dgm:scene3d>
+      <a:camera prst="orthographicFront"/>
+      <a:lightRig rig="threePt" dir="t"/>
+    </dgm:scene3d>
+    <dgm:sp3d/>
+    <dgm:txPr/>
+    <dgm:style>
+      <a:lnRef idx="1">
+        <a:scrgbClr r="0" g="0" b="0"/>
+      </a:lnRef>
+      <a:fillRef idx="1">
+        <a:scrgbClr r="0" g="0" b="0"/>
+      </a:fillRef>
+      <a:effectRef idx="0">
+        <a:scrgbClr r="0" g="0" b="0"/>
+      </a:effectRef>
+      <a:fontRef idx="minor"/>
+    </dgm:style>
+  </dgm:styleLbl>
+  <dgm:styleLbl name="bgAcc1">
+    <dgm:scene3d>
+      <a:camera prst="orthographicFront"/>
+      <a:lightRig rig="threePt" dir="t"/>
+    </dgm:scene3d>
+    <dgm:sp3d/>
+    <dgm:txPr/>
+    <dgm:style>
+      <a:lnRef idx="1">
+        <a:scrgbClr r="0" g="0" b="0"/>
+      </a:lnRef>
+      <a:fillRef idx="1">
+        <a:scrgbClr r="0" g="0" b="0"/>
+      </a:fillRef>
+      <a:effectRef idx="0">
+        <a:scrgbClr r="0" g="0" b="0"/>
+      </a:effectRef>
+      <a:fontRef idx="minor"/>
+    </dgm:style>
+  </dgm:styleLbl>
+  <dgm:styleLbl name="solidFgAcc1">
+    <dgm:scene3d>
+      <a:camera prst="orthographicFront"/>
+      <a:lightRig rig="threePt" dir="t"/>
+    </dgm:scene3d>
+    <dgm:sp3d/>
+    <dgm:txPr/>
+    <dgm:style>
+      <a:lnRef idx="1">
+        <a:scrgbClr r="0" g="0" b="0"/>
+      </a:lnRef>
+      <a:fillRef idx="1">
+        <a:scrgbClr r="0" g="0" b="0"/>
+      </a:fillRef>
+      <a:effectRef idx="0">
+        <a:scrgbClr r="0" g="0" b="0"/>
+      </a:effectRef>
+      <a:fontRef idx="minor"/>
+    </dgm:style>
+  </dgm:styleLbl>
+  <dgm:styleLbl name="solidAlignAcc1">
+    <dgm:scene3d>
+      <a:camera prst="orthographicFront"/>
+      <a:lightRig rig="threePt" dir="t"/>
+    </dgm:scene3d>
+    <dgm:sp3d/>
+    <dgm:txPr/>
+    <dgm:style>
+      <a:lnRef idx="1">
+        <a:scrgbClr r="0" g="0" b="0"/>
+      </a:lnRef>
+      <a:fillRef idx="1">
+        <a:scrgbClr r="0" g="0" b="0"/>
+      </a:fillRef>
+      <a:effectRef idx="0">
+        <a:scrgbClr r="0" g="0" b="0"/>
+      </a:effectRef>
+      <a:fontRef idx="minor"/>
+    </dgm:style>
+  </dgm:styleLbl>
+  <dgm:styleLbl name="solidBgAcc1">
+    <dgm:scene3d>
+      <a:camera prst="orthographicFront"/>
+      <a:lightRig rig="threePt" dir="t"/>
+    </dgm:scene3d>
+    <dgm:sp3d/>
+    <dgm:txPr/>
+    <dgm:style>
+      <a:lnRef idx="1">
+        <a:scrgbClr r="0" g="0" b="0"/>
+      </a:lnRef>
+      <a:fillRef idx="1">
+        <a:scrgbClr r="0" g="0" b="0"/>
+      </a:fillRef>
+      <a:effectRef idx="0">
+        <a:scrgbClr r="0" g="0" b="0"/>
+      </a:effectRef>
+      <a:fontRef idx="minor"/>
+    </dgm:style>
+  </dgm:styleLbl>
+  <dgm:styleLbl name="fgAccFollowNode1">
+    <dgm:scene3d>
+      <a:camera prst="orthographicFront"/>
+      <a:lightRig rig="threePt" dir="t"/>
+    </dgm:scene3d>
+    <dgm:sp3d/>
+    <dgm:txPr/>
+    <dgm:style>
+      <a:lnRef idx="1">
+        <a:scrgbClr r="0" g="0" b="0"/>
+      </a:lnRef>
+      <a:fillRef idx="1">
+        <a:scrgbClr r="0" g="0" b="0"/>
+      </a:fillRef>
+      <a:effectRef idx="0">
+        <a:scrgbClr r="0" g="0" b="0"/>
+      </a:effectRef>
+      <a:fontRef idx="minor"/>
+    </dgm:style>
+  </dgm:styleLbl>
+  <dgm:styleLbl name="alignAccFollowNode1">
+    <dgm:scene3d>
+      <a:camera prst="orthographicFront"/>
+      <a:lightRig rig="threePt" dir="t"/>
+    </dgm:scene3d>
+    <dgm:sp3d/>
+    <dgm:txPr/>
+    <dgm:style>
+      <a:lnRef idx="1">
+        <a:scrgbClr r="0" g="0" b="0"/>
+      </a:lnRef>
+      <a:fillRef idx="1">
+        <a:scrgbClr r="0" g="0" b="0"/>
+      </a:fillRef>
+      <a:effectRef idx="0">
+        <a:scrgbClr r="0" g="0" b="0"/>
+      </a:effectRef>
+      <a:fontRef idx="minor"/>
+    </dgm:style>
+  </dgm:styleLbl>
+  <dgm:styleLbl name="bgAccFollowNode1">
+    <dgm:scene3d>
+      <a:camera prst="orthographicFront"/>
+      <a:lightRig rig="threePt" dir="t"/>
+    </dgm:scene3d>
+    <dgm:sp3d/>
+    <dgm:txPr/>
+    <dgm:style>
+      <a:lnRef idx="1">
+        <a:scrgbClr r="0" g="0" b="0"/>
+      </a:lnRef>
+      <a:fillRef idx="1">
+        <a:scrgbClr r="0" g="0" b="0"/>
+      </a:fillRef>
+      <a:effectRef idx="0">
+        <a:scrgbClr r="0" g="0" b="0"/>
+      </a:effectRef>
+      <a:fontRef idx="minor"/>
+    </dgm:style>
+  </dgm:styleLbl>
+  <dgm:styleLbl name="fgAcc0">
+    <dgm:scene3d>
+      <a:camera prst="orthographicFront"/>
+      <a:lightRig rig="threePt" dir="t"/>
+    </dgm:scene3d>
+    <dgm:sp3d/>
+    <dgm:txPr/>
+    <dgm:style>
+      <a:lnRef idx="1">
+        <a:scrgbClr r="0" g="0" b="0"/>
+      </a:lnRef>
+      <a:fillRef idx="1">
+        <a:scrgbClr r="0" g="0" b="0"/>
+      </a:fillRef>
+      <a:effectRef idx="0">
+        <a:scrgbClr r="0" g="0" b="0"/>
+      </a:effectRef>
+      <a:fontRef idx="minor"/>
+    </dgm:style>
+  </dgm:styleLbl>
+  <dgm:styleLbl name="fgAcc2">
+    <dgm:scene3d>
+      <a:camera prst="orthographicFront"/>
+      <a:lightRig rig="threePt" dir="t"/>
+    </dgm:scene3d>
+    <dgm:sp3d/>
+    <dgm:txPr/>
+    <dgm:style>
+      <a:lnRef idx="1">
+        <a:scrgbClr r="0" g="0" b="0"/>
+      </a:lnRef>
+      <a:fillRef idx="1">
+        <a:scrgbClr r="0" g="0" b="0"/>
+      </a:fillRef>
+      <a:effectRef idx="0">
+        <a:scrgbClr r="0" g="0" b="0"/>
+      </a:effectRef>
+      <a:fontRef idx="minor"/>
+    </dgm:style>
+  </dgm:styleLbl>
+  <dgm:styleLbl name="fgAcc3">
+    <dgm:scene3d>
+      <a:camera prst="orthographicFront"/>
+      <a:lightRig rig="threePt" dir="t"/>
+    </dgm:scene3d>
+    <dgm:sp3d/>
+    <dgm:txPr/>
+    <dgm:style>
+      <a:lnRef idx="1">
+        <a:scrgbClr r="0" g="0" b="0"/>
+      </a:lnRef>
+      <a:fillRef idx="1">
+        <a:scrgbClr r="0" g="0" b="0"/>
+      </a:fillRef>
+      <a:effectRef idx="0">
+        <a:scrgbClr r="0" g="0" b="0"/>
+      </a:effectRef>
+      <a:fontRef idx="minor"/>
+    </dgm:style>
+  </dgm:styleLbl>
+  <dgm:styleLbl name="fgAcc4">
+    <dgm:scene3d>
+      <a:camera prst="orthographicFront"/>
+      <a:lightRig rig="threePt" dir="t"/>
+    </dgm:scene3d>
+    <dgm:sp3d/>
+    <dgm:txPr/>
+    <dgm:style>
+      <a:lnRef idx="1">
+        <a:scrgbClr r="0" g="0" b="0"/>
+      </a:lnRef>
+      <a:fillRef idx="1">
+        <a:scrgbClr r="0" g="0" b="0"/>
+      </a:fillRef>
+      <a:effectRef idx="0">
+        <a:scrgbClr r="0" g="0" b="0"/>
+      </a:effectRef>
+      <a:fontRef idx="minor"/>
+    </dgm:style>
+  </dgm:styleLbl>
+  <dgm:styleLbl name="bgShp">
+    <dgm:scene3d>
+      <a:camera prst="orthographicFront"/>
+      <a:lightRig rig="threePt" dir="t"/>
+    </dgm:scene3d>
+    <dgm:sp3d/>
+    <dgm:txPr/>
+    <dgm:style>
+      <a:lnRef idx="0">
+        <a:scrgbClr r="0" g="0" b="0"/>
+      </a:lnRef>
+      <a:fillRef idx="1">
+        <a:scrgbClr r="0" g="0" b="0"/>
+      </a:fillRef>
+      <a:effectRef idx="2">
+        <a:scrgbClr r="0" g="0" b="0"/>
+      </a:effectRef>
+      <a:fontRef idx="minor"/>
+    </dgm:style>
+  </dgm:styleLbl>
+  <dgm:styleLbl name="dkBgShp">
+    <dgm:scene3d>
+      <a:camera prst="orthographicFront"/>
+      <a:lightRig rig="threePt" dir="t"/>
+    </dgm:scene3d>
+    <dgm:sp3d/>
+    <dgm:txPr/>
+    <dgm:style>
+      <a:lnRef idx="0">
+        <a:scrgbClr r="0" g="0" b="0"/>
+      </a:lnRef>
+      <a:fillRef idx="1">
+        <a:scrgbClr r="0" g="0" b="0"/>
+      </a:fillRef>
+      <a:effectRef idx="2">
+        <a:scrgbClr r="0" g="0" b="0"/>
+      </a:effectRef>
+      <a:fontRef idx="minor"/>
+    </dgm:style>
+  </dgm:styleLbl>
+  <dgm:styleLbl name="trBgShp">
+    <dgm:scene3d>
+      <a:camera prst="orthographicFront"/>
+      <a:lightRig rig="threePt" dir="t"/>
+    </dgm:scene3d>
+    <dgm:sp3d/>
+    <dgm:txPr/>
+    <dgm:style>
+      <a:lnRef idx="0">
+        <a:scrgbClr r="0" g="0" b="0"/>
+      </a:lnRef>
+      <a:fillRef idx="1">
+        <a:scrgbClr r="0" g="0" b="0"/>
+      </a:fillRef>
+      <a:effectRef idx="0">
+        <a:scrgbClr r="0" g="0" b="0"/>
+      </a:effectRef>
+      <a:fontRef idx="minor"/>
+    </dgm:style>
+  </dgm:styleLbl>
+  <dgm:styleLbl name="fgShp">
+    <dgm:scene3d>
+      <a:camera prst="orthographicFront"/>
+      <a:lightRig rig="threePt" dir="t"/>
+    </dgm:scene3d>
+    <dgm:sp3d/>
+    <dgm:txPr/>
+    <dgm:style>
+      <a:lnRef idx="0">
+        <a:scrgbClr r="0" g="0" b="0"/>
+      </a:lnRef>
+      <a:fillRef idx="3">
+        <a:scrgbClr r="0" g="0" b="0"/>
+      </a:fillRef>
+      <a:effectRef idx="2">
+        <a:scrgbClr r="0" g="0" b="0"/>
+      </a:effectRef>
+      <a:fontRef idx="minor"/>
+    </dgm:style>
+  </dgm:styleLbl>
+  <dgm:styleLbl name="revTx">
+    <dgm:scene3d>
+      <a:camera prst="orthographicFront"/>
+      <a:lightRig rig="threePt" dir="t"/>
+    </dgm:scene3d>
+    <dgm:sp3d/>
+    <dgm:txPr/>
+    <dgm:style>
+      <a:lnRef idx="0">
+        <a:scrgbClr r="0" g="0" b="0"/>
+      </a:lnRef>
+      <a:fillRef idx="0">
+        <a:scrgbClr r="0" g="0" b="0"/>
+      </a:fillRef>
+      <a:effectRef idx="0">
+        <a:scrgbClr r="0" g="0" b="0"/>
+      </a:effectRef>
+      <a:fontRef idx="minor"/>
+    </dgm:style>
+  </dgm:styleLbl>
+</dgm:styleDef>
 </file>
 
 <file path=ppt/notesMasters/notesMaster1.xml><?xml version="1.0" encoding="utf-8"?>
@@ -207,7 +4705,7 @@
           <a:p>
             <a:fld id="{C8198AB6-5A71-A847-8A4B-938858A1E07C}" type="datetimeFigureOut">
               <a:rPr lang="en-US" smtClean="0"/>
-              <a:t>3/17/17</a:t>
+              <a:t>8/31/17</a:t>
             </a:fld>
             <a:endParaRPr lang="en-US"/>
           </a:p>
@@ -540,7 +5038,7 @@
           <a:p>
             <a:fld id="{ADFD2580-03AE-7A4D-AAC6-AE0D200C09F0}" type="slidenum">
               <a:rPr lang="en-US" smtClean="0"/>
-              <a:t>2</a:t>
+              <a:t>3</a:t>
             </a:fld>
             <a:endParaRPr lang="en-US"/>
           </a:p>
@@ -690,7 +5188,7 @@
           <a:p>
             <a:fld id="{AD6DC445-D345-6046-95E8-4C84A7AD1FCC}" type="datetimeFigureOut">
               <a:rPr lang="en-US" smtClean="0"/>
-              <a:t>3/17/17</a:t>
+              <a:t>8/31/17</a:t>
             </a:fld>
             <a:endParaRPr lang="en-US"/>
           </a:p>
@@ -855,7 +5353,7 @@
           <a:p>
             <a:fld id="{AD6DC445-D345-6046-95E8-4C84A7AD1FCC}" type="datetimeFigureOut">
               <a:rPr lang="en-US" smtClean="0"/>
-              <a:t>3/17/17</a:t>
+              <a:t>8/31/17</a:t>
             </a:fld>
             <a:endParaRPr lang="en-US"/>
           </a:p>
@@ -1030,7 +5528,7 @@
           <a:p>
             <a:fld id="{AD6DC445-D345-6046-95E8-4C84A7AD1FCC}" type="datetimeFigureOut">
               <a:rPr lang="en-US" smtClean="0"/>
-              <a:t>3/17/17</a:t>
+              <a:t>8/31/17</a:t>
             </a:fld>
             <a:endParaRPr lang="en-US"/>
           </a:p>
@@ -1195,7 +5693,7 @@
           <a:p>
             <a:fld id="{AD6DC445-D345-6046-95E8-4C84A7AD1FCC}" type="datetimeFigureOut">
               <a:rPr lang="en-US" smtClean="0"/>
-              <a:t>3/17/17</a:t>
+              <a:t>8/31/17</a:t>
             </a:fld>
             <a:endParaRPr lang="en-US"/>
           </a:p>
@@ -1436,7 +5934,7 @@
           <a:p>
             <a:fld id="{AD6DC445-D345-6046-95E8-4C84A7AD1FCC}" type="datetimeFigureOut">
               <a:rPr lang="en-US" smtClean="0"/>
-              <a:t>3/17/17</a:t>
+              <a:t>8/31/17</a:t>
             </a:fld>
             <a:endParaRPr lang="en-US"/>
           </a:p>
@@ -1663,7 +6161,7 @@
           <a:p>
             <a:fld id="{AD6DC445-D345-6046-95E8-4C84A7AD1FCC}" type="datetimeFigureOut">
               <a:rPr lang="en-US" smtClean="0"/>
-              <a:t>3/17/17</a:t>
+              <a:t>8/31/17</a:t>
             </a:fld>
             <a:endParaRPr lang="en-US"/>
           </a:p>
@@ -2025,7 +6523,7 @@
           <a:p>
             <a:fld id="{AD6DC445-D345-6046-95E8-4C84A7AD1FCC}" type="datetimeFigureOut">
               <a:rPr lang="en-US" smtClean="0"/>
-              <a:t>3/17/17</a:t>
+              <a:t>8/31/17</a:t>
             </a:fld>
             <a:endParaRPr lang="en-US"/>
           </a:p>
@@ -2138,7 +6636,7 @@
           <a:p>
             <a:fld id="{AD6DC445-D345-6046-95E8-4C84A7AD1FCC}" type="datetimeFigureOut">
               <a:rPr lang="en-US" smtClean="0"/>
-              <a:t>3/17/17</a:t>
+              <a:t>8/31/17</a:t>
             </a:fld>
             <a:endParaRPr lang="en-US"/>
           </a:p>
@@ -2228,7 +6726,7 @@
           <a:p>
             <a:fld id="{AD6DC445-D345-6046-95E8-4C84A7AD1FCC}" type="datetimeFigureOut">
               <a:rPr lang="en-US" smtClean="0"/>
-              <a:t>3/17/17</a:t>
+              <a:t>8/31/17</a:t>
             </a:fld>
             <a:endParaRPr lang="en-US"/>
           </a:p>
@@ -2500,7 +6998,7 @@
           <a:p>
             <a:fld id="{AD6DC445-D345-6046-95E8-4C84A7AD1FCC}" type="datetimeFigureOut">
               <a:rPr lang="en-US" smtClean="0"/>
-              <a:t>3/17/17</a:t>
+              <a:t>8/31/17</a:t>
             </a:fld>
             <a:endParaRPr lang="en-US"/>
           </a:p>
@@ -2748,7 +7246,7 @@
           <a:p>
             <a:fld id="{AD6DC445-D345-6046-95E8-4C84A7AD1FCC}" type="datetimeFigureOut">
               <a:rPr lang="en-US" smtClean="0"/>
-              <a:t>3/17/17</a:t>
+              <a:t>8/31/17</a:t>
             </a:fld>
             <a:endParaRPr lang="en-US"/>
           </a:p>
@@ -2956,7 +7454,7 @@
           <a:p>
             <a:fld id="{AD6DC445-D345-6046-95E8-4C84A7AD1FCC}" type="datetimeFigureOut">
               <a:rPr lang="en-US" smtClean="0"/>
-              <a:t>3/17/17</a:t>
+              <a:t>8/31/17</a:t>
             </a:fld>
             <a:endParaRPr lang="en-US"/>
           </a:p>
@@ -3361,6 +7859,120 @@
           <a:chExt cx="0" cy="0"/>
         </a:xfrm>
       </p:grpSpPr>
+      <p:grpSp>
+        <p:nvGrpSpPr>
+          <p:cNvPr id="343" name="Group 342"/>
+          <p:cNvGrpSpPr/>
+          <p:nvPr/>
+        </p:nvGrpSpPr>
+        <p:grpSpPr>
+          <a:xfrm flipH="1">
+            <a:off x="6619655" y="2591186"/>
+            <a:ext cx="1938752" cy="2764423"/>
+            <a:chOff x="3799919" y="2602090"/>
+            <a:chExt cx="1938752" cy="2764423"/>
+          </a:xfrm>
+        </p:grpSpPr>
+        <p:cxnSp>
+          <p:nvCxnSpPr>
+            <p:cNvPr id="344" name="Straight Arrow Connector 343"/>
+            <p:cNvCxnSpPr/>
+            <p:nvPr/>
+          </p:nvCxnSpPr>
+          <p:spPr>
+            <a:xfrm rot="10800000" flipV="1">
+              <a:off x="3799919" y="2602090"/>
+              <a:ext cx="1934036" cy="1244644"/>
+            </a:xfrm>
+            <a:prstGeom prst="straightConnector1">
+              <a:avLst/>
+            </a:prstGeom>
+            <a:ln w="57150">
+              <a:tailEnd type="triangle"/>
+            </a:ln>
+          </p:spPr>
+          <p:style>
+            <a:lnRef idx="1">
+              <a:schemeClr val="accent1"/>
+            </a:lnRef>
+            <a:fillRef idx="0">
+              <a:schemeClr val="accent1"/>
+            </a:fillRef>
+            <a:effectRef idx="0">
+              <a:schemeClr val="accent1"/>
+            </a:effectRef>
+            <a:fontRef idx="minor">
+              <a:schemeClr val="tx1"/>
+            </a:fontRef>
+          </p:style>
+        </p:cxnSp>
+        <p:cxnSp>
+          <p:nvCxnSpPr>
+            <p:cNvPr id="345" name="Straight Arrow Connector 344"/>
+            <p:cNvCxnSpPr/>
+            <p:nvPr/>
+          </p:nvCxnSpPr>
+          <p:spPr>
+            <a:xfrm rot="10800000">
+              <a:off x="3850814" y="3973398"/>
+              <a:ext cx="1821673" cy="11386"/>
+            </a:xfrm>
+            <a:prstGeom prst="straightConnector1">
+              <a:avLst/>
+            </a:prstGeom>
+            <a:ln w="57150">
+              <a:tailEnd type="triangle"/>
+            </a:ln>
+          </p:spPr>
+          <p:style>
+            <a:lnRef idx="1">
+              <a:schemeClr val="accent1"/>
+            </a:lnRef>
+            <a:fillRef idx="0">
+              <a:schemeClr val="accent1"/>
+            </a:fillRef>
+            <a:effectRef idx="0">
+              <a:schemeClr val="accent1"/>
+            </a:effectRef>
+            <a:fontRef idx="minor">
+              <a:schemeClr val="tx1"/>
+            </a:fontRef>
+          </p:style>
+        </p:cxnSp>
+        <p:cxnSp>
+          <p:nvCxnSpPr>
+            <p:cNvPr id="346" name="Straight Arrow Connector 345"/>
+            <p:cNvCxnSpPr/>
+            <p:nvPr/>
+          </p:nvCxnSpPr>
+          <p:spPr>
+            <a:xfrm rot="10800000">
+              <a:off x="3804635" y="4121869"/>
+              <a:ext cx="1934036" cy="1244644"/>
+            </a:xfrm>
+            <a:prstGeom prst="straightConnector1">
+              <a:avLst/>
+            </a:prstGeom>
+            <a:ln w="57150">
+              <a:tailEnd type="triangle"/>
+            </a:ln>
+          </p:spPr>
+          <p:style>
+            <a:lnRef idx="1">
+              <a:schemeClr val="accent1"/>
+            </a:lnRef>
+            <a:fillRef idx="0">
+              <a:schemeClr val="accent1"/>
+            </a:fillRef>
+            <a:effectRef idx="0">
+              <a:schemeClr val="accent1"/>
+            </a:effectRef>
+            <a:fontRef idx="minor">
+              <a:schemeClr val="tx1"/>
+            </a:fontRef>
+          </p:style>
+        </p:cxnSp>
+      </p:grpSp>
       <p:cxnSp>
         <p:nvCxnSpPr>
           <p:cNvPr id="61" name="Straight Arrow Connector 60"/>
@@ -3370,9 +7982,9 @@
           <p:nvPr/>
         </p:nvCxnSpPr>
         <p:spPr>
-          <a:xfrm>
-            <a:off x="3000918" y="2768989"/>
-            <a:ext cx="11605" cy="1995527"/>
+          <a:xfrm flipH="1">
+            <a:off x="3318453" y="2300300"/>
+            <a:ext cx="6658" cy="1106755"/>
           </a:xfrm>
           <a:prstGeom prst="straightConnector1">
             <a:avLst/>
@@ -3396,313 +8008,18 @@
           </a:fontRef>
         </p:style>
       </p:cxnSp>
-      <p:pic>
-        <p:nvPicPr>
-          <p:cNvPr id="5" name="Picture 4"/>
-          <p:cNvPicPr>
-            <a:picLocks noChangeAspect="1"/>
-          </p:cNvPicPr>
-          <p:nvPr/>
-        </p:nvPicPr>
-        <p:blipFill>
-          <a:blip r:embed="rId2">
-            <a:extLst>
-              <a:ext uri="{28A0092B-C50C-407E-A947-70E740481C1C}">
-                <a14:useLocalDpi xmlns:a14="http://schemas.microsoft.com/office/drawing/2010/main" val="0"/>
-              </a:ext>
-            </a:extLst>
-          </a:blip>
-          <a:stretch>
-            <a:fillRect/>
-          </a:stretch>
-        </p:blipFill>
-        <p:spPr>
-          <a:xfrm rot="10800000" flipV="1">
-            <a:off x="2598787" y="4807674"/>
-            <a:ext cx="812800" cy="812800"/>
-          </a:xfrm>
-          <a:prstGeom prst="rect">
-            <a:avLst/>
-          </a:prstGeom>
-        </p:spPr>
-      </p:pic>
-      <p:pic>
-        <p:nvPicPr>
-          <p:cNvPr id="25" name="Picture 24"/>
-          <p:cNvPicPr>
-            <a:picLocks noChangeAspect="1"/>
-          </p:cNvPicPr>
-          <p:nvPr/>
-        </p:nvPicPr>
-        <p:blipFill>
-          <a:blip r:embed="rId3">
-            <a:extLst>
-              <a:ext uri="{28A0092B-C50C-407E-A947-70E740481C1C}">
-                <a14:useLocalDpi xmlns:a14="http://schemas.microsoft.com/office/drawing/2010/main" val="0"/>
-              </a:ext>
-            </a:extLst>
-          </a:blip>
-          <a:stretch>
-            <a:fillRect/>
-          </a:stretch>
-        </p:blipFill>
-        <p:spPr>
-          <a:xfrm rot="10800000" flipV="1">
-            <a:off x="5432512" y="443738"/>
-            <a:ext cx="812800" cy="812800"/>
-          </a:xfrm>
-          <a:prstGeom prst="rect">
-            <a:avLst/>
-          </a:prstGeom>
-        </p:spPr>
-      </p:pic>
-      <p:pic>
-        <p:nvPicPr>
-          <p:cNvPr id="26" name="Picture 25"/>
-          <p:cNvPicPr>
-            <a:picLocks noChangeAspect="1"/>
-          </p:cNvPicPr>
-          <p:nvPr/>
-        </p:nvPicPr>
-        <p:blipFill>
-          <a:blip r:embed="rId4">
-            <a:extLst>
-              <a:ext uri="{28A0092B-C50C-407E-A947-70E740481C1C}">
-                <a14:useLocalDpi xmlns:a14="http://schemas.microsoft.com/office/drawing/2010/main" val="0"/>
-              </a:ext>
-            </a:extLst>
-          </a:blip>
-          <a:stretch>
-            <a:fillRect/>
-          </a:stretch>
-        </p:blipFill>
-        <p:spPr>
-          <a:xfrm>
-            <a:off x="2598787" y="1615527"/>
-            <a:ext cx="812800" cy="812800"/>
-          </a:xfrm>
-          <a:prstGeom prst="rect">
-            <a:avLst/>
-          </a:prstGeom>
-        </p:spPr>
-      </p:pic>
-      <p:pic>
-        <p:nvPicPr>
-          <p:cNvPr id="41" name="Picture 40"/>
-          <p:cNvPicPr>
-            <a:picLocks noChangeAspect="1"/>
-          </p:cNvPicPr>
-          <p:nvPr/>
-        </p:nvPicPr>
-        <p:blipFill>
-          <a:blip r:embed="rId5">
-            <a:extLst>
-              <a:ext uri="{28A0092B-C50C-407E-A947-70E740481C1C}">
-                <a14:useLocalDpi xmlns:a14="http://schemas.microsoft.com/office/drawing/2010/main" val="0"/>
-              </a:ext>
-            </a:extLst>
-          </a:blip>
-          <a:stretch>
-            <a:fillRect/>
-          </a:stretch>
-        </p:blipFill>
-        <p:spPr>
-          <a:xfrm>
-            <a:off x="5432512" y="3282116"/>
-            <a:ext cx="812800" cy="812800"/>
-          </a:xfrm>
-          <a:prstGeom prst="rect">
-            <a:avLst/>
-          </a:prstGeom>
-        </p:spPr>
-      </p:pic>
-      <p:pic>
-        <p:nvPicPr>
-          <p:cNvPr id="51" name="Picture 50"/>
-          <p:cNvPicPr>
-            <a:picLocks noChangeAspect="1"/>
-          </p:cNvPicPr>
-          <p:nvPr/>
-        </p:nvPicPr>
-        <p:blipFill>
-          <a:blip r:embed="rId6">
-            <a:extLst>
-              <a:ext uri="{28A0092B-C50C-407E-A947-70E740481C1C}">
-                <a14:useLocalDpi xmlns:a14="http://schemas.microsoft.com/office/drawing/2010/main" val="0"/>
-              </a:ext>
-            </a:extLst>
-          </a:blip>
-          <a:stretch>
-            <a:fillRect/>
-          </a:stretch>
-        </p:blipFill>
-        <p:spPr>
-          <a:xfrm rot="10800000" flipV="1">
-            <a:off x="8270506" y="4807674"/>
-            <a:ext cx="812800" cy="812800"/>
-          </a:xfrm>
-          <a:prstGeom prst="rect">
-            <a:avLst/>
-          </a:prstGeom>
-        </p:spPr>
-      </p:pic>
-      <p:pic>
-        <p:nvPicPr>
-          <p:cNvPr id="56" name="Picture 55"/>
-          <p:cNvPicPr>
-            <a:picLocks noChangeAspect="1"/>
-          </p:cNvPicPr>
-          <p:nvPr/>
-        </p:nvPicPr>
-        <p:blipFill>
-          <a:blip r:embed="rId4">
-            <a:extLst>
-              <a:ext uri="{28A0092B-C50C-407E-A947-70E740481C1C}">
-                <a14:useLocalDpi xmlns:a14="http://schemas.microsoft.com/office/drawing/2010/main" val="0"/>
-              </a:ext>
-            </a:extLst>
-          </a:blip>
-          <a:stretch>
-            <a:fillRect/>
-          </a:stretch>
-        </p:blipFill>
-        <p:spPr>
-          <a:xfrm>
-            <a:off x="8270506" y="1615527"/>
-            <a:ext cx="812800" cy="812800"/>
-          </a:xfrm>
-          <a:prstGeom prst="rect">
-            <a:avLst/>
-          </a:prstGeom>
-        </p:spPr>
-      </p:pic>
-      <p:sp>
-        <p:nvSpPr>
-          <p:cNvPr id="57" name="TextBox 56"/>
-          <p:cNvSpPr txBox="1"/>
-          <p:nvPr/>
-        </p:nvSpPr>
-        <p:spPr>
-          <a:xfrm>
-            <a:off x="2345197" y="2399657"/>
-            <a:ext cx="1311442" cy="369332"/>
-          </a:xfrm>
-          <a:prstGeom prst="rect">
-            <a:avLst/>
-          </a:prstGeom>
-          <a:noFill/>
-        </p:spPr>
-        <p:txBody>
-          <a:bodyPr wrap="square" rtlCol="0">
-            <a:spAutoFit/>
-          </a:bodyPr>
-          <a:lstStyle/>
-          <a:p>
-            <a:pPr algn="ctr"/>
-            <a:r>
-              <a:rPr lang="en-US" dirty="0" smtClean="0">
-                <a:latin typeface="Courier New" charset="0"/>
-                <a:ea typeface="Courier New" charset="0"/>
-                <a:cs typeface="Courier New" charset="0"/>
-              </a:rPr>
-              <a:t>INBOX</a:t>
-            </a:r>
-            <a:endParaRPr lang="en-US" dirty="0">
-              <a:latin typeface="Courier New" charset="0"/>
-              <a:ea typeface="Courier New" charset="0"/>
-              <a:cs typeface="Courier New" charset="0"/>
-            </a:endParaRPr>
-          </a:p>
-        </p:txBody>
-      </p:sp>
-      <p:sp>
-        <p:nvSpPr>
-          <p:cNvPr id="58" name="TextBox 57"/>
-          <p:cNvSpPr txBox="1"/>
-          <p:nvPr/>
-        </p:nvSpPr>
-        <p:spPr>
-          <a:xfrm>
-            <a:off x="7887325" y="2399657"/>
-            <a:ext cx="1555949" cy="369332"/>
-          </a:xfrm>
-          <a:prstGeom prst="rect">
-            <a:avLst/>
-          </a:prstGeom>
-          <a:noFill/>
-        </p:spPr>
-        <p:txBody>
-          <a:bodyPr wrap="square" rtlCol="0">
-            <a:spAutoFit/>
-          </a:bodyPr>
-          <a:lstStyle/>
-          <a:p>
-            <a:pPr algn="ctr"/>
-            <a:r>
-              <a:rPr lang="en-US" dirty="0" smtClean="0">
-                <a:latin typeface="Courier New" charset="0"/>
-                <a:ea typeface="Courier New" charset="0"/>
-                <a:cs typeface="Courier New" charset="0"/>
-              </a:rPr>
-              <a:t>Processed</a:t>
-            </a:r>
-            <a:endParaRPr lang="en-US" dirty="0">
-              <a:latin typeface="Courier New" charset="0"/>
-              <a:ea typeface="Courier New" charset="0"/>
-              <a:cs typeface="Courier New" charset="0"/>
-            </a:endParaRPr>
-          </a:p>
-        </p:txBody>
-      </p:sp>
-      <p:sp>
-        <p:nvSpPr>
-          <p:cNvPr id="65" name="TextBox 64"/>
-          <p:cNvSpPr txBox="1"/>
-          <p:nvPr/>
-        </p:nvSpPr>
-        <p:spPr>
-          <a:xfrm>
-            <a:off x="5338871" y="4060208"/>
-            <a:ext cx="1047675" cy="369332"/>
-          </a:xfrm>
-          <a:prstGeom prst="rect">
-            <a:avLst/>
-          </a:prstGeom>
-          <a:noFill/>
-        </p:spPr>
-        <p:txBody>
-          <a:bodyPr wrap="square" rtlCol="0">
-            <a:spAutoFit/>
-          </a:bodyPr>
-          <a:lstStyle/>
-          <a:p>
-            <a:pPr algn="ctr"/>
-            <a:r>
-              <a:rPr lang="en-US" dirty="0" smtClean="0">
-                <a:latin typeface="Courier New" charset="0"/>
-                <a:ea typeface="Courier New" charset="0"/>
-                <a:cs typeface="Courier New" charset="0"/>
-              </a:rPr>
-              <a:t>Filter</a:t>
-            </a:r>
-            <a:endParaRPr lang="en-US" dirty="0">
-              <a:latin typeface="Courier New" charset="0"/>
-              <a:ea typeface="Courier New" charset="0"/>
-              <a:cs typeface="Courier New" charset="0"/>
-            </a:endParaRPr>
-          </a:p>
-        </p:txBody>
-      </p:sp>
       <p:cxnSp>
         <p:nvCxnSpPr>
-          <p:cNvPr id="66" name="Straight Arrow Connector 65"/>
-          <p:cNvCxnSpPr/>
+          <p:cNvPr id="96" name="Straight Arrow Connector 95"/>
+          <p:cNvCxnSpPr>
+            <a:endCxn id="58" idx="2"/>
+          </p:cNvCxnSpPr>
           <p:nvPr/>
         </p:nvCxnSpPr>
         <p:spPr>
           <a:xfrm flipV="1">
-            <a:off x="3541582" y="3780361"/>
-            <a:ext cx="1785579" cy="1317358"/>
+            <a:off x="9003297" y="2300432"/>
+            <a:ext cx="1" cy="1106624"/>
           </a:xfrm>
           <a:prstGeom prst="straightConnector1">
             <a:avLst/>
@@ -3726,461 +8043,197 @@
           </a:fontRef>
         </p:style>
       </p:cxnSp>
-      <p:pic>
-        <p:nvPicPr>
-          <p:cNvPr id="40" name="Picture 39"/>
-          <p:cNvPicPr>
-            <a:picLocks noChangeAspect="1"/>
-          </p:cNvPicPr>
+      <p:grpSp>
+        <p:nvGrpSpPr>
+          <p:cNvPr id="220" name="Group 219"/>
+          <p:cNvGrpSpPr/>
           <p:nvPr/>
-        </p:nvPicPr>
-        <p:blipFill>
-          <a:blip r:embed="rId7">
-            <a:extLst>
-              <a:ext uri="{28A0092B-C50C-407E-A947-70E740481C1C}">
-                <a14:useLocalDpi xmlns:a14="http://schemas.microsoft.com/office/drawing/2010/main" val="0"/>
-              </a:ext>
-            </a:extLst>
-          </a:blip>
-          <a:stretch>
-            <a:fillRect/>
-          </a:stretch>
-        </p:blipFill>
-        <p:spPr>
-          <a:xfrm rot="10800000" flipV="1">
-            <a:off x="4036485" y="4094916"/>
-            <a:ext cx="669600" cy="669600"/>
+        </p:nvGrpSpPr>
+        <p:grpSpPr>
+          <a:xfrm>
+            <a:off x="8107566" y="1176401"/>
+            <a:ext cx="1800000" cy="3494871"/>
+            <a:chOff x="8036128" y="1114833"/>
+            <a:chExt cx="1800000" cy="3494871"/>
           </a:xfrm>
-          <a:prstGeom prst="rect">
-            <a:avLst/>
-          </a:prstGeom>
-        </p:spPr>
-      </p:pic>
-      <p:sp>
-        <p:nvSpPr>
-          <p:cNvPr id="76" name="TextBox 75"/>
-          <p:cNvSpPr txBox="1"/>
-          <p:nvPr/>
-        </p:nvSpPr>
-        <p:spPr>
-          <a:xfrm flipH="1">
-            <a:off x="3865711" y="3793608"/>
-            <a:ext cx="1021993" cy="323165"/>
-          </a:xfrm>
-          <a:prstGeom prst="rect">
-            <a:avLst/>
-          </a:prstGeom>
-          <a:noFill/>
-        </p:spPr>
-        <p:txBody>
-          <a:bodyPr wrap="square" rtlCol="0">
-            <a:spAutoFit/>
-          </a:bodyPr>
-          <a:lstStyle/>
-          <a:p>
-            <a:pPr algn="ctr"/>
-            <a:r>
-              <a:rPr lang="en-US" sz="1500" dirty="0" smtClean="0">
+        </p:grpSpPr>
+        <p:pic>
+          <p:nvPicPr>
+            <p:cNvPr id="51" name="Picture 50"/>
+            <p:cNvPicPr>
+              <a:picLocks noChangeAspect="1"/>
+            </p:cNvPicPr>
+            <p:nvPr/>
+          </p:nvPicPr>
+          <p:blipFill>
+            <a:blip r:embed="rId2">
+              <a:extLst>
+                <a:ext uri="{28A0092B-C50C-407E-A947-70E740481C1C}">
+                  <a14:useLocalDpi xmlns:a14="http://schemas.microsoft.com/office/drawing/2010/main" val="0"/>
+                </a:ext>
+              </a:extLst>
+            </a:blip>
+            <a:stretch>
+              <a:fillRect/>
+            </a:stretch>
+          </p:blipFill>
+          <p:spPr>
+            <a:xfrm rot="10800000" flipV="1">
+              <a:off x="8525460" y="3497693"/>
+              <a:ext cx="812800" cy="812800"/>
+            </a:xfrm>
+            <a:prstGeom prst="rect">
+              <a:avLst/>
+            </a:prstGeom>
+          </p:spPr>
+        </p:pic>
+        <p:pic>
+          <p:nvPicPr>
+            <p:cNvPr id="56" name="Picture 55"/>
+            <p:cNvPicPr>
+              <a:picLocks noChangeAspect="1"/>
+            </p:cNvPicPr>
+            <p:nvPr/>
+          </p:nvPicPr>
+          <p:blipFill>
+            <a:blip r:embed="rId3">
+              <a:extLst>
+                <a:ext uri="{28A0092B-C50C-407E-A947-70E740481C1C}">
+                  <a14:useLocalDpi xmlns:a14="http://schemas.microsoft.com/office/drawing/2010/main" val="0"/>
+                </a:ext>
+              </a:extLst>
+            </a:blip>
+            <a:stretch>
+              <a:fillRect/>
+            </a:stretch>
+          </p:blipFill>
+          <p:spPr>
+            <a:xfrm>
+              <a:off x="8525460" y="1114833"/>
+              <a:ext cx="812800" cy="812800"/>
+            </a:xfrm>
+            <a:prstGeom prst="rect">
+              <a:avLst/>
+            </a:prstGeom>
+          </p:spPr>
+        </p:pic>
+        <p:sp>
+          <p:nvSpPr>
+            <p:cNvPr id="58" name="TextBox 57"/>
+            <p:cNvSpPr txBox="1"/>
+            <p:nvPr/>
+          </p:nvSpPr>
+          <p:spPr>
+            <a:xfrm>
+              <a:off x="8153885" y="1869532"/>
+              <a:ext cx="1555949" cy="369332"/>
+            </a:xfrm>
+            <a:prstGeom prst="rect">
+              <a:avLst/>
+            </a:prstGeom>
+            <a:noFill/>
+          </p:spPr>
+          <p:txBody>
+            <a:bodyPr wrap="square" rtlCol="0">
+              <a:spAutoFit/>
+            </a:bodyPr>
+            <a:lstStyle/>
+            <a:p>
+              <a:pPr algn="ctr"/>
+              <a:r>
+                <a:rPr lang="en-US" dirty="0" smtClean="0">
+                  <a:latin typeface="Courier New" charset="0"/>
+                  <a:ea typeface="Courier New" charset="0"/>
+                  <a:cs typeface="Courier New" charset="0"/>
+                </a:rPr>
+                <a:t>Processed</a:t>
+              </a:r>
+              <a:endParaRPr lang="en-US" dirty="0">
                 <a:latin typeface="Courier New" charset="0"/>
                 <a:ea typeface="Courier New" charset="0"/>
                 <a:cs typeface="Courier New" charset="0"/>
-              </a:rPr>
-              <a:t>HTML</a:t>
-            </a:r>
-            <a:endParaRPr lang="en-US" sz="1500" dirty="0">
-              <a:latin typeface="Courier New" charset="0"/>
-              <a:ea typeface="Courier New" charset="0"/>
-              <a:cs typeface="Courier New" charset="0"/>
-            </a:endParaRPr>
-          </a:p>
-        </p:txBody>
-      </p:sp>
+              </a:endParaRPr>
+            </a:p>
+          </p:txBody>
+        </p:sp>
+        <p:sp>
+          <p:nvSpPr>
+            <p:cNvPr id="95" name="TextBox 94"/>
+            <p:cNvSpPr txBox="1"/>
+            <p:nvPr/>
+          </p:nvSpPr>
+          <p:spPr>
+            <a:xfrm flipH="1">
+              <a:off x="8036128" y="4240372"/>
+              <a:ext cx="1800000" cy="369332"/>
+            </a:xfrm>
+            <a:prstGeom prst="rect">
+              <a:avLst/>
+            </a:prstGeom>
+            <a:noFill/>
+          </p:spPr>
+          <p:txBody>
+            <a:bodyPr wrap="square" rtlCol="0">
+              <a:spAutoFit/>
+            </a:bodyPr>
+            <a:lstStyle/>
+            <a:p>
+              <a:pPr algn="ctr"/>
+              <a:r>
+                <a:rPr lang="en-US" dirty="0" smtClean="0">
+                  <a:latin typeface="Courier New" charset="0"/>
+                  <a:ea typeface="Courier New" charset="0"/>
+                  <a:cs typeface="Courier New" charset="0"/>
+                </a:rPr>
+                <a:t>Blog-Post</a:t>
+              </a:r>
+            </a:p>
+          </p:txBody>
+        </p:sp>
+        <p:pic>
+          <p:nvPicPr>
+            <p:cNvPr id="7" name="Picture 6"/>
+            <p:cNvPicPr>
+              <a:picLocks noChangeAspect="1"/>
+            </p:cNvPicPr>
+            <p:nvPr/>
+          </p:nvPicPr>
+          <p:blipFill>
+            <a:blip r:embed="rId4">
+              <a:extLst>
+                <a:ext uri="{28A0092B-C50C-407E-A947-70E740481C1C}">
+                  <a14:useLocalDpi xmlns:a14="http://schemas.microsoft.com/office/drawing/2010/main" val="0"/>
+                </a:ext>
+              </a:extLst>
+            </a:blip>
+            <a:stretch>
+              <a:fillRect/>
+            </a:stretch>
+          </p:blipFill>
+          <p:spPr>
+            <a:xfrm rot="10800000" flipV="1">
+              <a:off x="8597498" y="2498406"/>
+              <a:ext cx="668725" cy="668725"/>
+            </a:xfrm>
+            <a:prstGeom prst="rect">
+              <a:avLst/>
+            </a:prstGeom>
+          </p:spPr>
+        </p:pic>
+      </p:grpSp>
       <p:cxnSp>
         <p:nvCxnSpPr>
-          <p:cNvPr id="79" name="Straight Arrow Connector 78"/>
-          <p:cNvCxnSpPr/>
-          <p:nvPr/>
-        </p:nvCxnSpPr>
-        <p:spPr>
-          <a:xfrm>
-            <a:off x="6380165" y="3780361"/>
-            <a:ext cx="1786189" cy="1317358"/>
-          </a:xfrm>
-          <a:prstGeom prst="straightConnector1">
-            <a:avLst/>
-          </a:prstGeom>
-          <a:ln w="57150">
-            <a:tailEnd type="triangle"/>
-          </a:ln>
-        </p:spPr>
-        <p:style>
-          <a:lnRef idx="1">
-            <a:schemeClr val="accent1"/>
-          </a:lnRef>
-          <a:fillRef idx="0">
-            <a:schemeClr val="accent1"/>
-          </a:fillRef>
-          <a:effectRef idx="0">
-            <a:schemeClr val="accent1"/>
-          </a:effectRef>
-          <a:fontRef idx="minor">
-            <a:schemeClr val="tx1"/>
-          </a:fontRef>
-        </p:style>
-      </p:cxnSp>
-      <p:pic>
-        <p:nvPicPr>
-          <p:cNvPr id="54" name="Picture 53"/>
-          <p:cNvPicPr>
-            <a:picLocks noChangeAspect="1"/>
-          </p:cNvPicPr>
-          <p:nvPr/>
-        </p:nvPicPr>
-        <p:blipFill>
-          <a:blip r:embed="rId7">
-            <a:extLst>
-              <a:ext uri="{28A0092B-C50C-407E-A947-70E740481C1C}">
-                <a14:useLocalDpi xmlns:a14="http://schemas.microsoft.com/office/drawing/2010/main" val="0"/>
-              </a:ext>
-            </a:extLst>
-          </a:blip>
-          <a:stretch>
-            <a:fillRect/>
-          </a:stretch>
-        </p:blipFill>
-        <p:spPr>
-          <a:xfrm rot="10800000" flipV="1">
-            <a:off x="6901340" y="4094916"/>
-            <a:ext cx="669600" cy="669600"/>
-          </a:xfrm>
-          <a:prstGeom prst="rect">
-            <a:avLst/>
-          </a:prstGeom>
-        </p:spPr>
-      </p:pic>
-      <p:sp>
-        <p:nvSpPr>
-          <p:cNvPr id="84" name="TextBox 83"/>
-          <p:cNvSpPr txBox="1"/>
-          <p:nvPr/>
-        </p:nvSpPr>
-        <p:spPr>
-          <a:xfrm flipH="1">
-            <a:off x="6833670" y="3811050"/>
-            <a:ext cx="804937" cy="323165"/>
-          </a:xfrm>
-          <a:prstGeom prst="rect">
-            <a:avLst/>
-          </a:prstGeom>
-          <a:noFill/>
-        </p:spPr>
-        <p:txBody>
-          <a:bodyPr wrap="square" rtlCol="0">
-            <a:spAutoFit/>
-          </a:bodyPr>
-          <a:lstStyle/>
-          <a:p>
-            <a:pPr algn="ctr"/>
-            <a:r>
-              <a:rPr lang="en-US" sz="1500" dirty="0" smtClean="0">
-                <a:latin typeface="Courier New" charset="0"/>
-                <a:ea typeface="Courier New" charset="0"/>
-                <a:cs typeface="Courier New" charset="0"/>
-              </a:rPr>
-              <a:t>HTML</a:t>
-            </a:r>
-            <a:endParaRPr lang="en-US" sz="1500" dirty="0">
-              <a:latin typeface="Courier New" charset="0"/>
-              <a:ea typeface="Courier New" charset="0"/>
-              <a:cs typeface="Courier New" charset="0"/>
-            </a:endParaRPr>
-          </a:p>
-        </p:txBody>
-      </p:sp>
-      <p:cxnSp>
-        <p:nvCxnSpPr>
-          <p:cNvPr id="85" name="Straight Arrow Connector 84"/>
-          <p:cNvCxnSpPr/>
-          <p:nvPr/>
-        </p:nvCxnSpPr>
-        <p:spPr>
-          <a:xfrm>
-            <a:off x="3571368" y="5253715"/>
-            <a:ext cx="4594986" cy="23828"/>
-          </a:xfrm>
-          <a:prstGeom prst="straightConnector1">
-            <a:avLst/>
-          </a:prstGeom>
-          <a:ln w="57150">
-            <a:tailEnd type="triangle"/>
-          </a:ln>
-        </p:spPr>
-        <p:style>
-          <a:lnRef idx="1">
-            <a:schemeClr val="accent1"/>
-          </a:lnRef>
-          <a:fillRef idx="0">
-            <a:schemeClr val="accent1"/>
-          </a:fillRef>
-          <a:effectRef idx="0">
-            <a:schemeClr val="accent1"/>
-          </a:effectRef>
-          <a:fontRef idx="minor">
-            <a:schemeClr val="tx1"/>
-          </a:fontRef>
-        </p:style>
-      </p:cxnSp>
-      <p:pic>
-        <p:nvPicPr>
-          <p:cNvPr id="50" name="Picture 49"/>
-          <p:cNvPicPr>
-            <a:picLocks noChangeAspect="1"/>
-          </p:cNvPicPr>
-          <p:nvPr/>
-        </p:nvPicPr>
-        <p:blipFill>
-          <a:blip r:embed="rId8">
-            <a:extLst>
-              <a:ext uri="{28A0092B-C50C-407E-A947-70E740481C1C}">
-                <a14:useLocalDpi xmlns:a14="http://schemas.microsoft.com/office/drawing/2010/main" val="0"/>
-              </a:ext>
-            </a:extLst>
-          </a:blip>
-          <a:stretch>
-            <a:fillRect/>
-          </a:stretch>
-        </p:blipFill>
-        <p:spPr>
-          <a:xfrm rot="10800000" flipV="1">
-            <a:off x="4011716" y="4857719"/>
-            <a:ext cx="669600" cy="669600"/>
-          </a:xfrm>
-          <a:prstGeom prst="rect">
-            <a:avLst/>
-          </a:prstGeom>
-        </p:spPr>
-      </p:pic>
-      <p:sp>
-        <p:nvSpPr>
-          <p:cNvPr id="94" name="TextBox 93"/>
-          <p:cNvSpPr txBox="1"/>
-          <p:nvPr/>
-        </p:nvSpPr>
-        <p:spPr>
-          <a:xfrm flipH="1">
-            <a:off x="3612937" y="5498790"/>
-            <a:ext cx="1516693" cy="323165"/>
-          </a:xfrm>
-          <a:prstGeom prst="rect">
-            <a:avLst/>
-          </a:prstGeom>
-          <a:noFill/>
-        </p:spPr>
-        <p:txBody>
-          <a:bodyPr wrap="square" rtlCol="0">
-            <a:spAutoFit/>
-          </a:bodyPr>
-          <a:lstStyle/>
-          <a:p>
-            <a:pPr algn="ctr"/>
-            <a:r>
-              <a:rPr lang="en-US" sz="1500" dirty="0" smtClean="0">
-                <a:latin typeface="Courier New" charset="0"/>
-                <a:ea typeface="Courier New" charset="0"/>
-                <a:cs typeface="Courier New" charset="0"/>
-              </a:rPr>
-              <a:t>Plain Text</a:t>
-            </a:r>
-            <a:endParaRPr lang="en-US" sz="1500" dirty="0">
-              <a:latin typeface="Courier New" charset="0"/>
-              <a:ea typeface="Courier New" charset="0"/>
-              <a:cs typeface="Courier New" charset="0"/>
-            </a:endParaRPr>
-          </a:p>
-        </p:txBody>
-      </p:sp>
-      <p:sp>
-        <p:nvSpPr>
-          <p:cNvPr id="95" name="TextBox 94"/>
-          <p:cNvSpPr txBox="1"/>
-          <p:nvPr/>
-        </p:nvSpPr>
-        <p:spPr>
-          <a:xfrm flipH="1">
-            <a:off x="7915213" y="5615072"/>
-            <a:ext cx="1555949" cy="369332"/>
-          </a:xfrm>
-          <a:prstGeom prst="rect">
-            <a:avLst/>
-          </a:prstGeom>
-          <a:noFill/>
-        </p:spPr>
-        <p:txBody>
-          <a:bodyPr wrap="square" rtlCol="0">
-            <a:spAutoFit/>
-          </a:bodyPr>
-          <a:lstStyle/>
-          <a:p>
-            <a:pPr algn="ctr"/>
-            <a:r>
-              <a:rPr lang="en-US" dirty="0" smtClean="0">
-                <a:latin typeface="Courier New" charset="0"/>
-                <a:ea typeface="Courier New" charset="0"/>
-                <a:cs typeface="Courier New" charset="0"/>
-              </a:rPr>
-              <a:t>Blog Post</a:t>
-            </a:r>
-          </a:p>
-        </p:txBody>
-      </p:sp>
-      <p:cxnSp>
-        <p:nvCxnSpPr>
-          <p:cNvPr id="96" name="Straight Arrow Connector 95"/>
+          <p:cNvPr id="107" name="Straight Connector 106"/>
           <p:cNvCxnSpPr>
-            <a:endCxn id="58" idx="2"/>
+            <a:stCxn id="25" idx="3"/>
+            <a:endCxn id="26" idx="0"/>
           </p:cNvCxnSpPr>
           <p:nvPr/>
         </p:nvCxnSpPr>
         <p:spPr>
-          <a:xfrm flipH="1" flipV="1">
-            <a:off x="8665300" y="2768989"/>
-            <a:ext cx="1" cy="1995527"/>
-          </a:xfrm>
-          <a:prstGeom prst="straightConnector1">
-            <a:avLst/>
-          </a:prstGeom>
-          <a:ln w="57150">
-            <a:tailEnd type="triangle"/>
-          </a:ln>
-        </p:spPr>
-        <p:style>
-          <a:lnRef idx="1">
-            <a:schemeClr val="accent1"/>
-          </a:lnRef>
-          <a:fillRef idx="0">
-            <a:schemeClr val="accent1"/>
-          </a:fillRef>
-          <a:effectRef idx="0">
-            <a:schemeClr val="accent1"/>
-          </a:effectRef>
-          <a:fontRef idx="minor">
-            <a:schemeClr val="tx1"/>
-          </a:fontRef>
-        </p:style>
-      </p:cxnSp>
-      <p:pic>
-        <p:nvPicPr>
-          <p:cNvPr id="7" name="Picture 6"/>
-          <p:cNvPicPr>
-            <a:picLocks noChangeAspect="1"/>
-          </p:cNvPicPr>
-          <p:nvPr/>
-        </p:nvPicPr>
-        <p:blipFill>
-          <a:blip r:embed="rId9">
-            <a:extLst>
-              <a:ext uri="{28A0092B-C50C-407E-A947-70E740481C1C}">
-                <a14:useLocalDpi xmlns:a14="http://schemas.microsoft.com/office/drawing/2010/main" val="0"/>
-              </a:ext>
-            </a:extLst>
-          </a:blip>
-          <a:stretch>
-            <a:fillRect/>
-          </a:stretch>
-        </p:blipFill>
-        <p:spPr>
-          <a:xfrm rot="10800000" flipV="1">
-            <a:off x="8358096" y="3355716"/>
-            <a:ext cx="668725" cy="668725"/>
-          </a:xfrm>
-          <a:prstGeom prst="rect">
-            <a:avLst/>
-          </a:prstGeom>
-        </p:spPr>
-      </p:pic>
-      <p:sp>
-        <p:nvSpPr>
-          <p:cNvPr id="104" name="TextBox 103"/>
-          <p:cNvSpPr txBox="1"/>
-          <p:nvPr/>
-        </p:nvSpPr>
-        <p:spPr>
           <a:xfrm flipH="1">
-            <a:off x="2164080" y="5615072"/>
-            <a:ext cx="1673676" cy="369332"/>
-          </a:xfrm>
-          <a:prstGeom prst="rect">
-            <a:avLst/>
-          </a:prstGeom>
-          <a:noFill/>
-        </p:spPr>
-        <p:txBody>
-          <a:bodyPr wrap="square" rtlCol="0">
-            <a:spAutoFit/>
-          </a:bodyPr>
-          <a:lstStyle/>
-          <a:p>
-            <a:pPr algn="ctr"/>
-            <a:r>
-              <a:rPr lang="en-US" dirty="0" smtClean="0">
-                <a:latin typeface="Courier New" charset="0"/>
-                <a:ea typeface="Courier New" charset="0"/>
-                <a:cs typeface="Courier New" charset="0"/>
-              </a:rPr>
-              <a:t>Confluence</a:t>
-            </a:r>
-          </a:p>
-        </p:txBody>
-      </p:sp>
-      <p:sp>
-        <p:nvSpPr>
-          <p:cNvPr id="105" name="TextBox 104"/>
-          <p:cNvSpPr txBox="1"/>
-          <p:nvPr/>
-        </p:nvSpPr>
-        <p:spPr>
-          <a:xfrm>
-            <a:off x="4945367" y="1259172"/>
-            <a:ext cx="1924284" cy="369332"/>
-          </a:xfrm>
-          <a:prstGeom prst="rect">
-            <a:avLst/>
-          </a:prstGeom>
-          <a:noFill/>
-        </p:spPr>
-        <p:txBody>
-          <a:bodyPr wrap="square" rtlCol="0">
-            <a:spAutoFit/>
-          </a:bodyPr>
-          <a:lstStyle/>
-          <a:p>
-            <a:pPr algn="ctr"/>
-            <a:r>
-              <a:rPr lang="en-US" dirty="0" smtClean="0">
-                <a:latin typeface="Courier New" charset="0"/>
-                <a:ea typeface="Courier New" charset="0"/>
-                <a:cs typeface="Courier New" charset="0"/>
-              </a:rPr>
-              <a:t>Mail Server</a:t>
-            </a:r>
-            <a:endParaRPr lang="en-US" dirty="0">
-              <a:latin typeface="Courier New" charset="0"/>
-              <a:ea typeface="Courier New" charset="0"/>
-              <a:cs typeface="Courier New" charset="0"/>
-            </a:endParaRPr>
-          </a:p>
-        </p:txBody>
-      </p:sp>
-      <p:cxnSp>
-        <p:nvCxnSpPr>
-          <p:cNvPr id="107" name="Straight Connector 106"/>
-          <p:cNvCxnSpPr/>
-          <p:nvPr/>
-        </p:nvCxnSpPr>
-        <p:spPr>
-          <a:xfrm flipH="1">
-            <a:off x="3541582" y="985765"/>
-            <a:ext cx="1738696" cy="834795"/>
+            <a:off x="3331578" y="582468"/>
+            <a:ext cx="2428626" cy="593933"/>
           </a:xfrm>
           <a:prstGeom prst="line">
             <a:avLst/>
@@ -4204,69 +8257,184 @@
           </a:fontRef>
         </p:style>
       </p:cxnSp>
-      <p:cxnSp>
-        <p:nvCxnSpPr>
-          <p:cNvPr id="110" name="Straight Connector 109"/>
-          <p:cNvCxnSpPr/>
+      <p:grpSp>
+        <p:nvGrpSpPr>
+          <p:cNvPr id="221" name="Group 220"/>
+          <p:cNvGrpSpPr/>
           <p:nvPr/>
-        </p:nvCxnSpPr>
-        <p:spPr>
+        </p:nvGrpSpPr>
+        <p:grpSpPr>
           <a:xfrm>
-            <a:off x="6348038" y="985765"/>
-            <a:ext cx="1818316" cy="764501"/>
+            <a:off x="2425111" y="1176401"/>
+            <a:ext cx="1800000" cy="3569338"/>
+            <a:chOff x="2353673" y="1114833"/>
+            <a:chExt cx="1800000" cy="3569338"/>
           </a:xfrm>
-          <a:prstGeom prst="line">
-            <a:avLst/>
-          </a:prstGeom>
-          <a:ln>
-            <a:prstDash val="lgDash"/>
-          </a:ln>
-        </p:spPr>
-        <p:style>
-          <a:lnRef idx="1">
-            <a:schemeClr val="accent1"/>
-          </a:lnRef>
-          <a:fillRef idx="0">
-            <a:schemeClr val="accent1"/>
-          </a:fillRef>
-          <a:effectRef idx="0">
-            <a:schemeClr val="accent1"/>
-          </a:effectRef>
-          <a:fontRef idx="minor">
-            <a:schemeClr val="tx1"/>
-          </a:fontRef>
-        </p:style>
-      </p:cxnSp>
-      <p:pic>
-        <p:nvPicPr>
-          <p:cNvPr id="114" name="Picture 113"/>
-          <p:cNvPicPr>
-            <a:picLocks noChangeAspect="1"/>
-          </p:cNvPicPr>
-          <p:nvPr/>
-        </p:nvPicPr>
-        <p:blipFill>
-          <a:blip r:embed="rId9">
-            <a:extLst>
-              <a:ext uri="{28A0092B-C50C-407E-A947-70E740481C1C}">
-                <a14:useLocalDpi xmlns:a14="http://schemas.microsoft.com/office/drawing/2010/main" val="0"/>
-              </a:ext>
-            </a:extLst>
-          </a:blip>
-          <a:stretch>
-            <a:fillRect/>
-          </a:stretch>
-        </p:blipFill>
-        <p:spPr>
-          <a:xfrm rot="10800000" flipV="1">
-            <a:off x="2659983" y="3359915"/>
-            <a:ext cx="668725" cy="668725"/>
-          </a:xfrm>
-          <a:prstGeom prst="rect">
-            <a:avLst/>
-          </a:prstGeom>
-        </p:spPr>
-      </p:pic>
+        </p:grpSpPr>
+        <p:pic>
+          <p:nvPicPr>
+            <p:cNvPr id="5" name="Picture 4"/>
+            <p:cNvPicPr>
+              <a:picLocks noChangeAspect="1"/>
+            </p:cNvPicPr>
+            <p:nvPr/>
+          </p:nvPicPr>
+          <p:blipFill>
+            <a:blip r:embed="rId5">
+              <a:extLst>
+                <a:ext uri="{28A0092B-C50C-407E-A947-70E740481C1C}">
+                  <a14:useLocalDpi xmlns:a14="http://schemas.microsoft.com/office/drawing/2010/main" val="0"/>
+                </a:ext>
+              </a:extLst>
+            </a:blip>
+            <a:stretch>
+              <a:fillRect/>
+            </a:stretch>
+          </p:blipFill>
+          <p:spPr>
+            <a:xfrm rot="10800000" flipV="1">
+              <a:off x="2853741" y="3497693"/>
+              <a:ext cx="812800" cy="812800"/>
+            </a:xfrm>
+            <a:prstGeom prst="rect">
+              <a:avLst/>
+            </a:prstGeom>
+          </p:spPr>
+        </p:pic>
+        <p:pic>
+          <p:nvPicPr>
+            <p:cNvPr id="26" name="Picture 25"/>
+            <p:cNvPicPr>
+              <a:picLocks noChangeAspect="1"/>
+            </p:cNvPicPr>
+            <p:nvPr/>
+          </p:nvPicPr>
+          <p:blipFill>
+            <a:blip r:embed="rId3">
+              <a:extLst>
+                <a:ext uri="{28A0092B-C50C-407E-A947-70E740481C1C}">
+                  <a14:useLocalDpi xmlns:a14="http://schemas.microsoft.com/office/drawing/2010/main" val="0"/>
+                </a:ext>
+              </a:extLst>
+            </a:blip>
+            <a:stretch>
+              <a:fillRect/>
+            </a:stretch>
+          </p:blipFill>
+          <p:spPr>
+            <a:xfrm>
+              <a:off x="2853740" y="1114833"/>
+              <a:ext cx="812800" cy="812800"/>
+            </a:xfrm>
+            <a:prstGeom prst="rect">
+              <a:avLst/>
+            </a:prstGeom>
+          </p:spPr>
+        </p:pic>
+        <p:sp>
+          <p:nvSpPr>
+            <p:cNvPr id="57" name="TextBox 56"/>
+            <p:cNvSpPr txBox="1"/>
+            <p:nvPr/>
+          </p:nvSpPr>
+          <p:spPr>
+            <a:xfrm>
+              <a:off x="2597952" y="1869400"/>
+              <a:ext cx="1311442" cy="369332"/>
+            </a:xfrm>
+            <a:prstGeom prst="rect">
+              <a:avLst/>
+            </a:prstGeom>
+            <a:noFill/>
+          </p:spPr>
+          <p:txBody>
+            <a:bodyPr wrap="square" rtlCol="0">
+              <a:spAutoFit/>
+            </a:bodyPr>
+            <a:lstStyle/>
+            <a:p>
+              <a:pPr algn="ctr"/>
+              <a:r>
+                <a:rPr lang="en-US" dirty="0" smtClean="0">
+                  <a:latin typeface="Courier New" charset="0"/>
+                  <a:ea typeface="Courier New" charset="0"/>
+                  <a:cs typeface="Courier New" charset="0"/>
+                </a:rPr>
+                <a:t>INBOX</a:t>
+              </a:r>
+              <a:endParaRPr lang="en-US" dirty="0">
+                <a:latin typeface="Courier New" charset="0"/>
+                <a:ea typeface="Courier New" charset="0"/>
+                <a:cs typeface="Courier New" charset="0"/>
+              </a:endParaRPr>
+            </a:p>
+          </p:txBody>
+        </p:sp>
+        <p:sp>
+          <p:nvSpPr>
+            <p:cNvPr id="104" name="TextBox 103"/>
+            <p:cNvSpPr txBox="1"/>
+            <p:nvPr/>
+          </p:nvSpPr>
+          <p:spPr>
+            <a:xfrm flipH="1">
+              <a:off x="2353673" y="4313371"/>
+              <a:ext cx="1800000" cy="370800"/>
+            </a:xfrm>
+            <a:prstGeom prst="rect">
+              <a:avLst/>
+            </a:prstGeom>
+            <a:noFill/>
+          </p:spPr>
+          <p:txBody>
+            <a:bodyPr wrap="square" rtlCol="0">
+              <a:spAutoFit/>
+            </a:bodyPr>
+            <a:lstStyle/>
+            <a:p>
+              <a:pPr algn="ctr"/>
+              <a:r>
+                <a:rPr lang="en-US" dirty="0" smtClean="0">
+                  <a:latin typeface="Courier New" charset="0"/>
+                  <a:ea typeface="Courier New" charset="0"/>
+                  <a:cs typeface="Courier New" charset="0"/>
+                </a:rPr>
+                <a:t>Confluence</a:t>
+              </a:r>
+            </a:p>
+          </p:txBody>
+        </p:sp>
+        <p:pic>
+          <p:nvPicPr>
+            <p:cNvPr id="114" name="Picture 113"/>
+            <p:cNvPicPr>
+              <a:picLocks noChangeAspect="1"/>
+            </p:cNvPicPr>
+            <p:nvPr/>
+          </p:nvPicPr>
+          <p:blipFill>
+            <a:blip r:embed="rId4">
+              <a:extLst>
+                <a:ext uri="{28A0092B-C50C-407E-A947-70E740481C1C}">
+                  <a14:useLocalDpi xmlns:a14="http://schemas.microsoft.com/office/drawing/2010/main" val="0"/>
+                </a:ext>
+              </a:extLst>
+            </a:blip>
+            <a:stretch>
+              <a:fillRect/>
+            </a:stretch>
+          </p:blipFill>
+          <p:spPr>
+            <a:xfrm rot="10800000" flipV="1">
+              <a:off x="2925778" y="2498405"/>
+              <a:ext cx="668725" cy="668725"/>
+            </a:xfrm>
+            <a:prstGeom prst="rect">
+              <a:avLst/>
+            </a:prstGeom>
+          </p:spPr>
+        </p:pic>
+      </p:grpSp>
       <p:sp>
         <p:nvSpPr>
           <p:cNvPr id="180" name="TextBox 179"/>
@@ -4275,7 +8443,7 @@
         </p:nvSpPr>
         <p:spPr>
           <a:xfrm>
-            <a:off x="2164080" y="6109091"/>
+            <a:off x="2425111" y="6442119"/>
             <a:ext cx="7279194" cy="253916"/>
           </a:xfrm>
           <a:prstGeom prst="rect">
@@ -4327,7 +8495,7 @@
                 <a:latin typeface="Calibri" charset="0"/>
                 <a:ea typeface="Calibri" charset="0"/>
                 <a:cs typeface="Calibri" charset="0"/>
-                <a:hlinkClick r:id="rId10"/>
+                <a:hlinkClick r:id="rId6"/>
               </a:rPr>
               <a:t>https://www.elegantthemes.com/blog/freebie-of-the-week/beautiful-flat-icons-for-free</a:t>
             </a:r>
@@ -4344,7 +8512,7 @@
                 <a:latin typeface="Calibri" charset="0"/>
                 <a:ea typeface="Calibri" charset="0"/>
                 <a:cs typeface="Calibri" charset="0"/>
-                <a:hlinkClick r:id="rId11"/>
+                <a:hlinkClick r:id="rId7"/>
               </a:rPr>
               <a:t>GPLv2</a:t>
             </a:r>
@@ -4356,6 +8524,899 @@
           </a:p>
         </p:txBody>
       </p:sp>
+      <p:grpSp>
+        <p:nvGrpSpPr>
+          <p:cNvPr id="342" name="Group 341"/>
+          <p:cNvGrpSpPr/>
+          <p:nvPr/>
+        </p:nvGrpSpPr>
+        <p:grpSpPr>
+          <a:xfrm>
+            <a:off x="3799919" y="2602090"/>
+            <a:ext cx="1938752" cy="2764423"/>
+            <a:chOff x="3799919" y="2602090"/>
+            <a:chExt cx="1938752" cy="2764423"/>
+          </a:xfrm>
+        </p:grpSpPr>
+        <p:cxnSp>
+          <p:nvCxnSpPr>
+            <p:cNvPr id="337" name="Straight Arrow Connector 336"/>
+            <p:cNvCxnSpPr/>
+            <p:nvPr/>
+          </p:nvCxnSpPr>
+          <p:spPr>
+            <a:xfrm flipV="1">
+              <a:off x="3799919" y="2602090"/>
+              <a:ext cx="1934036" cy="1244644"/>
+            </a:xfrm>
+            <a:prstGeom prst="straightConnector1">
+              <a:avLst/>
+            </a:prstGeom>
+            <a:ln w="57150">
+              <a:tailEnd type="triangle"/>
+            </a:ln>
+          </p:spPr>
+          <p:style>
+            <a:lnRef idx="1">
+              <a:schemeClr val="accent1"/>
+            </a:lnRef>
+            <a:fillRef idx="0">
+              <a:schemeClr val="accent1"/>
+            </a:fillRef>
+            <a:effectRef idx="0">
+              <a:schemeClr val="accent1"/>
+            </a:effectRef>
+            <a:fontRef idx="minor">
+              <a:schemeClr val="tx1"/>
+            </a:fontRef>
+          </p:style>
+        </p:cxnSp>
+        <p:cxnSp>
+          <p:nvCxnSpPr>
+            <p:cNvPr id="85" name="Straight Arrow Connector 84"/>
+            <p:cNvCxnSpPr/>
+            <p:nvPr/>
+          </p:nvCxnSpPr>
+          <p:spPr>
+            <a:xfrm>
+              <a:off x="3850814" y="3973398"/>
+              <a:ext cx="1787350" cy="965"/>
+            </a:xfrm>
+            <a:prstGeom prst="straightConnector1">
+              <a:avLst/>
+            </a:prstGeom>
+            <a:ln w="57150">
+              <a:tailEnd type="triangle"/>
+            </a:ln>
+          </p:spPr>
+          <p:style>
+            <a:lnRef idx="1">
+              <a:schemeClr val="accent1"/>
+            </a:lnRef>
+            <a:fillRef idx="0">
+              <a:schemeClr val="accent1"/>
+            </a:fillRef>
+            <a:effectRef idx="0">
+              <a:schemeClr val="accent1"/>
+            </a:effectRef>
+            <a:fontRef idx="minor">
+              <a:schemeClr val="tx1"/>
+            </a:fontRef>
+          </p:style>
+        </p:cxnSp>
+        <p:cxnSp>
+          <p:nvCxnSpPr>
+            <p:cNvPr id="69" name="Straight Arrow Connector 68"/>
+            <p:cNvCxnSpPr/>
+            <p:nvPr/>
+          </p:nvCxnSpPr>
+          <p:spPr>
+            <a:xfrm>
+              <a:off x="3804635" y="4121869"/>
+              <a:ext cx="1934036" cy="1244644"/>
+            </a:xfrm>
+            <a:prstGeom prst="straightConnector1">
+              <a:avLst/>
+            </a:prstGeom>
+            <a:ln w="57150">
+              <a:tailEnd type="triangle"/>
+            </a:ln>
+          </p:spPr>
+          <p:style>
+            <a:lnRef idx="1">
+              <a:schemeClr val="accent1"/>
+            </a:lnRef>
+            <a:fillRef idx="0">
+              <a:schemeClr val="accent1"/>
+            </a:fillRef>
+            <a:effectRef idx="0">
+              <a:schemeClr val="accent1"/>
+            </a:effectRef>
+            <a:fontRef idx="minor">
+              <a:schemeClr val="tx1"/>
+            </a:fontRef>
+          </p:style>
+        </p:cxnSp>
+      </p:grpSp>
+      <p:grpSp>
+        <p:nvGrpSpPr>
+          <p:cNvPr id="219" name="Group 218"/>
+          <p:cNvGrpSpPr/>
+          <p:nvPr/>
+        </p:nvGrpSpPr>
+        <p:grpSpPr>
+          <a:xfrm>
+            <a:off x="5230991" y="176068"/>
+            <a:ext cx="1871226" cy="6335799"/>
+            <a:chOff x="5160387" y="114500"/>
+            <a:chExt cx="1871226" cy="6335799"/>
+          </a:xfrm>
+        </p:grpSpPr>
+        <p:pic>
+          <p:nvPicPr>
+            <p:cNvPr id="25" name="Picture 24"/>
+            <p:cNvPicPr>
+              <a:picLocks noChangeAspect="1"/>
+            </p:cNvPicPr>
+            <p:nvPr/>
+          </p:nvPicPr>
+          <p:blipFill>
+            <a:blip r:embed="rId8">
+              <a:extLst>
+                <a:ext uri="{28A0092B-C50C-407E-A947-70E740481C1C}">
+                  <a14:useLocalDpi xmlns:a14="http://schemas.microsoft.com/office/drawing/2010/main" val="0"/>
+                </a:ext>
+              </a:extLst>
+            </a:blip>
+            <a:stretch>
+              <a:fillRect/>
+            </a:stretch>
+          </p:blipFill>
+          <p:spPr>
+            <a:xfrm rot="10800000" flipV="1">
+              <a:off x="5689600" y="114500"/>
+              <a:ext cx="812800" cy="812800"/>
+            </a:xfrm>
+            <a:prstGeom prst="rect">
+              <a:avLst/>
+            </a:prstGeom>
+          </p:spPr>
+        </p:pic>
+        <p:pic>
+          <p:nvPicPr>
+            <p:cNvPr id="41" name="Picture 40"/>
+            <p:cNvPicPr>
+              <a:picLocks noChangeAspect="1"/>
+            </p:cNvPicPr>
+            <p:nvPr/>
+          </p:nvPicPr>
+          <p:blipFill>
+            <a:blip r:embed="rId9">
+              <a:extLst>
+                <a:ext uri="{28A0092B-C50C-407E-A947-70E740481C1C}">
+                  <a14:useLocalDpi xmlns:a14="http://schemas.microsoft.com/office/drawing/2010/main" val="0"/>
+                </a:ext>
+              </a:extLst>
+            </a:blip>
+            <a:stretch>
+              <a:fillRect/>
+            </a:stretch>
+          </p:blipFill>
+          <p:spPr>
+            <a:xfrm>
+              <a:off x="5689600" y="1951831"/>
+              <a:ext cx="812800" cy="812800"/>
+            </a:xfrm>
+            <a:prstGeom prst="rect">
+              <a:avLst/>
+            </a:prstGeom>
+          </p:spPr>
+        </p:pic>
+        <p:sp>
+          <p:nvSpPr>
+            <p:cNvPr id="65" name="TextBox 64"/>
+            <p:cNvSpPr txBox="1"/>
+            <p:nvPr/>
+          </p:nvSpPr>
+          <p:spPr>
+            <a:xfrm>
+              <a:off x="5414979" y="2699156"/>
+              <a:ext cx="1352836" cy="646331"/>
+            </a:xfrm>
+            <a:prstGeom prst="rect">
+              <a:avLst/>
+            </a:prstGeom>
+            <a:noFill/>
+          </p:spPr>
+          <p:txBody>
+            <a:bodyPr wrap="square" rtlCol="0">
+              <a:spAutoFit/>
+            </a:bodyPr>
+            <a:lstStyle/>
+            <a:p>
+              <a:pPr algn="ctr"/>
+              <a:r>
+                <a:rPr lang="en-US" dirty="0" smtClean="0">
+                  <a:latin typeface="Courier New" charset="0"/>
+                  <a:ea typeface="Courier New" charset="0"/>
+                  <a:cs typeface="Courier New" charset="0"/>
+                </a:rPr>
+                <a:t>HTML-Filter</a:t>
+              </a:r>
+              <a:endParaRPr lang="en-US" dirty="0">
+                <a:latin typeface="Courier New" charset="0"/>
+                <a:ea typeface="Courier New" charset="0"/>
+                <a:cs typeface="Courier New" charset="0"/>
+              </a:endParaRPr>
+            </a:p>
+          </p:txBody>
+        </p:sp>
+        <p:sp>
+          <p:nvSpPr>
+            <p:cNvPr id="105" name="TextBox 104"/>
+            <p:cNvSpPr txBox="1"/>
+            <p:nvPr/>
+          </p:nvSpPr>
+          <p:spPr>
+            <a:xfrm>
+              <a:off x="5196765" y="915135"/>
+              <a:ext cx="1798470" cy="369332"/>
+            </a:xfrm>
+            <a:prstGeom prst="rect">
+              <a:avLst/>
+            </a:prstGeom>
+            <a:noFill/>
+          </p:spPr>
+          <p:txBody>
+            <a:bodyPr wrap="square" rtlCol="0">
+              <a:spAutoFit/>
+            </a:bodyPr>
+            <a:lstStyle/>
+            <a:p>
+              <a:pPr algn="ctr"/>
+              <a:r>
+                <a:rPr lang="en-US" dirty="0" smtClean="0">
+                  <a:latin typeface="Courier New" charset="0"/>
+                  <a:ea typeface="Courier New" charset="0"/>
+                  <a:cs typeface="Courier New" charset="0"/>
+                </a:rPr>
+                <a:t>Mail-Server</a:t>
+              </a:r>
+              <a:endParaRPr lang="en-US" dirty="0">
+                <a:latin typeface="Courier New" charset="0"/>
+                <a:ea typeface="Courier New" charset="0"/>
+                <a:cs typeface="Courier New" charset="0"/>
+              </a:endParaRPr>
+            </a:p>
+          </p:txBody>
+        </p:sp>
+        <p:pic>
+          <p:nvPicPr>
+            <p:cNvPr id="49" name="Picture 48"/>
+            <p:cNvPicPr>
+              <a:picLocks noChangeAspect="1"/>
+            </p:cNvPicPr>
+            <p:nvPr/>
+          </p:nvPicPr>
+          <p:blipFill>
+            <a:blip r:embed="rId10">
+              <a:extLst>
+                <a:ext uri="{28A0092B-C50C-407E-A947-70E740481C1C}">
+                  <a14:useLocalDpi xmlns:a14="http://schemas.microsoft.com/office/drawing/2010/main" val="0"/>
+                </a:ext>
+              </a:extLst>
+            </a:blip>
+            <a:stretch>
+              <a:fillRect/>
+            </a:stretch>
+          </p:blipFill>
+          <p:spPr>
+            <a:xfrm>
+              <a:off x="5689600" y="3492668"/>
+              <a:ext cx="812800" cy="812800"/>
+            </a:xfrm>
+            <a:prstGeom prst="rect">
+              <a:avLst/>
+            </a:prstGeom>
+          </p:spPr>
+        </p:pic>
+        <p:sp>
+          <p:nvSpPr>
+            <p:cNvPr id="93" name="TextBox 92"/>
+            <p:cNvSpPr txBox="1"/>
+            <p:nvPr/>
+          </p:nvSpPr>
+          <p:spPr>
+            <a:xfrm>
+              <a:off x="5567560" y="4277090"/>
+              <a:ext cx="1047675" cy="646331"/>
+            </a:xfrm>
+            <a:prstGeom prst="rect">
+              <a:avLst/>
+            </a:prstGeom>
+            <a:noFill/>
+          </p:spPr>
+          <p:txBody>
+            <a:bodyPr wrap="square" rtlCol="0">
+              <a:spAutoFit/>
+            </a:bodyPr>
+            <a:lstStyle/>
+            <a:p>
+              <a:pPr algn="ctr"/>
+              <a:r>
+                <a:rPr lang="en-US" dirty="0" smtClean="0">
+                  <a:latin typeface="Courier New" charset="0"/>
+                  <a:ea typeface="Courier New" charset="0"/>
+                  <a:cs typeface="Courier New" charset="0"/>
+                </a:rPr>
+                <a:t>HTML-Encode</a:t>
+              </a:r>
+              <a:endParaRPr lang="en-US" dirty="0">
+                <a:latin typeface="Courier New" charset="0"/>
+                <a:ea typeface="Courier New" charset="0"/>
+                <a:cs typeface="Courier New" charset="0"/>
+              </a:endParaRPr>
+            </a:p>
+          </p:txBody>
+        </p:sp>
+        <p:pic>
+          <p:nvPicPr>
+            <p:cNvPr id="108" name="Picture 107"/>
+            <p:cNvPicPr>
+              <a:picLocks noChangeAspect="1"/>
+            </p:cNvPicPr>
+            <p:nvPr/>
+          </p:nvPicPr>
+          <p:blipFill>
+            <a:blip r:embed="rId11">
+              <a:extLst>
+                <a:ext uri="{28A0092B-C50C-407E-A947-70E740481C1C}">
+                  <a14:useLocalDpi xmlns:a14="http://schemas.microsoft.com/office/drawing/2010/main" val="0"/>
+                </a:ext>
+              </a:extLst>
+            </a:blip>
+            <a:stretch>
+              <a:fillRect/>
+            </a:stretch>
+          </p:blipFill>
+          <p:spPr>
+            <a:xfrm>
+              <a:off x="5689600" y="5033505"/>
+              <a:ext cx="812800" cy="812800"/>
+            </a:xfrm>
+            <a:prstGeom prst="rect">
+              <a:avLst/>
+            </a:prstGeom>
+          </p:spPr>
+        </p:pic>
+        <p:sp>
+          <p:nvSpPr>
+            <p:cNvPr id="111" name="TextBox 110"/>
+            <p:cNvSpPr txBox="1"/>
+            <p:nvPr/>
+          </p:nvSpPr>
+          <p:spPr>
+            <a:xfrm>
+              <a:off x="5160387" y="5803968"/>
+              <a:ext cx="1871226" cy="646331"/>
+            </a:xfrm>
+            <a:prstGeom prst="rect">
+              <a:avLst/>
+            </a:prstGeom>
+            <a:noFill/>
+          </p:spPr>
+          <p:txBody>
+            <a:bodyPr wrap="square" rtlCol="0">
+              <a:spAutoFit/>
+            </a:bodyPr>
+            <a:lstStyle/>
+            <a:p>
+              <a:pPr algn="ctr"/>
+              <a:r>
+                <a:rPr lang="en-US" dirty="0" err="1" smtClean="0">
+                  <a:latin typeface="Courier New" charset="0"/>
+                  <a:ea typeface="Courier New" charset="0"/>
+                  <a:cs typeface="Courier New" charset="0"/>
+                </a:rPr>
+                <a:t>Dateityp</a:t>
+              </a:r>
+              <a:r>
+                <a:rPr lang="en-US" dirty="0" smtClean="0">
+                  <a:latin typeface="Courier New" charset="0"/>
+                  <a:ea typeface="Courier New" charset="0"/>
+                  <a:cs typeface="Courier New" charset="0"/>
+                </a:rPr>
+                <a:t>-Filter</a:t>
+              </a:r>
+              <a:endParaRPr lang="en-US" dirty="0">
+                <a:latin typeface="Courier New" charset="0"/>
+                <a:ea typeface="Courier New" charset="0"/>
+                <a:cs typeface="Courier New" charset="0"/>
+              </a:endParaRPr>
+            </a:p>
+          </p:txBody>
+        </p:sp>
+      </p:grpSp>
+      <p:grpSp>
+        <p:nvGrpSpPr>
+          <p:cNvPr id="222" name="Group 221"/>
+          <p:cNvGrpSpPr/>
+          <p:nvPr/>
+        </p:nvGrpSpPr>
+        <p:grpSpPr>
+          <a:xfrm>
+            <a:off x="6558092" y="2322573"/>
+            <a:ext cx="1540800" cy="3308207"/>
+            <a:chOff x="6454852" y="2235377"/>
+            <a:chExt cx="1541331" cy="3308207"/>
+          </a:xfrm>
+        </p:grpSpPr>
+        <p:pic>
+          <p:nvPicPr>
+            <p:cNvPr id="54" name="Picture 53"/>
+            <p:cNvPicPr>
+              <a:picLocks noChangeAspect="1"/>
+            </p:cNvPicPr>
+            <p:nvPr/>
+          </p:nvPicPr>
+          <p:blipFill>
+            <a:blip r:embed="rId12">
+              <a:extLst>
+                <a:ext uri="{28A0092B-C50C-407E-A947-70E740481C1C}">
+                  <a14:useLocalDpi xmlns:a14="http://schemas.microsoft.com/office/drawing/2010/main" val="0"/>
+                </a:ext>
+              </a:extLst>
+            </a:blip>
+            <a:stretch>
+              <a:fillRect/>
+            </a:stretch>
+          </p:blipFill>
+          <p:spPr>
+            <a:xfrm rot="10800000" flipH="1" flipV="1">
+              <a:off x="6878399" y="2512693"/>
+              <a:ext cx="669600" cy="669600"/>
+            </a:xfrm>
+            <a:prstGeom prst="rect">
+              <a:avLst/>
+            </a:prstGeom>
+          </p:spPr>
+        </p:pic>
+        <p:sp>
+          <p:nvSpPr>
+            <p:cNvPr id="84" name="TextBox 83"/>
+            <p:cNvSpPr txBox="1"/>
+            <p:nvPr/>
+          </p:nvSpPr>
+          <p:spPr>
+            <a:xfrm flipH="1">
+              <a:off x="6820764" y="2235377"/>
+              <a:ext cx="804937" cy="323165"/>
+            </a:xfrm>
+            <a:prstGeom prst="rect">
+              <a:avLst/>
+            </a:prstGeom>
+            <a:noFill/>
+          </p:spPr>
+          <p:txBody>
+            <a:bodyPr wrap="square" rtlCol="0">
+              <a:spAutoFit/>
+            </a:bodyPr>
+            <a:lstStyle/>
+            <a:p>
+              <a:pPr algn="ctr"/>
+              <a:r>
+                <a:rPr lang="en-US" sz="1500" dirty="0" smtClean="0">
+                  <a:latin typeface="Courier New" charset="0"/>
+                  <a:ea typeface="Courier New" charset="0"/>
+                  <a:cs typeface="Courier New" charset="0"/>
+                </a:rPr>
+                <a:t>HTML</a:t>
+              </a:r>
+              <a:endParaRPr lang="en-US" sz="1500" dirty="0">
+                <a:latin typeface="Courier New" charset="0"/>
+                <a:ea typeface="Courier New" charset="0"/>
+                <a:cs typeface="Courier New" charset="0"/>
+              </a:endParaRPr>
+            </a:p>
+          </p:txBody>
+        </p:sp>
+        <p:sp>
+          <p:nvSpPr>
+            <p:cNvPr id="53" name="TextBox 52"/>
+            <p:cNvSpPr txBox="1"/>
+            <p:nvPr/>
+          </p:nvSpPr>
+          <p:spPr>
+            <a:xfrm flipH="1">
+              <a:off x="6454852" y="4181424"/>
+              <a:ext cx="1516693" cy="323165"/>
+            </a:xfrm>
+            <a:prstGeom prst="rect">
+              <a:avLst/>
+            </a:prstGeom>
+            <a:noFill/>
+          </p:spPr>
+          <p:txBody>
+            <a:bodyPr wrap="square" rtlCol="0">
+              <a:spAutoFit/>
+            </a:bodyPr>
+            <a:lstStyle/>
+            <a:p>
+              <a:pPr algn="ctr"/>
+              <a:r>
+                <a:rPr lang="en-US" sz="1500" dirty="0" smtClean="0">
+                  <a:latin typeface="Courier New" charset="0"/>
+                  <a:ea typeface="Courier New" charset="0"/>
+                  <a:cs typeface="Courier New" charset="0"/>
+                </a:rPr>
+                <a:t>HTML</a:t>
+              </a:r>
+              <a:endParaRPr lang="en-US" sz="1500" dirty="0">
+                <a:latin typeface="Courier New" charset="0"/>
+                <a:ea typeface="Courier New" charset="0"/>
+                <a:cs typeface="Courier New" charset="0"/>
+              </a:endParaRPr>
+            </a:p>
+          </p:txBody>
+        </p:sp>
+        <p:pic>
+          <p:nvPicPr>
+            <p:cNvPr id="73" name="Picture 72"/>
+            <p:cNvPicPr>
+              <a:picLocks noChangeAspect="1"/>
+            </p:cNvPicPr>
+            <p:nvPr/>
+          </p:nvPicPr>
+          <p:blipFill>
+            <a:blip r:embed="rId13">
+              <a:extLst>
+                <a:ext uri="{28A0092B-C50C-407E-A947-70E740481C1C}">
+                  <a14:useLocalDpi xmlns:a14="http://schemas.microsoft.com/office/drawing/2010/main" val="0"/>
+                </a:ext>
+              </a:extLst>
+            </a:blip>
+            <a:stretch>
+              <a:fillRect/>
+            </a:stretch>
+          </p:blipFill>
+          <p:spPr>
+            <a:xfrm flipH="1">
+              <a:off x="6893005" y="4628290"/>
+              <a:ext cx="669600" cy="669600"/>
+            </a:xfrm>
+            <a:prstGeom prst="rect">
+              <a:avLst/>
+            </a:prstGeom>
+          </p:spPr>
+        </p:pic>
+        <p:pic>
+          <p:nvPicPr>
+            <p:cNvPr id="52" name="Picture 51"/>
+            <p:cNvPicPr>
+              <a:picLocks noChangeAspect="1"/>
+            </p:cNvPicPr>
+            <p:nvPr/>
+          </p:nvPicPr>
+          <p:blipFill>
+            <a:blip r:embed="rId12">
+              <a:extLst>
+                <a:ext uri="{28A0092B-C50C-407E-A947-70E740481C1C}">
+                  <a14:useLocalDpi xmlns:a14="http://schemas.microsoft.com/office/drawing/2010/main" val="0"/>
+                </a:ext>
+              </a:extLst>
+            </a:blip>
+            <a:stretch>
+              <a:fillRect/>
+            </a:stretch>
+          </p:blipFill>
+          <p:spPr>
+            <a:xfrm rot="10800000" flipH="1" flipV="1">
+              <a:off x="6893005" y="3563348"/>
+              <a:ext cx="669600" cy="669600"/>
+            </a:xfrm>
+            <a:prstGeom prst="rect">
+              <a:avLst/>
+            </a:prstGeom>
+          </p:spPr>
+        </p:pic>
+        <p:sp>
+          <p:nvSpPr>
+            <p:cNvPr id="113" name="TextBox 112"/>
+            <p:cNvSpPr txBox="1"/>
+            <p:nvPr/>
+          </p:nvSpPr>
+          <p:spPr>
+            <a:xfrm flipH="1">
+              <a:off x="6479490" y="5220419"/>
+              <a:ext cx="1516693" cy="323165"/>
+            </a:xfrm>
+            <a:prstGeom prst="rect">
+              <a:avLst/>
+            </a:prstGeom>
+            <a:noFill/>
+          </p:spPr>
+          <p:txBody>
+            <a:bodyPr wrap="square" rtlCol="0">
+              <a:spAutoFit/>
+            </a:bodyPr>
+            <a:lstStyle/>
+            <a:p>
+              <a:pPr algn="ctr"/>
+              <a:r>
+                <a:rPr lang="en-US" sz="1500" dirty="0" err="1" smtClean="0">
+                  <a:latin typeface="Courier New" charset="0"/>
+                  <a:ea typeface="Courier New" charset="0"/>
+                  <a:cs typeface="Courier New" charset="0"/>
+                </a:rPr>
+                <a:t>Anhang</a:t>
+              </a:r>
+              <a:endParaRPr lang="en-US" sz="1500" dirty="0">
+                <a:latin typeface="Courier New" charset="0"/>
+                <a:ea typeface="Courier New" charset="0"/>
+                <a:cs typeface="Courier New" charset="0"/>
+              </a:endParaRPr>
+            </a:p>
+          </p:txBody>
+        </p:sp>
+      </p:grpSp>
+      <p:grpSp>
+        <p:nvGrpSpPr>
+          <p:cNvPr id="223" name="Group 222"/>
+          <p:cNvGrpSpPr/>
+          <p:nvPr/>
+        </p:nvGrpSpPr>
+        <p:grpSpPr>
+          <a:xfrm>
+            <a:off x="4231462" y="2322573"/>
+            <a:ext cx="1541331" cy="3308207"/>
+            <a:chOff x="4135843" y="2242801"/>
+            <a:chExt cx="1541331" cy="3308207"/>
+          </a:xfrm>
+        </p:grpSpPr>
+        <p:sp>
+          <p:nvSpPr>
+            <p:cNvPr id="211" name="TextBox 210"/>
+            <p:cNvSpPr txBox="1"/>
+            <p:nvPr/>
+          </p:nvSpPr>
+          <p:spPr>
+            <a:xfrm flipH="1">
+              <a:off x="4501755" y="2242801"/>
+              <a:ext cx="804937" cy="323165"/>
+            </a:xfrm>
+            <a:prstGeom prst="rect">
+              <a:avLst/>
+            </a:prstGeom>
+            <a:noFill/>
+          </p:spPr>
+          <p:txBody>
+            <a:bodyPr wrap="square" rtlCol="0">
+              <a:spAutoFit/>
+            </a:bodyPr>
+            <a:lstStyle/>
+            <a:p>
+              <a:pPr algn="ctr"/>
+              <a:r>
+                <a:rPr lang="en-US" sz="1500" dirty="0" smtClean="0">
+                  <a:latin typeface="Courier New" charset="0"/>
+                  <a:ea typeface="Courier New" charset="0"/>
+                  <a:cs typeface="Courier New" charset="0"/>
+                </a:rPr>
+                <a:t>HTML</a:t>
+              </a:r>
+              <a:endParaRPr lang="en-US" sz="1500" dirty="0">
+                <a:latin typeface="Courier New" charset="0"/>
+                <a:ea typeface="Courier New" charset="0"/>
+                <a:cs typeface="Courier New" charset="0"/>
+              </a:endParaRPr>
+            </a:p>
+          </p:txBody>
+        </p:sp>
+        <p:sp>
+          <p:nvSpPr>
+            <p:cNvPr id="212" name="TextBox 211"/>
+            <p:cNvSpPr txBox="1"/>
+            <p:nvPr/>
+          </p:nvSpPr>
+          <p:spPr>
+            <a:xfrm flipH="1">
+              <a:off x="4135843" y="4188848"/>
+              <a:ext cx="1516693" cy="323165"/>
+            </a:xfrm>
+            <a:prstGeom prst="rect">
+              <a:avLst/>
+            </a:prstGeom>
+            <a:noFill/>
+          </p:spPr>
+          <p:txBody>
+            <a:bodyPr wrap="square" rtlCol="0">
+              <a:spAutoFit/>
+            </a:bodyPr>
+            <a:lstStyle/>
+            <a:p>
+              <a:pPr algn="ctr"/>
+              <a:r>
+                <a:rPr lang="en-US" sz="1500" dirty="0" smtClean="0">
+                  <a:latin typeface="Courier New" charset="0"/>
+                  <a:ea typeface="Courier New" charset="0"/>
+                  <a:cs typeface="Courier New" charset="0"/>
+                </a:rPr>
+                <a:t>Text</a:t>
+              </a:r>
+              <a:endParaRPr lang="en-US" sz="1500" dirty="0">
+                <a:latin typeface="Courier New" charset="0"/>
+                <a:ea typeface="Courier New" charset="0"/>
+                <a:cs typeface="Courier New" charset="0"/>
+              </a:endParaRPr>
+            </a:p>
+          </p:txBody>
+        </p:sp>
+        <p:pic>
+          <p:nvPicPr>
+            <p:cNvPr id="213" name="Picture 212"/>
+            <p:cNvPicPr>
+              <a:picLocks noChangeAspect="1"/>
+            </p:cNvPicPr>
+            <p:nvPr/>
+          </p:nvPicPr>
+          <p:blipFill>
+            <a:blip r:embed="rId13">
+              <a:extLst>
+                <a:ext uri="{28A0092B-C50C-407E-A947-70E740481C1C}">
+                  <a14:useLocalDpi xmlns:a14="http://schemas.microsoft.com/office/drawing/2010/main" val="0"/>
+                </a:ext>
+              </a:extLst>
+            </a:blip>
+            <a:stretch>
+              <a:fillRect/>
+            </a:stretch>
+          </p:blipFill>
+          <p:spPr>
+            <a:xfrm flipH="1">
+              <a:off x="4573996" y="4635714"/>
+              <a:ext cx="669600" cy="669600"/>
+            </a:xfrm>
+            <a:prstGeom prst="rect">
+              <a:avLst/>
+            </a:prstGeom>
+          </p:spPr>
+        </p:pic>
+        <p:pic>
+          <p:nvPicPr>
+            <p:cNvPr id="214" name="Picture 213"/>
+            <p:cNvPicPr>
+              <a:picLocks noChangeAspect="1"/>
+            </p:cNvPicPr>
+            <p:nvPr/>
+          </p:nvPicPr>
+          <p:blipFill>
+            <a:blip r:embed="rId14">
+              <a:extLst>
+                <a:ext uri="{28A0092B-C50C-407E-A947-70E740481C1C}">
+                  <a14:useLocalDpi xmlns:a14="http://schemas.microsoft.com/office/drawing/2010/main" val="0"/>
+                </a:ext>
+              </a:extLst>
+            </a:blip>
+            <a:stretch>
+              <a:fillRect/>
+            </a:stretch>
+          </p:blipFill>
+          <p:spPr>
+            <a:xfrm rot="10800000" flipH="1" flipV="1">
+              <a:off x="4573996" y="3570772"/>
+              <a:ext cx="669600" cy="669600"/>
+            </a:xfrm>
+            <a:prstGeom prst="rect">
+              <a:avLst/>
+            </a:prstGeom>
+          </p:spPr>
+        </p:pic>
+        <p:sp>
+          <p:nvSpPr>
+            <p:cNvPr id="215" name="TextBox 214"/>
+            <p:cNvSpPr txBox="1"/>
+            <p:nvPr/>
+          </p:nvSpPr>
+          <p:spPr>
+            <a:xfrm flipH="1">
+              <a:off x="4160481" y="5227843"/>
+              <a:ext cx="1516693" cy="323165"/>
+            </a:xfrm>
+            <a:prstGeom prst="rect">
+              <a:avLst/>
+            </a:prstGeom>
+            <a:noFill/>
+          </p:spPr>
+          <p:txBody>
+            <a:bodyPr wrap="square" rtlCol="0">
+              <a:spAutoFit/>
+            </a:bodyPr>
+            <a:lstStyle/>
+            <a:p>
+              <a:pPr algn="ctr"/>
+              <a:r>
+                <a:rPr lang="en-US" sz="1500" dirty="0" err="1" smtClean="0">
+                  <a:latin typeface="Courier New" charset="0"/>
+                  <a:ea typeface="Courier New" charset="0"/>
+                  <a:cs typeface="Courier New" charset="0"/>
+                </a:rPr>
+                <a:t>Anhang</a:t>
+              </a:r>
+              <a:endParaRPr lang="en-US" sz="1500" dirty="0">
+                <a:latin typeface="Courier New" charset="0"/>
+                <a:ea typeface="Courier New" charset="0"/>
+                <a:cs typeface="Courier New" charset="0"/>
+              </a:endParaRPr>
+            </a:p>
+          </p:txBody>
+        </p:sp>
+        <p:pic>
+          <p:nvPicPr>
+            <p:cNvPr id="210" name="Picture 209"/>
+            <p:cNvPicPr>
+              <a:picLocks noChangeAspect="1"/>
+            </p:cNvPicPr>
+            <p:nvPr/>
+          </p:nvPicPr>
+          <p:blipFill>
+            <a:blip r:embed="rId12">
+              <a:extLst>
+                <a:ext uri="{28A0092B-C50C-407E-A947-70E740481C1C}">
+                  <a14:useLocalDpi xmlns:a14="http://schemas.microsoft.com/office/drawing/2010/main" val="0"/>
+                </a:ext>
+              </a:extLst>
+            </a:blip>
+            <a:stretch>
+              <a:fillRect/>
+            </a:stretch>
+          </p:blipFill>
+          <p:spPr>
+            <a:xfrm rot="10800000" flipH="1" flipV="1">
+              <a:off x="4559390" y="2505829"/>
+              <a:ext cx="669600" cy="669600"/>
+            </a:xfrm>
+            <a:prstGeom prst="rect">
+              <a:avLst/>
+            </a:prstGeom>
+          </p:spPr>
+        </p:pic>
+      </p:grpSp>
+      <p:cxnSp>
+        <p:nvCxnSpPr>
+          <p:cNvPr id="301" name="Straight Connector 300"/>
+          <p:cNvCxnSpPr>
+            <a:stCxn id="25" idx="1"/>
+            <a:endCxn id="56" idx="0"/>
+          </p:cNvCxnSpPr>
+          <p:nvPr/>
+        </p:nvCxnSpPr>
+        <p:spPr>
+          <a:xfrm>
+            <a:off x="6573004" y="582468"/>
+            <a:ext cx="2430294" cy="593933"/>
+          </a:xfrm>
+          <a:prstGeom prst="line">
+            <a:avLst/>
+          </a:prstGeom>
+          <a:ln>
+            <a:prstDash val="lgDash"/>
+          </a:ln>
+        </p:spPr>
+        <p:style>
+          <a:lnRef idx="1">
+            <a:schemeClr val="accent1"/>
+          </a:lnRef>
+          <a:fillRef idx="0">
+            <a:schemeClr val="accent1"/>
+          </a:fillRef>
+          <a:effectRef idx="0">
+            <a:schemeClr val="accent1"/>
+          </a:effectRef>
+          <a:fontRef idx="minor">
+            <a:schemeClr val="tx1"/>
+          </a:fontRef>
+        </p:style>
+      </p:cxnSp>
     </p:spTree>
     <p:extLst>
       <p:ext uri="{BB962C8B-B14F-4D97-AF65-F5344CB8AC3E}">
@@ -4377,6 +9438,150 @@
 </file>
 
 <file path=ppt/slides/slide2.xml><?xml version="1.0" encoding="utf-8"?>
+<p:sld xmlns:a="http://schemas.openxmlformats.org/drawingml/2006/main" xmlns:r="http://schemas.openxmlformats.org/officeDocument/2006/relationships" xmlns:p="http://schemas.openxmlformats.org/presentationml/2006/main">
+  <p:cSld>
+    <p:spTree>
+      <p:nvGrpSpPr>
+        <p:cNvPr id="1" name=""/>
+        <p:cNvGrpSpPr/>
+        <p:nvPr/>
+      </p:nvGrpSpPr>
+      <p:grpSpPr>
+        <a:xfrm>
+          <a:off x="0" y="0"/>
+          <a:ext cx="0" cy="0"/>
+          <a:chOff x="0" y="0"/>
+          <a:chExt cx="0" cy="0"/>
+        </a:xfrm>
+      </p:grpSpPr>
+      <p:graphicFrame>
+        <p:nvGraphicFramePr>
+          <p:cNvPr id="4" name="Content Placeholder 6"/>
+          <p:cNvGraphicFramePr>
+            <a:graphicFrameLocks noGrp="1"/>
+          </p:cNvGraphicFramePr>
+          <p:nvPr>
+            <p:ph idx="1"/>
+            <p:extLst>
+              <p:ext uri="{D42A27DB-BD31-4B8C-83A1-F6EECF244321}">
+                <p14:modId xmlns:p14="http://schemas.microsoft.com/office/powerpoint/2010/main" val="156036271"/>
+              </p:ext>
+            </p:extLst>
+          </p:nvPr>
+        </p:nvGraphicFramePr>
+        <p:xfrm>
+          <a:off x="1643063" y="822303"/>
+          <a:ext cx="9107945" cy="5213394"/>
+        </p:xfrm>
+        <a:graphic>
+          <a:graphicData uri="http://schemas.openxmlformats.org/drawingml/2006/diagram">
+            <dgm:relIds xmlns:dgm="http://schemas.openxmlformats.org/drawingml/2006/diagram" xmlns:r="http://schemas.openxmlformats.org/officeDocument/2006/relationships" r:dm="rId2" r:lo="rId3" r:qs="rId4" r:cs="rId5"/>
+          </a:graphicData>
+        </a:graphic>
+      </p:graphicFrame>
+      <p:sp>
+        <p:nvSpPr>
+          <p:cNvPr id="5" name="TextBox 4"/>
+          <p:cNvSpPr txBox="1"/>
+          <p:nvPr/>
+        </p:nvSpPr>
+        <p:spPr>
+          <a:xfrm>
+            <a:off x="2353673" y="6213519"/>
+            <a:ext cx="7279194" cy="253916"/>
+          </a:xfrm>
+          <a:prstGeom prst="rect">
+            <a:avLst/>
+          </a:prstGeom>
+          <a:noFill/>
+        </p:spPr>
+        <p:txBody>
+          <a:bodyPr wrap="square" rtlCol="0">
+            <a:spAutoFit/>
+          </a:bodyPr>
+          <a:lstStyle/>
+          <a:p>
+            <a:pPr algn="ctr"/>
+            <a:r>
+              <a:rPr lang="de-DE" sz="1050" dirty="0" smtClean="0">
+                <a:latin typeface="Calibri" charset="0"/>
+                <a:ea typeface="Calibri" charset="0"/>
+                <a:cs typeface="Calibri" charset="0"/>
+              </a:rPr>
+              <a:t>© </a:t>
+            </a:r>
+            <a:r>
+              <a:rPr lang="en-US" sz="1050" dirty="0" smtClean="0">
+                <a:latin typeface="Calibri" charset="0"/>
+                <a:ea typeface="Calibri" charset="0"/>
+                <a:cs typeface="Calibri" charset="0"/>
+              </a:rPr>
+              <a:t>Icons by</a:t>
+            </a:r>
+            <a:r>
+              <a:rPr lang="de-DE" sz="1050" dirty="0" smtClean="0">
+                <a:latin typeface="Calibri" charset="0"/>
+                <a:ea typeface="Calibri" charset="0"/>
+                <a:cs typeface="Calibri" charset="0"/>
+              </a:rPr>
+              <a:t> </a:t>
+            </a:r>
+            <a:r>
+              <a:rPr lang="en-US" sz="1050" dirty="0" smtClean="0">
+                <a:latin typeface="Calibri" charset="0"/>
+                <a:ea typeface="Calibri" charset="0"/>
+                <a:cs typeface="Calibri" charset="0"/>
+              </a:rPr>
+              <a:t>Elegant Themes / </a:t>
+            </a:r>
+            <a:r>
+              <a:rPr lang="en-US" sz="1050" dirty="0" smtClean="0">
+                <a:latin typeface="Calibri" charset="0"/>
+                <a:ea typeface="Calibri" charset="0"/>
+                <a:cs typeface="Calibri" charset="0"/>
+                <a:hlinkClick r:id="rId7"/>
+              </a:rPr>
+              <a:t>https://www.elegantthemes.com/blog/freebie-of-the-week/beautiful-flat-icons-for-free</a:t>
+            </a:r>
+            <a:r>
+              <a:rPr lang="en-US" sz="1050" dirty="0" smtClean="0">
+                <a:latin typeface="Calibri" charset="0"/>
+                <a:ea typeface="Calibri" charset="0"/>
+                <a:cs typeface="Calibri" charset="0"/>
+              </a:rPr>
+              <a:t> / </a:t>
+            </a:r>
+            <a:r>
+              <a:rPr lang="en-US" sz="1050" dirty="0" smtClean="0">
+                <a:latin typeface="Calibri" charset="0"/>
+                <a:ea typeface="Calibri" charset="0"/>
+                <a:cs typeface="Calibri" charset="0"/>
+                <a:hlinkClick r:id="rId8"/>
+              </a:rPr>
+              <a:t>GPLv2</a:t>
+            </a:r>
+            <a:endParaRPr lang="en-US" sz="1050" dirty="0">
+              <a:latin typeface="Calibri" charset="0"/>
+              <a:ea typeface="Calibri" charset="0"/>
+              <a:cs typeface="Calibri" charset="0"/>
+            </a:endParaRPr>
+          </a:p>
+        </p:txBody>
+      </p:sp>
+    </p:spTree>
+    <p:extLst>
+      <p:ext uri="{BB962C8B-B14F-4D97-AF65-F5344CB8AC3E}">
+        <p14:creationId xmlns:p14="http://schemas.microsoft.com/office/powerpoint/2010/main" val="1728984943"/>
+      </p:ext>
+    </p:extLst>
+  </p:cSld>
+  <p:clrMapOvr>
+    <a:masterClrMapping/>
+  </p:clrMapOvr>
+</p:sld>
+</file>
+
+<file path=ppt/slides/slide3.xml><?xml version="1.0" encoding="utf-8"?>
 <p:sld xmlns:a="http://schemas.openxmlformats.org/drawingml/2006/main" xmlns:r="http://schemas.openxmlformats.org/officeDocument/2006/relationships" xmlns:p="http://schemas.openxmlformats.org/presentationml/2006/main">
   <p:cSld>
     <p:spTree>
@@ -6356,7 +11561,7 @@
 </p:sld>
 </file>
 
-<file path=ppt/slides/slide3.xml><?xml version="1.0" encoding="utf-8"?>
+<file path=ppt/slides/slide4.xml><?xml version="1.0" encoding="utf-8"?>
 <p:sld xmlns:a="http://schemas.openxmlformats.org/drawingml/2006/main" xmlns:r="http://schemas.openxmlformats.org/officeDocument/2006/relationships" xmlns:p="http://schemas.openxmlformats.org/presentationml/2006/main">
   <p:cSld>
     <p:spTree>

--- a/doc/diagramms.pptx
+++ b/doc/diagramms.pptx
@@ -4705,7 +4705,7 @@
           <a:p>
             <a:fld id="{C8198AB6-5A71-A847-8A4B-938858A1E07C}" type="datetimeFigureOut">
               <a:rPr lang="en-US" smtClean="0"/>
-              <a:t>8/31/17</a:t>
+              <a:t>1/2/18</a:t>
             </a:fld>
             <a:endParaRPr lang="en-US"/>
           </a:p>
@@ -5188,7 +5188,7 @@
           <a:p>
             <a:fld id="{AD6DC445-D345-6046-95E8-4C84A7AD1FCC}" type="datetimeFigureOut">
               <a:rPr lang="en-US" smtClean="0"/>
-              <a:t>8/31/17</a:t>
+              <a:t>1/2/18</a:t>
             </a:fld>
             <a:endParaRPr lang="en-US"/>
           </a:p>
@@ -5353,7 +5353,7 @@
           <a:p>
             <a:fld id="{AD6DC445-D345-6046-95E8-4C84A7AD1FCC}" type="datetimeFigureOut">
               <a:rPr lang="en-US" smtClean="0"/>
-              <a:t>8/31/17</a:t>
+              <a:t>1/2/18</a:t>
             </a:fld>
             <a:endParaRPr lang="en-US"/>
           </a:p>
@@ -5528,7 +5528,7 @@
           <a:p>
             <a:fld id="{AD6DC445-D345-6046-95E8-4C84A7AD1FCC}" type="datetimeFigureOut">
               <a:rPr lang="en-US" smtClean="0"/>
-              <a:t>8/31/17</a:t>
+              <a:t>1/2/18</a:t>
             </a:fld>
             <a:endParaRPr lang="en-US"/>
           </a:p>
@@ -5693,7 +5693,7 @@
           <a:p>
             <a:fld id="{AD6DC445-D345-6046-95E8-4C84A7AD1FCC}" type="datetimeFigureOut">
               <a:rPr lang="en-US" smtClean="0"/>
-              <a:t>8/31/17</a:t>
+              <a:t>1/2/18</a:t>
             </a:fld>
             <a:endParaRPr lang="en-US"/>
           </a:p>
@@ -5934,7 +5934,7 @@
           <a:p>
             <a:fld id="{AD6DC445-D345-6046-95E8-4C84A7AD1FCC}" type="datetimeFigureOut">
               <a:rPr lang="en-US" smtClean="0"/>
-              <a:t>8/31/17</a:t>
+              <a:t>1/2/18</a:t>
             </a:fld>
             <a:endParaRPr lang="en-US"/>
           </a:p>
@@ -6161,7 +6161,7 @@
           <a:p>
             <a:fld id="{AD6DC445-D345-6046-95E8-4C84A7AD1FCC}" type="datetimeFigureOut">
               <a:rPr lang="en-US" smtClean="0"/>
-              <a:t>8/31/17</a:t>
+              <a:t>1/2/18</a:t>
             </a:fld>
             <a:endParaRPr lang="en-US"/>
           </a:p>
@@ -6523,7 +6523,7 @@
           <a:p>
             <a:fld id="{AD6DC445-D345-6046-95E8-4C84A7AD1FCC}" type="datetimeFigureOut">
               <a:rPr lang="en-US" smtClean="0"/>
-              <a:t>8/31/17</a:t>
+              <a:t>1/2/18</a:t>
             </a:fld>
             <a:endParaRPr lang="en-US"/>
           </a:p>
@@ -6636,7 +6636,7 @@
           <a:p>
             <a:fld id="{AD6DC445-D345-6046-95E8-4C84A7AD1FCC}" type="datetimeFigureOut">
               <a:rPr lang="en-US" smtClean="0"/>
-              <a:t>8/31/17</a:t>
+              <a:t>1/2/18</a:t>
             </a:fld>
             <a:endParaRPr lang="en-US"/>
           </a:p>
@@ -6726,7 +6726,7 @@
           <a:p>
             <a:fld id="{AD6DC445-D345-6046-95E8-4C84A7AD1FCC}" type="datetimeFigureOut">
               <a:rPr lang="en-US" smtClean="0"/>
-              <a:t>8/31/17</a:t>
+              <a:t>1/2/18</a:t>
             </a:fld>
             <a:endParaRPr lang="en-US"/>
           </a:p>
@@ -6998,7 +6998,7 @@
           <a:p>
             <a:fld id="{AD6DC445-D345-6046-95E8-4C84A7AD1FCC}" type="datetimeFigureOut">
               <a:rPr lang="en-US" smtClean="0"/>
-              <a:t>8/31/17</a:t>
+              <a:t>1/2/18</a:t>
             </a:fld>
             <a:endParaRPr lang="en-US"/>
           </a:p>
@@ -7246,7 +7246,7 @@
           <a:p>
             <a:fld id="{AD6DC445-D345-6046-95E8-4C84A7AD1FCC}" type="datetimeFigureOut">
               <a:rPr lang="en-US" smtClean="0"/>
-              <a:t>8/31/17</a:t>
+              <a:t>1/2/18</a:t>
             </a:fld>
             <a:endParaRPr lang="en-US"/>
           </a:p>
@@ -7454,7 +7454,7 @@
           <a:p>
             <a:fld id="{AD6DC445-D345-6046-95E8-4C84A7AD1FCC}" type="datetimeFigureOut">
               <a:rPr lang="en-US" smtClean="0"/>
-              <a:t>8/31/17</a:t>
+              <a:t>1/2/18</a:t>
             </a:fld>
             <a:endParaRPr lang="en-US"/>
           </a:p>
